--- a/team17_00357108_00357139_endproject.pptx
+++ b/team17_00357108_00357139_endproject.pptx
@@ -3214,14 +3214,7 @@
                 <a:latin typeface="微軟正黑體" panose="020B0604030504040204" pitchFamily="34" charset="-120"/>
                 <a:ea typeface="微軟正黑體" panose="020B0604030504040204" pitchFamily="34" charset="-120"/>
               </a:rPr>
-              <a:t>      </a:t>
-            </a:r>
-            <a:r>
-              <a:rPr lang="zh-TW" altLang="en-US" sz="4000" b="1" dirty="0" smtClean="0">
-                <a:latin typeface="微軟正黑體" panose="020B0604030504040204" pitchFamily="34" charset="-120"/>
-                <a:ea typeface="微軟正黑體" panose="020B0604030504040204" pitchFamily="34" charset="-120"/>
-              </a:rPr>
-              <a:t>說明文件</a:t>
+              <a:t>      說明文件</a:t>
             </a:r>
             <a:endParaRPr lang="zh-TW" altLang="zh-TW" sz="4000" b="1" dirty="0">
               <a:latin typeface="微軟正黑體" panose="020B0604030504040204" pitchFamily="34" charset="-120"/>
@@ -8009,14 +8002,7 @@
                 <a:latin typeface="微軟正黑體" panose="020B0604030504040204" pitchFamily="34" charset="-120"/>
                 <a:ea typeface="微軟正黑體" panose="020B0604030504040204" pitchFamily="34" charset="-120"/>
               </a:rPr>
-              <a:t> </a:t>
-            </a:r>
-            <a:r>
-              <a:rPr lang="zh-TW" altLang="en-US" sz="3200" dirty="0" smtClean="0">
-                <a:latin typeface="微軟正黑體" panose="020B0604030504040204" pitchFamily="34" charset="-120"/>
-                <a:ea typeface="微軟正黑體" panose="020B0604030504040204" pitchFamily="34" charset="-120"/>
-              </a:rPr>
-              <a:t>涂道純</a:t>
+              <a:t> 涂道純</a:t>
             </a:r>
             <a:endParaRPr lang="en-US" altLang="zh-TW" sz="3200" dirty="0" smtClean="0">
               <a:latin typeface="微軟正黑體" panose="020B0604030504040204" pitchFamily="34" charset="-120"/>
@@ -8034,14 +8020,7 @@
                 <a:latin typeface="微軟正黑體" panose="020B0604030504040204" pitchFamily="34" charset="-120"/>
                 <a:ea typeface="微軟正黑體" panose="020B0604030504040204" pitchFamily="34" charset="-120"/>
               </a:rPr>
-              <a:t>說明文件</a:t>
-            </a:r>
-            <a:r>
-              <a:rPr lang="zh-TW" altLang="en-US" sz="3200" dirty="0" smtClean="0">
-                <a:latin typeface="微軟正黑體" panose="020B0604030504040204" pitchFamily="34" charset="-120"/>
-                <a:ea typeface="微軟正黑體" panose="020B0604030504040204" pitchFamily="34" charset="-120"/>
-              </a:rPr>
-              <a:t> </a:t>
+              <a:t>說明文件 </a:t>
             </a:r>
             <a:r>
               <a:rPr lang="en-US" altLang="zh-TW" sz="3200" dirty="0">
@@ -8192,6 +8171,38 @@
               <a:latin typeface="微軟正黑體" panose="020B0604030504040204" pitchFamily="34" charset="-120"/>
               <a:ea typeface="微軟正黑體" panose="020B0604030504040204" pitchFamily="34" charset="-120"/>
             </a:endParaRPr>
+          </a:p>
+        </p:txBody>
+      </p:sp>
+      <p:sp>
+        <p:nvSpPr>
+          <p:cNvPr id="2" name="文字方塊 1"/>
+          <p:cNvSpPr txBox="1"/>
+          <p:nvPr/>
+        </p:nvSpPr>
+        <p:spPr>
+          <a:xfrm>
+            <a:off x="881336" y="1963921"/>
+            <a:ext cx="7416824" cy="584775"/>
+          </a:xfrm>
+          <a:prstGeom prst="rect">
+            <a:avLst/>
+          </a:prstGeom>
+          <a:noFill/>
+        </p:spPr>
+        <p:txBody>
+          <a:bodyPr wrap="square" rtlCol="0">
+            <a:spAutoFit/>
+          </a:bodyPr>
+          <a:lstStyle/>
+          <a:p>
+            <a:r>
+              <a:rPr lang="en-US" altLang="zh-TW" sz="3200" dirty="0">
+                <a:hlinkClick r:id="rId2"/>
+              </a:rPr>
+              <a:t>https://tu564541.github.io/Welcome.html</a:t>
+            </a:r>
+            <a:endParaRPr lang="zh-TW" altLang="en-US" dirty="0"/>
           </a:p>
         </p:txBody>
       </p:sp>

--- a/team17_00357108_00357139_endproject.pptx
+++ b/team17_00357108_00357139_endproject.pptx
@@ -17,11 +17,12 @@
     <p:sldId id="270" r:id="rId11"/>
     <p:sldId id="272" r:id="rId12"/>
     <p:sldId id="274" r:id="rId13"/>
-    <p:sldId id="275" r:id="rId14"/>
-    <p:sldId id="276" r:id="rId15"/>
-    <p:sldId id="263" r:id="rId16"/>
-    <p:sldId id="271" r:id="rId17"/>
-    <p:sldId id="261" r:id="rId18"/>
+    <p:sldId id="277" r:id="rId14"/>
+    <p:sldId id="275" r:id="rId15"/>
+    <p:sldId id="276" r:id="rId16"/>
+    <p:sldId id="263" r:id="rId17"/>
+    <p:sldId id="271" r:id="rId18"/>
+    <p:sldId id="261" r:id="rId19"/>
   </p:sldIdLst>
   <p:sldSz cx="9144000" cy="6858000" type="screen4x3"/>
   <p:notesSz cx="6858000" cy="9144000"/>
@@ -304,7 +305,7 @@
           <a:p>
             <a:fld id="{AA253A67-0C81-408F-AD19-8F3F5F5E6B46}" type="datetimeFigureOut">
               <a:rPr lang="zh-TW" altLang="en-US" smtClean="0"/>
-              <a:t>2016/6/16</a:t>
+              <a:t>2016/6/17</a:t>
             </a:fld>
             <a:endParaRPr lang="zh-TW" altLang="en-US"/>
           </a:p>
@@ -474,7 +475,7 @@
           <a:p>
             <a:fld id="{AA253A67-0C81-408F-AD19-8F3F5F5E6B46}" type="datetimeFigureOut">
               <a:rPr lang="zh-TW" altLang="en-US" smtClean="0"/>
-              <a:t>2016/6/16</a:t>
+              <a:t>2016/6/17</a:t>
             </a:fld>
             <a:endParaRPr lang="zh-TW" altLang="en-US"/>
           </a:p>
@@ -654,7 +655,7 @@
           <a:p>
             <a:fld id="{AA253A67-0C81-408F-AD19-8F3F5F5E6B46}" type="datetimeFigureOut">
               <a:rPr lang="zh-TW" altLang="en-US" smtClean="0"/>
-              <a:t>2016/6/16</a:t>
+              <a:t>2016/6/17</a:t>
             </a:fld>
             <a:endParaRPr lang="zh-TW" altLang="en-US"/>
           </a:p>
@@ -824,7 +825,7 @@
           <a:p>
             <a:fld id="{AA253A67-0C81-408F-AD19-8F3F5F5E6B46}" type="datetimeFigureOut">
               <a:rPr lang="zh-TW" altLang="en-US" smtClean="0"/>
-              <a:t>2016/6/16</a:t>
+              <a:t>2016/6/17</a:t>
             </a:fld>
             <a:endParaRPr lang="zh-TW" altLang="en-US"/>
           </a:p>
@@ -1070,7 +1071,7 @@
           <a:p>
             <a:fld id="{AA253A67-0C81-408F-AD19-8F3F5F5E6B46}" type="datetimeFigureOut">
               <a:rPr lang="zh-TW" altLang="en-US" smtClean="0"/>
-              <a:t>2016/6/16</a:t>
+              <a:t>2016/6/17</a:t>
             </a:fld>
             <a:endParaRPr lang="zh-TW" altLang="en-US"/>
           </a:p>
@@ -1358,7 +1359,7 @@
           <a:p>
             <a:fld id="{AA253A67-0C81-408F-AD19-8F3F5F5E6B46}" type="datetimeFigureOut">
               <a:rPr lang="zh-TW" altLang="en-US" smtClean="0"/>
-              <a:t>2016/6/16</a:t>
+              <a:t>2016/6/17</a:t>
             </a:fld>
             <a:endParaRPr lang="zh-TW" altLang="en-US"/>
           </a:p>
@@ -1780,7 +1781,7 @@
           <a:p>
             <a:fld id="{AA253A67-0C81-408F-AD19-8F3F5F5E6B46}" type="datetimeFigureOut">
               <a:rPr lang="zh-TW" altLang="en-US" smtClean="0"/>
-              <a:t>2016/6/16</a:t>
+              <a:t>2016/6/17</a:t>
             </a:fld>
             <a:endParaRPr lang="zh-TW" altLang="en-US"/>
           </a:p>
@@ -1898,7 +1899,7 @@
           <a:p>
             <a:fld id="{AA253A67-0C81-408F-AD19-8F3F5F5E6B46}" type="datetimeFigureOut">
               <a:rPr lang="zh-TW" altLang="en-US" smtClean="0"/>
-              <a:t>2016/6/16</a:t>
+              <a:t>2016/6/17</a:t>
             </a:fld>
             <a:endParaRPr lang="zh-TW" altLang="en-US"/>
           </a:p>
@@ -1993,7 +1994,7 @@
           <a:p>
             <a:fld id="{AA253A67-0C81-408F-AD19-8F3F5F5E6B46}" type="datetimeFigureOut">
               <a:rPr lang="zh-TW" altLang="en-US" smtClean="0"/>
-              <a:t>2016/6/16</a:t>
+              <a:t>2016/6/17</a:t>
             </a:fld>
             <a:endParaRPr lang="zh-TW" altLang="en-US"/>
           </a:p>
@@ -2270,7 +2271,7 @@
           <a:p>
             <a:fld id="{AA253A67-0C81-408F-AD19-8F3F5F5E6B46}" type="datetimeFigureOut">
               <a:rPr lang="zh-TW" altLang="en-US" smtClean="0"/>
-              <a:t>2016/6/16</a:t>
+              <a:t>2016/6/17</a:t>
             </a:fld>
             <a:endParaRPr lang="zh-TW" altLang="en-US"/>
           </a:p>
@@ -2523,7 +2524,7 @@
           <a:p>
             <a:fld id="{AA253A67-0C81-408F-AD19-8F3F5F5E6B46}" type="datetimeFigureOut">
               <a:rPr lang="zh-TW" altLang="en-US" smtClean="0"/>
-              <a:t>2016/6/16</a:t>
+              <a:t>2016/6/17</a:t>
             </a:fld>
             <a:endParaRPr lang="zh-TW" altLang="en-US"/>
           </a:p>
@@ -2736,7 +2737,7 @@
           <a:p>
             <a:fld id="{AA253A67-0C81-408F-AD19-8F3F5F5E6B46}" type="datetimeFigureOut">
               <a:rPr lang="zh-TW" altLang="en-US" smtClean="0"/>
-              <a:t>2016/6/16</a:t>
+              <a:t>2016/6/17</a:t>
             </a:fld>
             <a:endParaRPr lang="zh-TW" altLang="en-US"/>
           </a:p>
@@ -5895,7 +5896,7 @@
         <p:spPr>
           <a:xfrm>
             <a:off x="703883" y="1484784"/>
-            <a:ext cx="7771729" cy="3539430"/>
+            <a:ext cx="7771729" cy="5139869"/>
           </a:xfrm>
           <a:prstGeom prst="rect">
             <a:avLst/>
@@ -5949,18 +5950,128 @@
             </a:endParaRPr>
           </a:p>
           <a:p>
-            <a:pPr lvl="0"/>
             <a:r>
               <a:rPr lang="en-US" altLang="zh-TW" sz="2800" b="1" dirty="0" smtClean="0">
                 <a:latin typeface="微軟正黑體" panose="020B0604030504040204" pitchFamily="34" charset="-120"/>
                 <a:ea typeface="微軟正黑體" panose="020B0604030504040204" pitchFamily="34" charset="-120"/>
               </a:rPr>
-              <a:t>CSS:</a:t>
-            </a:r>
-          </a:p>
-          <a:p>
-            <a:pPr lvl="0"/>
-            <a:endParaRPr lang="en-US" altLang="zh-TW" sz="2800" b="1" dirty="0" smtClean="0">
+              <a:t>CSS</a:t>
+            </a:r>
+            <a:r>
+              <a:rPr lang="en-US" altLang="zh-TW" sz="2800" b="1" dirty="0" smtClean="0">
+                <a:latin typeface="微軟正黑體" panose="020B0604030504040204" pitchFamily="34" charset="-120"/>
+                <a:ea typeface="微軟正黑體" panose="020B0604030504040204" pitchFamily="34" charset="-120"/>
+              </a:rPr>
+              <a:t>:</a:t>
+            </a:r>
+            <a:r>
+              <a:rPr lang="zh-TW" altLang="en-US" sz="2800" b="1" dirty="0">
+                <a:latin typeface="微軟正黑體" panose="020B0604030504040204" pitchFamily="34" charset="-120"/>
+                <a:ea typeface="微軟正黑體" panose="020B0604030504040204" pitchFamily="34" charset="-120"/>
+              </a:rPr>
+              <a:t> </a:t>
+            </a:r>
+            <a:r>
+              <a:rPr lang="en-US" altLang="zh-TW" sz="2400" b="1" dirty="0" smtClean="0">
+                <a:latin typeface="微軟正黑體" panose="020B0604030504040204" pitchFamily="34" charset="-120"/>
+                <a:ea typeface="微軟正黑體" panose="020B0604030504040204" pitchFamily="34" charset="-120"/>
+              </a:rPr>
+              <a:t>.</a:t>
+            </a:r>
+            <a:r>
+              <a:rPr lang="en-US" altLang="zh-TW" sz="2400" dirty="0">
+                <a:solidFill>
+                  <a:prstClr val="black"/>
+                </a:solidFill>
+                <a:latin typeface="微軟正黑體" panose="020B0604030504040204" pitchFamily="34" charset="-120"/>
+                <a:ea typeface="微軟正黑體" panose="020B0604030504040204" pitchFamily="34" charset="-120"/>
+              </a:rPr>
+              <a:t>name{}, </a:t>
+            </a:r>
+            <a:r>
+              <a:rPr lang="en-US" altLang="zh-TW" sz="2400" dirty="0" err="1">
+                <a:solidFill>
+                  <a:prstClr val="black"/>
+                </a:solidFill>
+                <a:latin typeface="微軟正黑體" panose="020B0604030504040204" pitchFamily="34" charset="-120"/>
+                <a:ea typeface="微軟正黑體" panose="020B0604030504040204" pitchFamily="34" charset="-120"/>
+              </a:rPr>
+              <a:t>cursor:pointer</a:t>
+            </a:r>
+            <a:r>
+              <a:rPr lang="en-US" altLang="zh-TW" sz="2400" dirty="0">
+                <a:solidFill>
+                  <a:prstClr val="black"/>
+                </a:solidFill>
+                <a:latin typeface="微軟正黑體" panose="020B0604030504040204" pitchFamily="34" charset="-120"/>
+                <a:ea typeface="微軟正黑體" panose="020B0604030504040204" pitchFamily="34" charset="-120"/>
+              </a:rPr>
+              <a:t>, </a:t>
+            </a:r>
+            <a:r>
+              <a:rPr lang="en-US" altLang="zh-TW" sz="2400" dirty="0" err="1">
+                <a:solidFill>
+                  <a:prstClr val="black"/>
+                </a:solidFill>
+                <a:latin typeface="微軟正黑體" panose="020B0604030504040204" pitchFamily="34" charset="-120"/>
+                <a:ea typeface="微軟正黑體" panose="020B0604030504040204" pitchFamily="34" charset="-120"/>
+              </a:rPr>
+              <a:t>position:absolute</a:t>
+            </a:r>
+            <a:r>
+              <a:rPr lang="zh-TW" altLang="en-US" sz="2400" dirty="0">
+                <a:solidFill>
+                  <a:prstClr val="black"/>
+                </a:solidFill>
+                <a:latin typeface="微軟正黑體" panose="020B0604030504040204" pitchFamily="34" charset="-120"/>
+                <a:ea typeface="微軟正黑體" panose="020B0604030504040204" pitchFamily="34" charset="-120"/>
+              </a:rPr>
+              <a:t> </a:t>
+            </a:r>
+            <a:r>
+              <a:rPr lang="en-US" altLang="zh-TW" sz="2400" dirty="0">
+                <a:solidFill>
+                  <a:prstClr val="black"/>
+                </a:solidFill>
+                <a:latin typeface="微軟正黑體" panose="020B0604030504040204" pitchFamily="34" charset="-120"/>
+                <a:ea typeface="微軟正黑體" panose="020B0604030504040204" pitchFamily="34" charset="-120"/>
+              </a:rPr>
+              <a:t>(</a:t>
+            </a:r>
+            <a:r>
+              <a:rPr lang="zh-TW" altLang="en-US" sz="2400" dirty="0">
+                <a:solidFill>
+                  <a:prstClr val="black"/>
+                </a:solidFill>
+                <a:latin typeface="微軟正黑體" panose="020B0604030504040204" pitchFamily="34" charset="-120"/>
+                <a:ea typeface="微軟正黑體" panose="020B0604030504040204" pitchFamily="34" charset="-120"/>
+              </a:rPr>
+              <a:t>同上</a:t>
+            </a:r>
+            <a:r>
+              <a:rPr lang="en-US" altLang="zh-TW" sz="2400" dirty="0">
+                <a:solidFill>
+                  <a:prstClr val="black"/>
+                </a:solidFill>
+                <a:latin typeface="微軟正黑體" panose="020B0604030504040204" pitchFamily="34" charset="-120"/>
+                <a:ea typeface="微軟正黑體" panose="020B0604030504040204" pitchFamily="34" charset="-120"/>
+              </a:rPr>
+              <a:t>)</a:t>
+            </a:r>
+            <a:r>
+              <a:rPr lang="en-US" altLang="zh-TW" sz="2800" dirty="0">
+                <a:solidFill>
+                  <a:prstClr val="black"/>
+                </a:solidFill>
+                <a:latin typeface="微軟正黑體" panose="020B0604030504040204" pitchFamily="34" charset="-120"/>
+                <a:ea typeface="微軟正黑體" panose="020B0604030504040204" pitchFamily="34" charset="-120"/>
+              </a:rPr>
+              <a:t> </a:t>
+            </a:r>
+            <a:endParaRPr lang="en-US" altLang="zh-TW" sz="2800" dirty="0" smtClean="0">
+              <a:solidFill>
+                <a:prstClr val="black"/>
+              </a:solidFill>
               <a:latin typeface="微軟正黑體" panose="020B0604030504040204" pitchFamily="34" charset="-120"/>
               <a:ea typeface="微軟正黑體" panose="020B0604030504040204" pitchFamily="34" charset="-120"/>
             </a:endParaRPr>
@@ -5971,14 +6082,75 @@
                 <a:latin typeface="微軟正黑體" panose="020B0604030504040204" pitchFamily="34" charset="-120"/>
                 <a:ea typeface="微軟正黑體" panose="020B0604030504040204" pitchFamily="34" charset="-120"/>
               </a:rPr>
-              <a:t>JAVASCRIPT:</a:t>
-            </a:r>
-          </a:p>
-          <a:p>
-            <a:endParaRPr lang="en-US" altLang="zh-TW" sz="2800" b="1" dirty="0" smtClean="0">
-              <a:latin typeface="微軟正黑體" panose="020B0604030504040204" pitchFamily="34" charset="-120"/>
-              <a:ea typeface="微軟正黑體" panose="020B0604030504040204" pitchFamily="34" charset="-120"/>
-            </a:endParaRPr>
+              <a:t>HTML:</a:t>
+            </a:r>
+            <a:r>
+              <a:rPr lang="zh-TW" altLang="en-US" sz="2800" b="1" dirty="0">
+                <a:latin typeface="微軟正黑體" panose="020B0604030504040204" pitchFamily="34" charset="-120"/>
+                <a:ea typeface="微軟正黑體" panose="020B0604030504040204" pitchFamily="34" charset="-120"/>
+              </a:rPr>
+              <a:t> </a:t>
+            </a:r>
+            <a:r>
+              <a:rPr lang="en-US" altLang="zh-TW" sz="2400" dirty="0" err="1">
+                <a:solidFill>
+                  <a:prstClr val="black"/>
+                </a:solidFill>
+                <a:latin typeface="微軟正黑體" panose="020B0604030504040204" pitchFamily="34" charset="-120"/>
+                <a:ea typeface="微軟正黑體" panose="020B0604030504040204" pitchFamily="34" charset="-120"/>
+              </a:rPr>
+              <a:t>onclick</a:t>
+            </a:r>
+            <a:r>
+              <a:rPr lang="en-US" altLang="zh-TW" sz="2400" dirty="0">
+                <a:solidFill>
+                  <a:prstClr val="black"/>
+                </a:solidFill>
+                <a:latin typeface="微軟正黑體" panose="020B0604030504040204" pitchFamily="34" charset="-120"/>
+                <a:ea typeface="微軟正黑體" panose="020B0604030504040204" pitchFamily="34" charset="-120"/>
+              </a:rPr>
+              <a:t>="</a:t>
+            </a:r>
+            <a:r>
+              <a:rPr lang="en-US" altLang="zh-TW" sz="2400" dirty="0" err="1">
+                <a:solidFill>
+                  <a:prstClr val="black"/>
+                </a:solidFill>
+                <a:latin typeface="微軟正黑體" panose="020B0604030504040204" pitchFamily="34" charset="-120"/>
+                <a:ea typeface="微軟正黑體" panose="020B0604030504040204" pitchFamily="34" charset="-120"/>
+              </a:rPr>
+              <a:t>javascript:location.href</a:t>
+            </a:r>
+            <a:r>
+              <a:rPr lang="en-US" altLang="zh-TW" sz="2400" dirty="0">
+                <a:solidFill>
+                  <a:prstClr val="black"/>
+                </a:solidFill>
+                <a:latin typeface="微軟正黑體" panose="020B0604030504040204" pitchFamily="34" charset="-120"/>
+                <a:ea typeface="微軟正黑體" panose="020B0604030504040204" pitchFamily="34" charset="-120"/>
+              </a:rPr>
+              <a:t>='xxx'" (</a:t>
+            </a:r>
+            <a:r>
+              <a:rPr lang="zh-TW" altLang="en-US" sz="2400" dirty="0">
+                <a:solidFill>
+                  <a:prstClr val="black"/>
+                </a:solidFill>
+                <a:latin typeface="微軟正黑體" panose="020B0604030504040204" pitchFamily="34" charset="-120"/>
+                <a:ea typeface="微軟正黑體" panose="020B0604030504040204" pitchFamily="34" charset="-120"/>
+              </a:rPr>
+              <a:t>同上</a:t>
+            </a:r>
+            <a:r>
+              <a:rPr lang="en-US" altLang="zh-TW" sz="2400" dirty="0" smtClean="0">
+                <a:solidFill>
+                  <a:prstClr val="black"/>
+                </a:solidFill>
+                <a:latin typeface="微軟正黑體" panose="020B0604030504040204" pitchFamily="34" charset="-120"/>
+                <a:ea typeface="微軟正黑體" panose="020B0604030504040204" pitchFamily="34" charset="-120"/>
+              </a:rPr>
+              <a:t>) </a:t>
+            </a:r>
           </a:p>
           <a:p>
             <a:r>
@@ -5986,24 +6158,298 @@
                 <a:latin typeface="微軟正黑體" panose="020B0604030504040204" pitchFamily="34" charset="-120"/>
                 <a:ea typeface="微軟正黑體" panose="020B0604030504040204" pitchFamily="34" charset="-120"/>
               </a:rPr>
-              <a:t>HTML:</a:t>
-            </a:r>
-          </a:p>
-          <a:p>
-            <a:endParaRPr lang="en-US" altLang="zh-TW" sz="2800" b="1" dirty="0">
-              <a:latin typeface="微軟正黑體" panose="020B0604030504040204" pitchFamily="34" charset="-120"/>
-              <a:ea typeface="微軟正黑體" panose="020B0604030504040204" pitchFamily="34" charset="-120"/>
-            </a:endParaRPr>
-          </a:p>
-          <a:p>
+              <a:t>FACEBOOK(JAVASCRIPT</a:t>
+            </a:r>
+            <a:r>
+              <a:rPr lang="zh-TW" altLang="en-US" sz="2800" b="1" dirty="0" smtClean="0">
+                <a:latin typeface="微軟正黑體" panose="020B0604030504040204" pitchFamily="34" charset="-120"/>
+                <a:ea typeface="微軟正黑體" panose="020B0604030504040204" pitchFamily="34" charset="-120"/>
+              </a:rPr>
+              <a:t> </a:t>
+            </a:r>
             <a:r>
               <a:rPr lang="en-US" altLang="zh-TW" sz="2800" b="1" dirty="0" smtClean="0">
                 <a:latin typeface="微軟正黑體" panose="020B0604030504040204" pitchFamily="34" charset="-120"/>
                 <a:ea typeface="微軟正黑體" panose="020B0604030504040204" pitchFamily="34" charset="-120"/>
               </a:rPr>
-              <a:t>FACEBOOK:</a:t>
-            </a:r>
-            <a:endParaRPr lang="en-US" altLang="zh-TW" sz="2400" dirty="0">
+              <a:t>&amp;</a:t>
+            </a:r>
+            <a:r>
+              <a:rPr lang="zh-TW" altLang="en-US" sz="2800" b="1" dirty="0" smtClean="0">
+                <a:latin typeface="微軟正黑體" panose="020B0604030504040204" pitchFamily="34" charset="-120"/>
+                <a:ea typeface="微軟正黑體" panose="020B0604030504040204" pitchFamily="34" charset="-120"/>
+              </a:rPr>
+              <a:t> </a:t>
+            </a:r>
+            <a:r>
+              <a:rPr lang="en-US" altLang="zh-TW" sz="2800" b="1" dirty="0" smtClean="0">
+                <a:latin typeface="微軟正黑體" panose="020B0604030504040204" pitchFamily="34" charset="-120"/>
+                <a:ea typeface="微軟正黑體" panose="020B0604030504040204" pitchFamily="34" charset="-120"/>
+              </a:rPr>
+              <a:t>HTML):</a:t>
+            </a:r>
+          </a:p>
+          <a:p>
+            <a:r>
+              <a:rPr lang="en-US" altLang="zh-TW" sz="2400" dirty="0" err="1" smtClean="0">
+                <a:latin typeface="微軟正黑體" panose="020B0604030504040204" pitchFamily="34" charset="-120"/>
+                <a:ea typeface="微軟正黑體" panose="020B0604030504040204" pitchFamily="34" charset="-120"/>
+              </a:rPr>
+              <a:t>Javascript</a:t>
+            </a:r>
+            <a:r>
+              <a:rPr lang="en-US" altLang="zh-TW" sz="2400" dirty="0" smtClean="0">
+                <a:latin typeface="微軟正黑體" panose="020B0604030504040204" pitchFamily="34" charset="-120"/>
+                <a:ea typeface="微軟正黑體" panose="020B0604030504040204" pitchFamily="34" charset="-120"/>
+              </a:rPr>
+              <a:t>:</a:t>
+            </a:r>
+          </a:p>
+          <a:p>
+            <a:pPr lvl="1"/>
+            <a:r>
+              <a:rPr lang="en-US" altLang="zh-TW" sz="2400" dirty="0" smtClean="0">
+                <a:latin typeface="微軟正黑體" panose="020B0604030504040204" pitchFamily="34" charset="-120"/>
+                <a:ea typeface="微軟正黑體" panose="020B0604030504040204" pitchFamily="34" charset="-120"/>
+              </a:rPr>
+              <a:t>(</a:t>
+            </a:r>
+            <a:r>
+              <a:rPr lang="en-US" altLang="zh-TW" sz="2400" dirty="0">
+                <a:latin typeface="微軟正黑體" panose="020B0604030504040204" pitchFamily="34" charset="-120"/>
+                <a:ea typeface="微軟正黑體" panose="020B0604030504040204" pitchFamily="34" charset="-120"/>
+              </a:rPr>
+              <a:t>function(d, s, id) {</a:t>
+            </a:r>
+          </a:p>
+          <a:p>
+            <a:pPr lvl="2"/>
+            <a:r>
+              <a:rPr lang="en-US" altLang="zh-TW" sz="2400" dirty="0" err="1" smtClean="0">
+                <a:latin typeface="微軟正黑體" panose="020B0604030504040204" pitchFamily="34" charset="-120"/>
+                <a:ea typeface="微軟正黑體" panose="020B0604030504040204" pitchFamily="34" charset="-120"/>
+              </a:rPr>
+              <a:t>var</a:t>
+            </a:r>
+            <a:r>
+              <a:rPr lang="en-US" altLang="zh-TW" sz="2400" dirty="0" smtClean="0">
+                <a:latin typeface="微軟正黑體" panose="020B0604030504040204" pitchFamily="34" charset="-120"/>
+                <a:ea typeface="微軟正黑體" panose="020B0604030504040204" pitchFamily="34" charset="-120"/>
+              </a:rPr>
+              <a:t> </a:t>
+            </a:r>
+            <a:r>
+              <a:rPr lang="en-US" altLang="zh-TW" sz="2400" dirty="0" err="1">
+                <a:latin typeface="微軟正黑體" panose="020B0604030504040204" pitchFamily="34" charset="-120"/>
+                <a:ea typeface="微軟正黑體" panose="020B0604030504040204" pitchFamily="34" charset="-120"/>
+              </a:rPr>
+              <a:t>js</a:t>
+            </a:r>
+            <a:r>
+              <a:rPr lang="en-US" altLang="zh-TW" sz="2400" dirty="0">
+                <a:latin typeface="微軟正黑體" panose="020B0604030504040204" pitchFamily="34" charset="-120"/>
+                <a:ea typeface="微軟正黑體" panose="020B0604030504040204" pitchFamily="34" charset="-120"/>
+              </a:rPr>
+              <a:t>, fjs = </a:t>
+            </a:r>
+            <a:r>
+              <a:rPr lang="en-US" altLang="zh-TW" sz="2400" dirty="0" err="1">
+                <a:latin typeface="微軟正黑體" panose="020B0604030504040204" pitchFamily="34" charset="-120"/>
+                <a:ea typeface="微軟正黑體" panose="020B0604030504040204" pitchFamily="34" charset="-120"/>
+              </a:rPr>
+              <a:t>d.getElementsByTagName</a:t>
+            </a:r>
+            <a:r>
+              <a:rPr lang="en-US" altLang="zh-TW" sz="2400" dirty="0">
+                <a:latin typeface="微軟正黑體" panose="020B0604030504040204" pitchFamily="34" charset="-120"/>
+                <a:ea typeface="微軟正黑體" panose="020B0604030504040204" pitchFamily="34" charset="-120"/>
+              </a:rPr>
+              <a:t>(s)[0];</a:t>
+            </a:r>
+          </a:p>
+          <a:p>
+            <a:pPr lvl="2"/>
+            <a:r>
+              <a:rPr lang="en-US" altLang="zh-TW" sz="2400" dirty="0" smtClean="0">
+                <a:latin typeface="微軟正黑體" panose="020B0604030504040204" pitchFamily="34" charset="-120"/>
+                <a:ea typeface="微軟正黑體" panose="020B0604030504040204" pitchFamily="34" charset="-120"/>
+              </a:rPr>
+              <a:t>if </a:t>
+            </a:r>
+            <a:r>
+              <a:rPr lang="en-US" altLang="zh-TW" sz="2400" dirty="0">
+                <a:latin typeface="微軟正黑體" panose="020B0604030504040204" pitchFamily="34" charset="-120"/>
+                <a:ea typeface="微軟正黑體" panose="020B0604030504040204" pitchFamily="34" charset="-120"/>
+              </a:rPr>
+              <a:t>(</a:t>
+            </a:r>
+            <a:r>
+              <a:rPr lang="en-US" altLang="zh-TW" sz="2400" dirty="0" err="1">
+                <a:latin typeface="微軟正黑體" panose="020B0604030504040204" pitchFamily="34" charset="-120"/>
+                <a:ea typeface="微軟正黑體" panose="020B0604030504040204" pitchFamily="34" charset="-120"/>
+              </a:rPr>
+              <a:t>d.getElementById</a:t>
+            </a:r>
+            <a:r>
+              <a:rPr lang="en-US" altLang="zh-TW" sz="2400" dirty="0">
+                <a:latin typeface="微軟正黑體" panose="020B0604030504040204" pitchFamily="34" charset="-120"/>
+                <a:ea typeface="微軟正黑體" panose="020B0604030504040204" pitchFamily="34" charset="-120"/>
+              </a:rPr>
+              <a:t>(id)) return;</a:t>
+            </a:r>
+          </a:p>
+          <a:p>
+            <a:pPr lvl="2"/>
+            <a:r>
+              <a:rPr lang="en-US" altLang="zh-TW" sz="2400" dirty="0" err="1" smtClean="0">
+                <a:latin typeface="微軟正黑體" panose="020B0604030504040204" pitchFamily="34" charset="-120"/>
+                <a:ea typeface="微軟正黑體" panose="020B0604030504040204" pitchFamily="34" charset="-120"/>
+              </a:rPr>
+              <a:t>js</a:t>
+            </a:r>
+            <a:r>
+              <a:rPr lang="en-US" altLang="zh-TW" sz="2400" dirty="0" smtClean="0">
+                <a:latin typeface="微軟正黑體" panose="020B0604030504040204" pitchFamily="34" charset="-120"/>
+                <a:ea typeface="微軟正黑體" panose="020B0604030504040204" pitchFamily="34" charset="-120"/>
+              </a:rPr>
+              <a:t> </a:t>
+            </a:r>
+            <a:r>
+              <a:rPr lang="en-US" altLang="zh-TW" sz="2400" dirty="0">
+                <a:latin typeface="微軟正黑體" panose="020B0604030504040204" pitchFamily="34" charset="-120"/>
+                <a:ea typeface="微軟正黑體" panose="020B0604030504040204" pitchFamily="34" charset="-120"/>
+              </a:rPr>
+              <a:t>= </a:t>
+            </a:r>
+            <a:r>
+              <a:rPr lang="en-US" altLang="zh-TW" sz="2400" dirty="0" err="1">
+                <a:latin typeface="微軟正黑體" panose="020B0604030504040204" pitchFamily="34" charset="-120"/>
+                <a:ea typeface="微軟正黑體" panose="020B0604030504040204" pitchFamily="34" charset="-120"/>
+              </a:rPr>
+              <a:t>d.createElement</a:t>
+            </a:r>
+            <a:r>
+              <a:rPr lang="en-US" altLang="zh-TW" sz="2400" dirty="0">
+                <a:latin typeface="微軟正黑體" panose="020B0604030504040204" pitchFamily="34" charset="-120"/>
+                <a:ea typeface="微軟正黑體" panose="020B0604030504040204" pitchFamily="34" charset="-120"/>
+              </a:rPr>
+              <a:t>(s); js.id = id;</a:t>
+            </a:r>
+          </a:p>
+          <a:p>
+            <a:pPr lvl="2"/>
+            <a:r>
+              <a:rPr lang="en-US" altLang="zh-TW" sz="2400" dirty="0" err="1" smtClean="0">
+                <a:latin typeface="微軟正黑體" panose="020B0604030504040204" pitchFamily="34" charset="-120"/>
+                <a:ea typeface="微軟正黑體" panose="020B0604030504040204" pitchFamily="34" charset="-120"/>
+              </a:rPr>
+              <a:t>js.src</a:t>
+            </a:r>
+            <a:r>
+              <a:rPr lang="en-US" altLang="zh-TW" sz="2400" dirty="0" smtClean="0">
+                <a:latin typeface="微軟正黑體" panose="020B0604030504040204" pitchFamily="34" charset="-120"/>
+                <a:ea typeface="微軟正黑體" panose="020B0604030504040204" pitchFamily="34" charset="-120"/>
+              </a:rPr>
+              <a:t>="//</a:t>
+            </a:r>
+            <a:r>
+              <a:rPr lang="en-US" altLang="zh-TW" sz="2400" dirty="0">
+                <a:latin typeface="微軟正黑體" panose="020B0604030504040204" pitchFamily="34" charset="-120"/>
+                <a:ea typeface="微軟正黑體" panose="020B0604030504040204" pitchFamily="34" charset="-120"/>
+              </a:rPr>
+              <a:t>connect.facebook.net/</a:t>
+            </a:r>
+            <a:r>
+              <a:rPr lang="en-US" altLang="zh-TW" sz="2400" dirty="0" err="1">
+                <a:latin typeface="微軟正黑體" panose="020B0604030504040204" pitchFamily="34" charset="-120"/>
+                <a:ea typeface="微軟正黑體" panose="020B0604030504040204" pitchFamily="34" charset="-120"/>
+              </a:rPr>
+              <a:t>zh_TW</a:t>
+            </a:r>
+            <a:r>
+              <a:rPr lang="en-US" altLang="zh-TW" sz="2400" dirty="0">
+                <a:latin typeface="微軟正黑體" panose="020B0604030504040204" pitchFamily="34" charset="-120"/>
+                <a:ea typeface="微軟正黑體" panose="020B0604030504040204" pitchFamily="34" charset="-120"/>
+              </a:rPr>
+              <a:t>/</a:t>
+            </a:r>
+            <a:r>
+              <a:rPr lang="en-US" altLang="zh-TW" sz="2400" dirty="0" err="1">
+                <a:latin typeface="微軟正黑體" panose="020B0604030504040204" pitchFamily="34" charset="-120"/>
+                <a:ea typeface="微軟正黑體" panose="020B0604030504040204" pitchFamily="34" charset="-120"/>
+              </a:rPr>
+              <a:t>sdk.js#xfbml</a:t>
+            </a:r>
+            <a:r>
+              <a:rPr lang="en-US" altLang="zh-TW" sz="2400" dirty="0">
+                <a:latin typeface="微軟正黑體" panose="020B0604030504040204" pitchFamily="34" charset="-120"/>
+                <a:ea typeface="微軟正黑體" panose="020B0604030504040204" pitchFamily="34" charset="-120"/>
+              </a:rPr>
+              <a:t>=1&amp;version=v2.6";</a:t>
+            </a:r>
+          </a:p>
+          <a:p>
+            <a:pPr lvl="2"/>
+            <a:r>
+              <a:rPr lang="en-US" altLang="zh-TW" sz="2400" dirty="0" err="1" smtClean="0">
+                <a:latin typeface="微軟正黑體" panose="020B0604030504040204" pitchFamily="34" charset="-120"/>
+                <a:ea typeface="微軟正黑體" panose="020B0604030504040204" pitchFamily="34" charset="-120"/>
+              </a:rPr>
+              <a:t>fjs.parentNode.insertBefore</a:t>
+            </a:r>
+            <a:r>
+              <a:rPr lang="en-US" altLang="zh-TW" sz="2400" dirty="0" smtClean="0">
+                <a:latin typeface="微軟正黑體" panose="020B0604030504040204" pitchFamily="34" charset="-120"/>
+                <a:ea typeface="微軟正黑體" panose="020B0604030504040204" pitchFamily="34" charset="-120"/>
+              </a:rPr>
+              <a:t>(</a:t>
+            </a:r>
+            <a:r>
+              <a:rPr lang="en-US" altLang="zh-TW" sz="2400" dirty="0" err="1" smtClean="0">
+                <a:latin typeface="微軟正黑體" panose="020B0604030504040204" pitchFamily="34" charset="-120"/>
+                <a:ea typeface="微軟正黑體" panose="020B0604030504040204" pitchFamily="34" charset="-120"/>
+              </a:rPr>
+              <a:t>js</a:t>
+            </a:r>
+            <a:r>
+              <a:rPr lang="en-US" altLang="zh-TW" sz="2400" dirty="0">
+                <a:latin typeface="微軟正黑體" panose="020B0604030504040204" pitchFamily="34" charset="-120"/>
+                <a:ea typeface="微軟正黑體" panose="020B0604030504040204" pitchFamily="34" charset="-120"/>
+              </a:rPr>
+              <a:t>, fjs);</a:t>
+            </a:r>
+          </a:p>
+          <a:p>
+            <a:pPr lvl="1"/>
+            <a:r>
+              <a:rPr lang="en-US" altLang="zh-TW" sz="2400" dirty="0" smtClean="0">
+                <a:latin typeface="微軟正黑體" panose="020B0604030504040204" pitchFamily="34" charset="-120"/>
+                <a:ea typeface="微軟正黑體" panose="020B0604030504040204" pitchFamily="34" charset="-120"/>
+              </a:rPr>
+              <a:t>}(</a:t>
+            </a:r>
+            <a:r>
+              <a:rPr lang="en-US" altLang="zh-TW" sz="2400" dirty="0">
+                <a:latin typeface="微軟正黑體" panose="020B0604030504040204" pitchFamily="34" charset="-120"/>
+                <a:ea typeface="微軟正黑體" panose="020B0604030504040204" pitchFamily="34" charset="-120"/>
+              </a:rPr>
+              <a:t>document, 'script', '</a:t>
+            </a:r>
+            <a:r>
+              <a:rPr lang="en-US" altLang="zh-TW" sz="2400" dirty="0" err="1">
+                <a:latin typeface="微軟正黑體" panose="020B0604030504040204" pitchFamily="34" charset="-120"/>
+                <a:ea typeface="微軟正黑體" panose="020B0604030504040204" pitchFamily="34" charset="-120"/>
+              </a:rPr>
+              <a:t>facebook-jssdk</a:t>
+            </a:r>
+            <a:r>
+              <a:rPr lang="en-US" altLang="zh-TW" sz="2400" dirty="0">
+                <a:latin typeface="微軟正黑體" panose="020B0604030504040204" pitchFamily="34" charset="-120"/>
+                <a:ea typeface="微軟正黑體" panose="020B0604030504040204" pitchFamily="34" charset="-120"/>
+              </a:rPr>
+              <a:t>'));</a:t>
+            </a:r>
+            <a:endParaRPr lang="en-US" altLang="zh-TW" sz="2000" dirty="0">
               <a:latin typeface="微軟正黑體" panose="020B0604030504040204" pitchFamily="34" charset="-120"/>
               <a:ea typeface="微軟正黑體" panose="020B0604030504040204" pitchFamily="34" charset="-120"/>
             </a:endParaRPr>
@@ -6140,7 +6586,7 @@
                 <a:latin typeface="微軟正黑體" panose="020B0604030504040204" pitchFamily="34" charset="-120"/>
                 <a:ea typeface="微軟正黑體" panose="020B0604030504040204" pitchFamily="34" charset="-120"/>
               </a:rPr>
-              <a:t>三</a:t>
+              <a:t>二</a:t>
             </a:r>
             <a:r>
               <a:rPr lang="en-US" altLang="zh-TW" sz="4800" b="1" dirty="0" smtClean="0">
@@ -6174,8 +6620,8 @@
         </p:nvSpPr>
         <p:spPr>
           <a:xfrm>
-            <a:off x="683568" y="1386636"/>
-            <a:ext cx="7771729" cy="5570756"/>
+            <a:off x="703883" y="1488589"/>
+            <a:ext cx="7771729" cy="2739211"/>
           </a:xfrm>
           <a:prstGeom prst="rect">
             <a:avLst/>
@@ -6189,877 +6635,131 @@
           <a:lstStyle/>
           <a:p>
             <a:r>
-              <a:rPr lang="zh-TW" altLang="en-US" sz="2800" b="1" dirty="0">
-                <a:latin typeface="微軟正黑體" panose="020B0604030504040204" pitchFamily="34" charset="-120"/>
-                <a:ea typeface="微軟正黑體" panose="020B0604030504040204" pitchFamily="34" charset="-120"/>
-              </a:rPr>
-              <a:t>遊戲頁</a:t>
+              <a:rPr lang="en-US" altLang="zh-TW" sz="2800" b="1" dirty="0" smtClean="0">
+                <a:latin typeface="微軟正黑體" panose="020B0604030504040204" pitchFamily="34" charset="-120"/>
+                <a:ea typeface="微軟正黑體" panose="020B0604030504040204" pitchFamily="34" charset="-120"/>
+              </a:rPr>
+              <a:t>FACEBOOK(JAVASCRIPT</a:t>
             </a:r>
             <a:r>
               <a:rPr lang="zh-TW" altLang="en-US" sz="2800" b="1" dirty="0" smtClean="0">
                 <a:latin typeface="微軟正黑體" panose="020B0604030504040204" pitchFamily="34" charset="-120"/>
                 <a:ea typeface="微軟正黑體" panose="020B0604030504040204" pitchFamily="34" charset="-120"/>
               </a:rPr>
-              <a:t>面</a:t>
-            </a:r>
-            <a:endParaRPr lang="en-US" altLang="zh-TW" sz="2800" b="1" dirty="0" smtClean="0">
+              <a:t> </a:t>
+            </a:r>
+            <a:r>
+              <a:rPr lang="en-US" altLang="zh-TW" sz="2800" b="1" dirty="0" smtClean="0">
+                <a:latin typeface="微軟正黑體" panose="020B0604030504040204" pitchFamily="34" charset="-120"/>
+                <a:ea typeface="微軟正黑體" panose="020B0604030504040204" pitchFamily="34" charset="-120"/>
+              </a:rPr>
+              <a:t>&amp;</a:t>
+            </a:r>
+            <a:r>
+              <a:rPr lang="zh-TW" altLang="en-US" sz="2800" b="1" dirty="0" smtClean="0">
+                <a:latin typeface="微軟正黑體" panose="020B0604030504040204" pitchFamily="34" charset="-120"/>
+                <a:ea typeface="微軟正黑體" panose="020B0604030504040204" pitchFamily="34" charset="-120"/>
+              </a:rPr>
+              <a:t> </a:t>
+            </a:r>
+            <a:r>
+              <a:rPr lang="en-US" altLang="zh-TW" sz="2800" b="1" dirty="0" smtClean="0">
+                <a:latin typeface="微軟正黑體" panose="020B0604030504040204" pitchFamily="34" charset="-120"/>
+                <a:ea typeface="微軟正黑體" panose="020B0604030504040204" pitchFamily="34" charset="-120"/>
+              </a:rPr>
+              <a:t>HTML):</a:t>
+            </a:r>
+          </a:p>
+          <a:p>
+            <a:r>
+              <a:rPr lang="en-US" altLang="zh-TW" sz="2400" dirty="0" smtClean="0">
+                <a:latin typeface="微軟正黑體" panose="020B0604030504040204" pitchFamily="34" charset="-120"/>
+                <a:ea typeface="微軟正黑體" panose="020B0604030504040204" pitchFamily="34" charset="-120"/>
+              </a:rPr>
+              <a:t>HTML:</a:t>
+            </a:r>
+          </a:p>
+          <a:p>
+            <a:pPr lvl="1"/>
+            <a:r>
+              <a:rPr lang="en-US" altLang="zh-TW" sz="2400" dirty="0" smtClean="0">
+                <a:latin typeface="微軟正黑體" panose="020B0604030504040204" pitchFamily="34" charset="-120"/>
+                <a:ea typeface="微軟正黑體" panose="020B0604030504040204" pitchFamily="34" charset="-120"/>
+              </a:rPr>
+              <a:t>&lt;</a:t>
+            </a:r>
+            <a:r>
+              <a:rPr lang="en-US" altLang="zh-TW" sz="2400" dirty="0">
+                <a:latin typeface="微軟正黑體" panose="020B0604030504040204" pitchFamily="34" charset="-120"/>
+                <a:ea typeface="微軟正黑體" panose="020B0604030504040204" pitchFamily="34" charset="-120"/>
+              </a:rPr>
+              <a:t>div class="fb-comments" </a:t>
+            </a:r>
+            <a:r>
+              <a:rPr lang="en-US" altLang="zh-TW" sz="2400" dirty="0" smtClean="0">
+                <a:latin typeface="微軟正黑體" panose="020B0604030504040204" pitchFamily="34" charset="-120"/>
+                <a:ea typeface="微軟正黑體" panose="020B0604030504040204" pitchFamily="34" charset="-120"/>
+              </a:rPr>
+              <a:t>data-</a:t>
+            </a:r>
+            <a:r>
+              <a:rPr lang="en-US" altLang="zh-TW" sz="2400" dirty="0" err="1" smtClean="0">
+                <a:latin typeface="微軟正黑體" panose="020B0604030504040204" pitchFamily="34" charset="-120"/>
+                <a:ea typeface="微軟正黑體" panose="020B0604030504040204" pitchFamily="34" charset="-120"/>
+              </a:rPr>
+              <a:t>href</a:t>
+            </a:r>
+            <a:r>
+              <a:rPr lang="en-US" altLang="zh-TW" sz="2400" dirty="0">
+                <a:latin typeface="微軟正黑體" panose="020B0604030504040204" pitchFamily="34" charset="-120"/>
+                <a:ea typeface="微軟正黑體" panose="020B0604030504040204" pitchFamily="34" charset="-120"/>
+              </a:rPr>
+              <a:t>="https://tu564541.github.io/author.html" data-width="800" data-</a:t>
+            </a:r>
+            <a:r>
+              <a:rPr lang="en-US" altLang="zh-TW" sz="2400" dirty="0" err="1">
+                <a:latin typeface="微軟正黑體" panose="020B0604030504040204" pitchFamily="34" charset="-120"/>
+                <a:ea typeface="微軟正黑體" panose="020B0604030504040204" pitchFamily="34" charset="-120"/>
+              </a:rPr>
+              <a:t>numposts</a:t>
+            </a:r>
+            <a:r>
+              <a:rPr lang="en-US" altLang="zh-TW" sz="2400" dirty="0">
+                <a:latin typeface="微軟正黑體" panose="020B0604030504040204" pitchFamily="34" charset="-120"/>
+                <a:ea typeface="微軟正黑體" panose="020B0604030504040204" pitchFamily="34" charset="-120"/>
+              </a:rPr>
+              <a:t>="5"&gt;</a:t>
+            </a:r>
+          </a:p>
+          <a:p>
+            <a:pPr lvl="1"/>
+            <a:r>
+              <a:rPr lang="en-US" altLang="zh-TW" sz="2400" dirty="0" smtClean="0">
+                <a:latin typeface="微軟正黑體" panose="020B0604030504040204" pitchFamily="34" charset="-120"/>
+                <a:ea typeface="微軟正黑體" panose="020B0604030504040204" pitchFamily="34" charset="-120"/>
+              </a:rPr>
+              <a:t>&lt;/</a:t>
+            </a:r>
+            <a:r>
+              <a:rPr lang="en-US" altLang="zh-TW" sz="2400" dirty="0">
+                <a:latin typeface="微軟正黑體" panose="020B0604030504040204" pitchFamily="34" charset="-120"/>
+                <a:ea typeface="微軟正黑體" panose="020B0604030504040204" pitchFamily="34" charset="-120"/>
+              </a:rPr>
+              <a:t>div&gt;</a:t>
+            </a:r>
+          </a:p>
+          <a:p>
+            <a:endParaRPr lang="en-US" altLang="zh-TW" sz="2400" dirty="0" smtClean="0">
               <a:latin typeface="微軟正黑體" panose="020B0604030504040204" pitchFamily="34" charset="-120"/>
               <a:ea typeface="微軟正黑體" panose="020B0604030504040204" pitchFamily="34" charset="-120"/>
             </a:endParaRPr>
           </a:p>
-          <a:p>
-            <a:pPr lvl="0"/>
-            <a:r>
-              <a:rPr lang="en-US" altLang="zh-TW" sz="2800" b="1" dirty="0" smtClean="0">
-                <a:latin typeface="微軟正黑體" panose="020B0604030504040204" pitchFamily="34" charset="-120"/>
-                <a:ea typeface="微軟正黑體" panose="020B0604030504040204" pitchFamily="34" charset="-120"/>
-              </a:rPr>
-              <a:t>CSS:</a:t>
-            </a:r>
-            <a:r>
-              <a:rPr lang="zh-TW" altLang="en-US" sz="2800" b="1" dirty="0" smtClean="0">
-                <a:latin typeface="微軟正黑體" panose="020B0604030504040204" pitchFamily="34" charset="-120"/>
-                <a:ea typeface="微軟正黑體" panose="020B0604030504040204" pitchFamily="34" charset="-120"/>
-              </a:rPr>
-              <a:t> </a:t>
-            </a:r>
-            <a:r>
-              <a:rPr lang="en-US" altLang="zh-TW" sz="2400" b="1" dirty="0" smtClean="0">
-                <a:latin typeface="微軟正黑體" panose="020B0604030504040204" pitchFamily="34" charset="-120"/>
-                <a:ea typeface="微軟正黑體" panose="020B0604030504040204" pitchFamily="34" charset="-120"/>
-              </a:rPr>
-              <a:t>.</a:t>
-            </a:r>
-            <a:r>
-              <a:rPr lang="en-US" altLang="zh-TW" sz="2400" dirty="0">
-                <a:solidFill>
-                  <a:prstClr val="black"/>
-                </a:solidFill>
-                <a:latin typeface="微軟正黑體" panose="020B0604030504040204" pitchFamily="34" charset="-120"/>
-                <a:ea typeface="微軟正黑體" panose="020B0604030504040204" pitchFamily="34" charset="-120"/>
-              </a:rPr>
-              <a:t>name</a:t>
-            </a:r>
-            <a:r>
-              <a:rPr lang="en-US" altLang="zh-TW" sz="2400" dirty="0" smtClean="0">
-                <a:solidFill>
-                  <a:prstClr val="black"/>
-                </a:solidFill>
-                <a:latin typeface="微軟正黑體" panose="020B0604030504040204" pitchFamily="34" charset="-120"/>
-                <a:ea typeface="微軟正黑體" panose="020B0604030504040204" pitchFamily="34" charset="-120"/>
-              </a:rPr>
-              <a:t>{}, </a:t>
-            </a:r>
-            <a:r>
-              <a:rPr lang="en-US" altLang="zh-TW" sz="2400" dirty="0" err="1" smtClean="0">
-                <a:solidFill>
-                  <a:prstClr val="black"/>
-                </a:solidFill>
-                <a:latin typeface="微軟正黑體" panose="020B0604030504040204" pitchFamily="34" charset="-120"/>
-                <a:ea typeface="微軟正黑體" panose="020B0604030504040204" pitchFamily="34" charset="-120"/>
-              </a:rPr>
-              <a:t>cursor:pointer</a:t>
-            </a:r>
-            <a:r>
-              <a:rPr lang="en-US" altLang="zh-TW" sz="2400" dirty="0" smtClean="0">
-                <a:solidFill>
-                  <a:prstClr val="black"/>
-                </a:solidFill>
-                <a:latin typeface="微軟正黑體" panose="020B0604030504040204" pitchFamily="34" charset="-120"/>
-                <a:ea typeface="微軟正黑體" panose="020B0604030504040204" pitchFamily="34" charset="-120"/>
-              </a:rPr>
-              <a:t>, </a:t>
-            </a:r>
-            <a:r>
-              <a:rPr lang="en-US" altLang="zh-TW" sz="2400" dirty="0" err="1" smtClean="0">
-                <a:solidFill>
-                  <a:prstClr val="black"/>
-                </a:solidFill>
-                <a:latin typeface="微軟正黑體" panose="020B0604030504040204" pitchFamily="34" charset="-120"/>
-                <a:ea typeface="微軟正黑體" panose="020B0604030504040204" pitchFamily="34" charset="-120"/>
-              </a:rPr>
-              <a:t>position:absolute</a:t>
-            </a:r>
-            <a:r>
-              <a:rPr lang="zh-TW" altLang="en-US" sz="2400" dirty="0" smtClean="0">
-                <a:solidFill>
-                  <a:prstClr val="black"/>
-                </a:solidFill>
-                <a:latin typeface="微軟正黑體" panose="020B0604030504040204" pitchFamily="34" charset="-120"/>
-                <a:ea typeface="微軟正黑體" panose="020B0604030504040204" pitchFamily="34" charset="-120"/>
-              </a:rPr>
-              <a:t> </a:t>
-            </a:r>
-            <a:r>
-              <a:rPr lang="en-US" altLang="zh-TW" sz="2400" dirty="0" smtClean="0">
-                <a:solidFill>
-                  <a:prstClr val="black"/>
-                </a:solidFill>
-                <a:latin typeface="微軟正黑體" panose="020B0604030504040204" pitchFamily="34" charset="-120"/>
-                <a:ea typeface="微軟正黑體" panose="020B0604030504040204" pitchFamily="34" charset="-120"/>
-              </a:rPr>
-              <a:t>(</a:t>
-            </a:r>
-            <a:r>
-              <a:rPr lang="zh-TW" altLang="en-US" sz="2400" dirty="0" smtClean="0">
-                <a:solidFill>
-                  <a:prstClr val="black"/>
-                </a:solidFill>
-                <a:latin typeface="微軟正黑體" panose="020B0604030504040204" pitchFamily="34" charset="-120"/>
-                <a:ea typeface="微軟正黑體" panose="020B0604030504040204" pitchFamily="34" charset="-120"/>
-              </a:rPr>
-              <a:t>同上</a:t>
-            </a:r>
-            <a:r>
-              <a:rPr lang="en-US" altLang="zh-TW" sz="2400" dirty="0" smtClean="0">
-                <a:solidFill>
-                  <a:prstClr val="black"/>
-                </a:solidFill>
-                <a:latin typeface="微軟正黑體" panose="020B0604030504040204" pitchFamily="34" charset="-120"/>
-                <a:ea typeface="微軟正黑體" panose="020B0604030504040204" pitchFamily="34" charset="-120"/>
-              </a:rPr>
-              <a:t>)</a:t>
-            </a:r>
-            <a:endParaRPr lang="en-US" altLang="zh-TW" sz="2800" b="1" dirty="0">
-              <a:solidFill>
-                <a:prstClr val="black"/>
-              </a:solidFill>
-              <a:latin typeface="微軟正黑體" panose="020B0604030504040204" pitchFamily="34" charset="-120"/>
-              <a:ea typeface="微軟正黑體" panose="020B0604030504040204" pitchFamily="34" charset="-120"/>
-            </a:endParaRPr>
-          </a:p>
-          <a:p>
-            <a:pPr lvl="0"/>
-            <a:r>
-              <a:rPr lang="en-US" altLang="zh-TW" sz="2800" b="1" dirty="0">
-                <a:solidFill>
-                  <a:prstClr val="black"/>
-                </a:solidFill>
-                <a:latin typeface="微軟正黑體" panose="020B0604030504040204" pitchFamily="34" charset="-120"/>
-                <a:ea typeface="微軟正黑體" panose="020B0604030504040204" pitchFamily="34" charset="-120"/>
-              </a:rPr>
-              <a:t>	</a:t>
-            </a:r>
-            <a:r>
-              <a:rPr lang="en-US" altLang="zh-TW" sz="2400" dirty="0" err="1">
-                <a:solidFill>
-                  <a:prstClr val="black"/>
-                </a:solidFill>
-                <a:latin typeface="微軟正黑體" panose="020B0604030504040204" pitchFamily="34" charset="-120"/>
-                <a:ea typeface="微軟正黑體" panose="020B0604030504040204" pitchFamily="34" charset="-120"/>
-              </a:rPr>
-              <a:t>visibility:hidden</a:t>
-            </a:r>
-            <a:r>
-              <a:rPr lang="en-US" altLang="zh-TW" sz="2800" b="1" dirty="0">
-                <a:solidFill>
-                  <a:prstClr val="black"/>
-                </a:solidFill>
-                <a:latin typeface="微軟正黑體" panose="020B0604030504040204" pitchFamily="34" charset="-120"/>
-                <a:ea typeface="微軟正黑體" panose="020B0604030504040204" pitchFamily="34" charset="-120"/>
-              </a:rPr>
-              <a:t> </a:t>
-            </a:r>
-            <a:r>
-              <a:rPr lang="en-US" altLang="zh-TW" sz="2400" dirty="0">
-                <a:solidFill>
-                  <a:prstClr val="black"/>
-                </a:solidFill>
-                <a:latin typeface="微軟正黑體" panose="020B0604030504040204" pitchFamily="34" charset="-120"/>
-                <a:ea typeface="微軟正黑體" panose="020B0604030504040204" pitchFamily="34" charset="-120"/>
-              </a:rPr>
-              <a:t>(</a:t>
-            </a:r>
-            <a:r>
-              <a:rPr lang="zh-TW" altLang="en-US" sz="2400" dirty="0">
-                <a:solidFill>
-                  <a:prstClr val="black"/>
-                </a:solidFill>
-                <a:latin typeface="微軟正黑體" panose="020B0604030504040204" pitchFamily="34" charset="-120"/>
-                <a:ea typeface="微軟正黑體" panose="020B0604030504040204" pitchFamily="34" charset="-120"/>
-              </a:rPr>
-              <a:t>將此</a:t>
-            </a:r>
-            <a:r>
-              <a:rPr lang="en-US" altLang="zh-TW" sz="2400" dirty="0">
-                <a:solidFill>
-                  <a:prstClr val="black"/>
-                </a:solidFill>
-                <a:latin typeface="微軟正黑體" panose="020B0604030504040204" pitchFamily="34" charset="-120"/>
-                <a:ea typeface="微軟正黑體" panose="020B0604030504040204" pitchFamily="34" charset="-120"/>
-              </a:rPr>
-              <a:t>class</a:t>
-            </a:r>
-            <a:r>
-              <a:rPr lang="zh-TW" altLang="en-US" sz="2400" dirty="0">
-                <a:solidFill>
-                  <a:prstClr val="black"/>
-                </a:solidFill>
-                <a:latin typeface="微軟正黑體" panose="020B0604030504040204" pitchFamily="34" charset="-120"/>
-                <a:ea typeface="微軟正黑體" panose="020B0604030504040204" pitchFamily="34" charset="-120"/>
-              </a:rPr>
-              <a:t>隱藏</a:t>
-            </a:r>
-            <a:r>
-              <a:rPr lang="en-US" altLang="zh-TW" sz="2400" dirty="0" smtClean="0">
-                <a:solidFill>
-                  <a:prstClr val="black"/>
-                </a:solidFill>
-                <a:latin typeface="微軟正黑體" panose="020B0604030504040204" pitchFamily="34" charset="-120"/>
-                <a:ea typeface="微軟正黑體" panose="020B0604030504040204" pitchFamily="34" charset="-120"/>
-              </a:rPr>
-              <a:t>)</a:t>
-            </a:r>
-            <a:endParaRPr lang="en-US" altLang="zh-TW" sz="2800" b="1" dirty="0" smtClean="0">
-              <a:latin typeface="微軟正黑體" panose="020B0604030504040204" pitchFamily="34" charset="-120"/>
-              <a:ea typeface="微軟正黑體" panose="020B0604030504040204" pitchFamily="34" charset="-120"/>
-            </a:endParaRPr>
-          </a:p>
-          <a:p>
-            <a:r>
-              <a:rPr lang="en-US" altLang="zh-TW" sz="2800" b="1" dirty="0">
-                <a:latin typeface="微軟正黑體" panose="020B0604030504040204" pitchFamily="34" charset="-120"/>
-                <a:ea typeface="微軟正黑體" panose="020B0604030504040204" pitchFamily="34" charset="-120"/>
-              </a:rPr>
-              <a:t>JAVASCRIPT: </a:t>
-            </a:r>
-            <a:endParaRPr lang="en-US" altLang="zh-TW" sz="2800" b="1" dirty="0" smtClean="0">
-              <a:latin typeface="微軟正黑體" panose="020B0604030504040204" pitchFamily="34" charset="-120"/>
-              <a:ea typeface="微軟正黑體" panose="020B0604030504040204" pitchFamily="34" charset="-120"/>
-            </a:endParaRPr>
-          </a:p>
-          <a:p>
-            <a:r>
-              <a:rPr lang="en-US" altLang="zh-TW" sz="2800" b="1" dirty="0" smtClean="0">
-                <a:latin typeface="微軟正黑體" panose="020B0604030504040204" pitchFamily="34" charset="-120"/>
-                <a:ea typeface="微軟正黑體" panose="020B0604030504040204" pitchFamily="34" charset="-120"/>
-              </a:rPr>
-              <a:t>	</a:t>
-            </a:r>
-            <a:r>
-              <a:rPr lang="en-US" altLang="zh-TW" sz="2400" dirty="0" smtClean="0">
-                <a:latin typeface="微軟正黑體" panose="020B0604030504040204" pitchFamily="34" charset="-120"/>
-                <a:ea typeface="微軟正黑體" panose="020B0604030504040204" pitchFamily="34" charset="-120"/>
-              </a:rPr>
-              <a:t>(1) x </a:t>
-            </a:r>
-            <a:r>
-              <a:rPr lang="en-US" altLang="zh-TW" sz="2400" dirty="0">
-                <a:latin typeface="微軟正黑體" panose="020B0604030504040204" pitchFamily="34" charset="-120"/>
-                <a:ea typeface="微軟正黑體" panose="020B0604030504040204" pitchFamily="34" charset="-120"/>
-              </a:rPr>
-              <a:t>= </a:t>
-            </a:r>
-            <a:r>
-              <a:rPr lang="en-US" altLang="zh-TW" sz="2400" dirty="0" err="1" smtClean="0">
-                <a:latin typeface="微軟正黑體" panose="020B0604030504040204" pitchFamily="34" charset="-120"/>
-                <a:ea typeface="微軟正黑體" panose="020B0604030504040204" pitchFamily="34" charset="-120"/>
-              </a:rPr>
-              <a:t>localStorage.x</a:t>
-            </a:r>
-            <a:r>
-              <a:rPr lang="en-US" altLang="zh-TW" sz="2400" dirty="0" smtClean="0">
-                <a:latin typeface="微軟正黑體" panose="020B0604030504040204" pitchFamily="34" charset="-120"/>
-                <a:ea typeface="微軟正黑體" panose="020B0604030504040204" pitchFamily="34" charset="-120"/>
-              </a:rPr>
-              <a:t> (</a:t>
-            </a:r>
-            <a:r>
-              <a:rPr lang="zh-TW" altLang="en-US" sz="2400" dirty="0" smtClean="0">
-                <a:latin typeface="微軟正黑體" panose="020B0604030504040204" pitchFamily="34" charset="-120"/>
-                <a:ea typeface="微軟正黑體" panose="020B0604030504040204" pitchFamily="34" charset="-120"/>
-              </a:rPr>
-              <a:t>呼叫</a:t>
-            </a:r>
-            <a:r>
-              <a:rPr lang="en-US" altLang="zh-TW" sz="2400" dirty="0" err="1" smtClean="0">
-                <a:latin typeface="微軟正黑體" panose="020B0604030504040204" pitchFamily="34" charset="-120"/>
-                <a:ea typeface="微軟正黑體" panose="020B0604030504040204" pitchFamily="34" charset="-120"/>
-              </a:rPr>
-              <a:t>localStorage</a:t>
-            </a:r>
-            <a:r>
-              <a:rPr lang="zh-TW" altLang="en-US" sz="2400" dirty="0" smtClean="0">
-                <a:latin typeface="微軟正黑體" panose="020B0604030504040204" pitchFamily="34" charset="-120"/>
-                <a:ea typeface="微軟正黑體" panose="020B0604030504040204" pitchFamily="34" charset="-120"/>
-              </a:rPr>
-              <a:t>裡</a:t>
-            </a:r>
-            <a:r>
-              <a:rPr lang="en-US" altLang="zh-TW" sz="2400" dirty="0" smtClean="0">
-                <a:latin typeface="微軟正黑體" panose="020B0604030504040204" pitchFamily="34" charset="-120"/>
-                <a:ea typeface="微軟正黑體" panose="020B0604030504040204" pitchFamily="34" charset="-120"/>
-              </a:rPr>
-              <a:t>x</a:t>
-            </a:r>
-            <a:r>
-              <a:rPr lang="zh-TW" altLang="en-US" sz="2400" dirty="0" smtClean="0">
-                <a:latin typeface="微軟正黑體" panose="020B0604030504040204" pitchFamily="34" charset="-120"/>
-                <a:ea typeface="微軟正黑體" panose="020B0604030504040204" pitchFamily="34" charset="-120"/>
-              </a:rPr>
-              <a:t>的值</a:t>
-            </a:r>
-            <a:r>
-              <a:rPr lang="en-US" altLang="zh-TW" sz="2400" dirty="0" smtClean="0">
-                <a:latin typeface="微軟正黑體" panose="020B0604030504040204" pitchFamily="34" charset="-120"/>
-                <a:ea typeface="微軟正黑體" panose="020B0604030504040204" pitchFamily="34" charset="-120"/>
-              </a:rPr>
-              <a:t>)</a:t>
-            </a:r>
-          </a:p>
-          <a:p>
-            <a:r>
-              <a:rPr lang="en-US" altLang="zh-TW" sz="2400" dirty="0">
-                <a:latin typeface="微軟正黑體" panose="020B0604030504040204" pitchFamily="34" charset="-120"/>
-                <a:ea typeface="微軟正黑體" panose="020B0604030504040204" pitchFamily="34" charset="-120"/>
-              </a:rPr>
-              <a:t>	</a:t>
-            </a:r>
-            <a:r>
-              <a:rPr lang="en-US" altLang="zh-TW" sz="2400" dirty="0" smtClean="0">
-                <a:latin typeface="微軟正黑體" panose="020B0604030504040204" pitchFamily="34" charset="-120"/>
-                <a:ea typeface="微軟正黑體" panose="020B0604030504040204" pitchFamily="34" charset="-120"/>
-              </a:rPr>
-              <a:t>(2) </a:t>
-            </a:r>
-            <a:r>
-              <a:rPr lang="en-US" altLang="zh-TW" sz="2400" dirty="0" err="1" smtClean="0">
-                <a:latin typeface="微軟正黑體" panose="020B0604030504040204" pitchFamily="34" charset="-120"/>
-                <a:ea typeface="微軟正黑體" panose="020B0604030504040204" pitchFamily="34" charset="-120"/>
-              </a:rPr>
-              <a:t>var</a:t>
-            </a:r>
-            <a:r>
-              <a:rPr lang="en-US" altLang="zh-TW" sz="2400" dirty="0" smtClean="0">
-                <a:latin typeface="微軟正黑體" panose="020B0604030504040204" pitchFamily="34" charset="-120"/>
-                <a:ea typeface="微軟正黑體" panose="020B0604030504040204" pitchFamily="34" charset="-120"/>
-              </a:rPr>
-              <a:t> </a:t>
-            </a:r>
-            <a:r>
-              <a:rPr lang="en-US" altLang="zh-TW" sz="2400" dirty="0" err="1">
-                <a:latin typeface="微軟正黑體" panose="020B0604030504040204" pitchFamily="34" charset="-120"/>
-                <a:ea typeface="微軟正黑體" panose="020B0604030504040204" pitchFamily="34" charset="-120"/>
-              </a:rPr>
-              <a:t>inputname</a:t>
-            </a:r>
-            <a:r>
-              <a:rPr lang="en-US" altLang="zh-TW" sz="2400" dirty="0">
-                <a:latin typeface="微軟正黑體" panose="020B0604030504040204" pitchFamily="34" charset="-120"/>
-                <a:ea typeface="微軟正黑體" panose="020B0604030504040204" pitchFamily="34" charset="-120"/>
-              </a:rPr>
-              <a:t> = </a:t>
-            </a:r>
-            <a:r>
-              <a:rPr lang="en-US" altLang="zh-TW" sz="2400" dirty="0" smtClean="0">
-                <a:latin typeface="微軟正黑體" panose="020B0604030504040204" pitchFamily="34" charset="-120"/>
-                <a:ea typeface="微軟正黑體" panose="020B0604030504040204" pitchFamily="34" charset="-120"/>
-              </a:rPr>
-              <a:t>"x"; </a:t>
-            </a:r>
-            <a:r>
-              <a:rPr lang="en-US" altLang="zh-TW" sz="2400" dirty="0" err="1" smtClean="0">
-                <a:latin typeface="微軟正黑體" panose="020B0604030504040204" pitchFamily="34" charset="-120"/>
-                <a:ea typeface="微軟正黑體" panose="020B0604030504040204" pitchFamily="34" charset="-120"/>
-              </a:rPr>
-              <a:t>var</a:t>
-            </a:r>
-            <a:r>
-              <a:rPr lang="en-US" altLang="zh-TW" sz="2400" dirty="0" smtClean="0">
-                <a:latin typeface="微軟正黑體" panose="020B0604030504040204" pitchFamily="34" charset="-120"/>
-                <a:ea typeface="微軟正黑體" panose="020B0604030504040204" pitchFamily="34" charset="-120"/>
-              </a:rPr>
-              <a:t> </a:t>
-            </a:r>
-            <a:r>
-              <a:rPr lang="en-US" altLang="zh-TW" sz="2400" dirty="0">
-                <a:latin typeface="微軟正黑體" panose="020B0604030504040204" pitchFamily="34" charset="-120"/>
-                <a:ea typeface="微軟正黑體" panose="020B0604030504040204" pitchFamily="34" charset="-120"/>
-              </a:rPr>
-              <a:t>input = </a:t>
-            </a:r>
-            <a:r>
-              <a:rPr lang="en-US" altLang="zh-TW" sz="2400" dirty="0" smtClean="0">
-                <a:latin typeface="微軟正黑體" panose="020B0604030504040204" pitchFamily="34" charset="-120"/>
-                <a:ea typeface="微軟正黑體" panose="020B0604030504040204" pitchFamily="34" charset="-120"/>
-              </a:rPr>
-              <a:t>1;</a:t>
-            </a:r>
-          </a:p>
-          <a:p>
-            <a:r>
-              <a:rPr lang="en-US" altLang="zh-TW" sz="2400" dirty="0">
-                <a:latin typeface="微軟正黑體" panose="020B0604030504040204" pitchFamily="34" charset="-120"/>
-                <a:ea typeface="微軟正黑體" panose="020B0604030504040204" pitchFamily="34" charset="-120"/>
-              </a:rPr>
-              <a:t>	 </a:t>
-            </a:r>
-            <a:r>
-              <a:rPr lang="en-US" altLang="zh-TW" sz="2400" dirty="0" smtClean="0">
-                <a:latin typeface="微軟正黑體" panose="020B0604030504040204" pitchFamily="34" charset="-120"/>
-                <a:ea typeface="微軟正黑體" panose="020B0604030504040204" pitchFamily="34" charset="-120"/>
-              </a:rPr>
-              <a:t>     </a:t>
-            </a:r>
-            <a:r>
-              <a:rPr lang="en-US" altLang="zh-TW" sz="2400" dirty="0" err="1" smtClean="0">
-                <a:latin typeface="微軟正黑體" panose="020B0604030504040204" pitchFamily="34" charset="-120"/>
-                <a:ea typeface="微軟正黑體" panose="020B0604030504040204" pitchFamily="34" charset="-120"/>
-              </a:rPr>
-              <a:t>localStorage.setItem</a:t>
-            </a:r>
-            <a:r>
-              <a:rPr lang="en-US" altLang="zh-TW" sz="2400" dirty="0" smtClean="0">
-                <a:latin typeface="微軟正黑體" panose="020B0604030504040204" pitchFamily="34" charset="-120"/>
-                <a:ea typeface="微軟正黑體" panose="020B0604030504040204" pitchFamily="34" charset="-120"/>
-              </a:rPr>
-              <a:t>(</a:t>
-            </a:r>
-            <a:r>
-              <a:rPr lang="en-US" altLang="zh-TW" sz="2400" dirty="0" err="1" smtClean="0">
-                <a:latin typeface="微軟正黑體" panose="020B0604030504040204" pitchFamily="34" charset="-120"/>
-                <a:ea typeface="微軟正黑體" panose="020B0604030504040204" pitchFamily="34" charset="-120"/>
-              </a:rPr>
-              <a:t>inputname</a:t>
-            </a:r>
-            <a:r>
-              <a:rPr lang="en-US" altLang="zh-TW" sz="2400" dirty="0">
-                <a:latin typeface="微軟正黑體" panose="020B0604030504040204" pitchFamily="34" charset="-120"/>
-                <a:ea typeface="微軟正黑體" panose="020B0604030504040204" pitchFamily="34" charset="-120"/>
-              </a:rPr>
-              <a:t>, input</a:t>
-            </a:r>
-            <a:r>
-              <a:rPr lang="en-US" altLang="zh-TW" sz="2400" dirty="0" smtClean="0">
-                <a:latin typeface="微軟正黑體" panose="020B0604030504040204" pitchFamily="34" charset="-120"/>
-                <a:ea typeface="微軟正黑體" panose="020B0604030504040204" pitchFamily="34" charset="-120"/>
-              </a:rPr>
-              <a:t>);</a:t>
-            </a:r>
-            <a:endParaRPr lang="en-US" altLang="zh-TW" sz="2400" dirty="0">
-              <a:latin typeface="微軟正黑體" panose="020B0604030504040204" pitchFamily="34" charset="-120"/>
-              <a:ea typeface="微軟正黑體" panose="020B0604030504040204" pitchFamily="34" charset="-120"/>
-            </a:endParaRPr>
-          </a:p>
-          <a:p>
-            <a:r>
-              <a:rPr lang="en-US" altLang="zh-TW" sz="2400" b="1" dirty="0" smtClean="0">
-                <a:latin typeface="微軟正黑體" panose="020B0604030504040204" pitchFamily="34" charset="-120"/>
-                <a:ea typeface="微軟正黑體" panose="020B0604030504040204" pitchFamily="34" charset="-120"/>
-              </a:rPr>
-              <a:t>	      </a:t>
-            </a:r>
-            <a:r>
-              <a:rPr lang="en-US" altLang="zh-TW" sz="2400" dirty="0" smtClean="0">
-                <a:latin typeface="微軟正黑體" panose="020B0604030504040204" pitchFamily="34" charset="-120"/>
-                <a:ea typeface="微軟正黑體" panose="020B0604030504040204" pitchFamily="34" charset="-120"/>
-              </a:rPr>
-              <a:t>(</a:t>
-            </a:r>
-            <a:r>
-              <a:rPr lang="zh-TW" altLang="en-US" sz="2400" dirty="0" smtClean="0">
-                <a:latin typeface="微軟正黑體" panose="020B0604030504040204" pitchFamily="34" charset="-120"/>
-                <a:ea typeface="微軟正黑體" panose="020B0604030504040204" pitchFamily="34" charset="-120"/>
-              </a:rPr>
-              <a:t>在</a:t>
-            </a:r>
-            <a:r>
-              <a:rPr lang="en-US" altLang="zh-TW" sz="2400" dirty="0" err="1" smtClean="0">
-                <a:latin typeface="微軟正黑體" panose="020B0604030504040204" pitchFamily="34" charset="-120"/>
-                <a:ea typeface="微軟正黑體" panose="020B0604030504040204" pitchFamily="34" charset="-120"/>
-              </a:rPr>
-              <a:t>localStorage</a:t>
-            </a:r>
-            <a:r>
-              <a:rPr lang="zh-TW" altLang="en-US" sz="2400" dirty="0" smtClean="0">
-                <a:latin typeface="微軟正黑體" panose="020B0604030504040204" pitchFamily="34" charset="-120"/>
-                <a:ea typeface="微軟正黑體" panose="020B0604030504040204" pitchFamily="34" charset="-120"/>
-              </a:rPr>
-              <a:t>存入</a:t>
-            </a:r>
-            <a:r>
-              <a:rPr lang="en-US" altLang="zh-TW" sz="2400" dirty="0" smtClean="0">
-                <a:latin typeface="微軟正黑體" panose="020B0604030504040204" pitchFamily="34" charset="-120"/>
-                <a:ea typeface="微軟正黑體" panose="020B0604030504040204" pitchFamily="34" charset="-120"/>
-              </a:rPr>
-              <a:t>x = 1)</a:t>
-            </a:r>
-          </a:p>
-          <a:p>
-            <a:r>
-              <a:rPr lang="en-US" altLang="zh-TW" sz="2400" dirty="0">
-                <a:latin typeface="微軟正黑體" panose="020B0604030504040204" pitchFamily="34" charset="-120"/>
-                <a:ea typeface="微軟正黑體" panose="020B0604030504040204" pitchFamily="34" charset="-120"/>
-              </a:rPr>
-              <a:t>	(</a:t>
-            </a:r>
-            <a:r>
-              <a:rPr lang="en-US" altLang="zh-TW" sz="2400" dirty="0" smtClean="0">
-                <a:latin typeface="微軟正黑體" panose="020B0604030504040204" pitchFamily="34" charset="-120"/>
-                <a:ea typeface="微軟正黑體" panose="020B0604030504040204" pitchFamily="34" charset="-120"/>
-              </a:rPr>
-              <a:t>3) </a:t>
-            </a:r>
-            <a:r>
-              <a:rPr lang="en-US" altLang="zh-TW" sz="2400" dirty="0" err="1" smtClean="0">
-                <a:latin typeface="微軟正黑體" panose="020B0604030504040204" pitchFamily="34" charset="-120"/>
-                <a:ea typeface="微軟正黑體" panose="020B0604030504040204" pitchFamily="34" charset="-120"/>
-              </a:rPr>
-              <a:t>y.setAttribute</a:t>
-            </a:r>
-            <a:r>
-              <a:rPr lang="en-US" altLang="zh-TW" sz="2400" dirty="0" smtClean="0">
-                <a:latin typeface="微軟正黑體" panose="020B0604030504040204" pitchFamily="34" charset="-120"/>
-                <a:ea typeface="微軟正黑體" panose="020B0604030504040204" pitchFamily="34" charset="-120"/>
-              </a:rPr>
-              <a:t>("</a:t>
-            </a:r>
-            <a:r>
-              <a:rPr lang="en-US" altLang="zh-TW" sz="2400" dirty="0" err="1" smtClean="0">
-                <a:latin typeface="微軟正黑體" panose="020B0604030504040204" pitchFamily="34" charset="-120"/>
-                <a:ea typeface="微軟正黑體" panose="020B0604030504040204" pitchFamily="34" charset="-120"/>
-              </a:rPr>
-              <a:t>class","x</a:t>
-            </a:r>
-            <a:r>
-              <a:rPr lang="en-US" altLang="zh-TW" sz="2400" dirty="0" smtClean="0">
-                <a:latin typeface="微軟正黑體" panose="020B0604030504040204" pitchFamily="34" charset="-120"/>
-                <a:ea typeface="微軟正黑體" panose="020B0604030504040204" pitchFamily="34" charset="-120"/>
-              </a:rPr>
-              <a:t>"); (</a:t>
-            </a:r>
-            <a:r>
-              <a:rPr lang="zh-TW" altLang="en-US" sz="2400" dirty="0" smtClean="0">
-                <a:latin typeface="微軟正黑體" panose="020B0604030504040204" pitchFamily="34" charset="-120"/>
-                <a:ea typeface="微軟正黑體" panose="020B0604030504040204" pitchFamily="34" charset="-120"/>
-              </a:rPr>
-              <a:t>將</a:t>
-            </a:r>
-            <a:r>
-              <a:rPr lang="en-US" altLang="zh-TW" sz="2400" dirty="0" smtClean="0">
-                <a:latin typeface="微軟正黑體" panose="020B0604030504040204" pitchFamily="34" charset="-120"/>
-                <a:ea typeface="微軟正黑體" panose="020B0604030504040204" pitchFamily="34" charset="-120"/>
-              </a:rPr>
-              <a:t>y</a:t>
-            </a:r>
-            <a:r>
-              <a:rPr lang="zh-TW" altLang="en-US" sz="2400" dirty="0" smtClean="0">
-                <a:latin typeface="微軟正黑體" panose="020B0604030504040204" pitchFamily="34" charset="-120"/>
-                <a:ea typeface="微軟正黑體" panose="020B0604030504040204" pitchFamily="34" charset="-120"/>
-              </a:rPr>
-              <a:t>的</a:t>
-            </a:r>
-            <a:r>
-              <a:rPr lang="en-US" altLang="zh-TW" sz="2400" dirty="0" smtClean="0">
-                <a:latin typeface="微軟正黑體" panose="020B0604030504040204" pitchFamily="34" charset="-120"/>
-                <a:ea typeface="微軟正黑體" panose="020B0604030504040204" pitchFamily="34" charset="-120"/>
-              </a:rPr>
-              <a:t>class</a:t>
-            </a:r>
-            <a:r>
-              <a:rPr lang="zh-TW" altLang="en-US" sz="2400" dirty="0" smtClean="0">
-                <a:latin typeface="微軟正黑體" panose="020B0604030504040204" pitchFamily="34" charset="-120"/>
-                <a:ea typeface="微軟正黑體" panose="020B0604030504040204" pitchFamily="34" charset="-120"/>
-              </a:rPr>
-              <a:t>改成</a:t>
-            </a:r>
-            <a:r>
-              <a:rPr lang="en-US" altLang="zh-TW" sz="2400" dirty="0" smtClean="0">
-                <a:latin typeface="微軟正黑體" panose="020B0604030504040204" pitchFamily="34" charset="-120"/>
-                <a:ea typeface="微軟正黑體" panose="020B0604030504040204" pitchFamily="34" charset="-120"/>
-              </a:rPr>
-              <a:t>x)</a:t>
-            </a:r>
-          </a:p>
-          <a:p>
-            <a:r>
-              <a:rPr lang="en-US" altLang="zh-TW" sz="2400" dirty="0">
-                <a:latin typeface="微軟正黑體" panose="020B0604030504040204" pitchFamily="34" charset="-120"/>
-                <a:ea typeface="微軟正黑體" panose="020B0604030504040204" pitchFamily="34" charset="-120"/>
-              </a:rPr>
-              <a:t>	(4) </a:t>
-            </a:r>
-            <a:r>
-              <a:rPr lang="en-US" altLang="zh-TW" sz="2400" dirty="0" err="1" smtClean="0">
-                <a:latin typeface="微軟正黑體" panose="020B0604030504040204" pitchFamily="34" charset="-120"/>
-                <a:ea typeface="微軟正黑體" panose="020B0604030504040204" pitchFamily="34" charset="-120"/>
-              </a:rPr>
-              <a:t>y.addEventListener</a:t>
-            </a:r>
-            <a:r>
-              <a:rPr lang="en-US" altLang="zh-TW" sz="2400" dirty="0" smtClean="0">
-                <a:latin typeface="微軟正黑體" panose="020B0604030504040204" pitchFamily="34" charset="-120"/>
-                <a:ea typeface="微軟正黑體" panose="020B0604030504040204" pitchFamily="34" charset="-120"/>
-              </a:rPr>
-              <a:t>(</a:t>
-            </a:r>
-            <a:r>
-              <a:rPr lang="en-US" altLang="zh-TW" sz="2400" dirty="0">
-                <a:latin typeface="微軟正黑體" panose="020B0604030504040204" pitchFamily="34" charset="-120"/>
-                <a:ea typeface="微軟正黑體" panose="020B0604030504040204" pitchFamily="34" charset="-120"/>
-              </a:rPr>
-              <a:t>"</a:t>
-            </a:r>
-            <a:r>
-              <a:rPr lang="en-US" altLang="zh-TW" sz="2400" dirty="0" smtClean="0">
-                <a:latin typeface="微軟正黑體" panose="020B0604030504040204" pitchFamily="34" charset="-120"/>
-                <a:ea typeface="微軟正黑體" panose="020B0604030504040204" pitchFamily="34" charset="-120"/>
-              </a:rPr>
-              <a:t>click</a:t>
-            </a:r>
-            <a:r>
-              <a:rPr lang="en-US" altLang="zh-TW" sz="2400" dirty="0">
-                <a:latin typeface="微軟正黑體" panose="020B0604030504040204" pitchFamily="34" charset="-120"/>
-                <a:ea typeface="微軟正黑體" panose="020B0604030504040204" pitchFamily="34" charset="-120"/>
-              </a:rPr>
-              <a:t>"</a:t>
-            </a:r>
-            <a:r>
-              <a:rPr lang="en-US" altLang="zh-TW" sz="2400" dirty="0" smtClean="0">
-                <a:latin typeface="微軟正黑體" panose="020B0604030504040204" pitchFamily="34" charset="-120"/>
-                <a:ea typeface="微軟正黑體" panose="020B0604030504040204" pitchFamily="34" charset="-120"/>
-              </a:rPr>
-              <a:t>, </a:t>
-            </a:r>
-            <a:r>
-              <a:rPr lang="en-US" altLang="zh-TW" sz="2400" dirty="0">
-                <a:latin typeface="微軟正黑體" panose="020B0604030504040204" pitchFamily="34" charset="-120"/>
-                <a:ea typeface="微軟正黑體" panose="020B0604030504040204" pitchFamily="34" charset="-120"/>
-              </a:rPr>
-              <a:t>x</a:t>
-            </a:r>
-            <a:r>
-              <a:rPr lang="en-US" altLang="zh-TW" sz="2400" dirty="0" smtClean="0">
-                <a:latin typeface="微軟正黑體" panose="020B0604030504040204" pitchFamily="34" charset="-120"/>
-                <a:ea typeface="微軟正黑體" panose="020B0604030504040204" pitchFamily="34" charset="-120"/>
-              </a:rPr>
-              <a:t>, </a:t>
-            </a:r>
-            <a:r>
-              <a:rPr lang="en-US" altLang="zh-TW" sz="2400" dirty="0">
-                <a:latin typeface="微軟正黑體" panose="020B0604030504040204" pitchFamily="34" charset="-120"/>
-                <a:ea typeface="微軟正黑體" panose="020B0604030504040204" pitchFamily="34" charset="-120"/>
-              </a:rPr>
-              <a:t>false </a:t>
-            </a:r>
-            <a:r>
-              <a:rPr lang="en-US" altLang="zh-TW" sz="2400" dirty="0" smtClean="0">
-                <a:latin typeface="微軟正黑體" panose="020B0604030504040204" pitchFamily="34" charset="-120"/>
-                <a:ea typeface="微軟正黑體" panose="020B0604030504040204" pitchFamily="34" charset="-120"/>
-              </a:rPr>
-              <a:t>); </a:t>
-            </a:r>
-          </a:p>
-          <a:p>
-            <a:r>
-              <a:rPr lang="en-US" altLang="zh-TW" sz="2400" dirty="0">
-                <a:latin typeface="微軟正黑體" panose="020B0604030504040204" pitchFamily="34" charset="-120"/>
-                <a:ea typeface="微軟正黑體" panose="020B0604030504040204" pitchFamily="34" charset="-120"/>
-              </a:rPr>
-              <a:t>	</a:t>
-            </a:r>
-            <a:r>
-              <a:rPr lang="zh-TW" altLang="en-US" sz="2400" dirty="0">
-                <a:latin typeface="微軟正黑體" panose="020B0604030504040204" pitchFamily="34" charset="-120"/>
-                <a:ea typeface="微軟正黑體" panose="020B0604030504040204" pitchFamily="34" charset="-120"/>
-              </a:rPr>
-              <a:t> </a:t>
-            </a:r>
-            <a:r>
-              <a:rPr lang="zh-TW" altLang="en-US" sz="2400" dirty="0" smtClean="0">
-                <a:latin typeface="微軟正黑體" panose="020B0604030504040204" pitchFamily="34" charset="-120"/>
-                <a:ea typeface="微軟正黑體" panose="020B0604030504040204" pitchFamily="34" charset="-120"/>
-              </a:rPr>
-              <a:t>    </a:t>
-            </a:r>
-            <a:r>
-              <a:rPr lang="en-US" altLang="zh-TW" sz="2400" dirty="0" smtClean="0">
-                <a:latin typeface="微軟正黑體" panose="020B0604030504040204" pitchFamily="34" charset="-120"/>
-                <a:ea typeface="微軟正黑體" panose="020B0604030504040204" pitchFamily="34" charset="-120"/>
-              </a:rPr>
-              <a:t>(</a:t>
-            </a:r>
-            <a:r>
-              <a:rPr lang="zh-TW" altLang="en-US" sz="2400" dirty="0" smtClean="0">
-                <a:latin typeface="微軟正黑體" panose="020B0604030504040204" pitchFamily="34" charset="-120"/>
-                <a:ea typeface="微軟正黑體" panose="020B0604030504040204" pitchFamily="34" charset="-120"/>
-              </a:rPr>
-              <a:t>若按</a:t>
-            </a:r>
-            <a:r>
-              <a:rPr lang="zh-TW" altLang="en-US" sz="2400" dirty="0">
-                <a:latin typeface="微軟正黑體" panose="020B0604030504040204" pitchFamily="34" charset="-120"/>
-                <a:ea typeface="微軟正黑體" panose="020B0604030504040204" pitchFamily="34" charset="-120"/>
-              </a:rPr>
-              <a:t>了</a:t>
-            </a:r>
-            <a:r>
-              <a:rPr lang="en-US" altLang="zh-TW" sz="2400" dirty="0">
-                <a:latin typeface="微軟正黑體" panose="020B0604030504040204" pitchFamily="34" charset="-120"/>
-                <a:ea typeface="微軟正黑體" panose="020B0604030504040204" pitchFamily="34" charset="-120"/>
-              </a:rPr>
-              <a:t>y</a:t>
-            </a:r>
-            <a:r>
-              <a:rPr lang="zh-TW" altLang="en-US" sz="2400" dirty="0">
-                <a:latin typeface="微軟正黑體" panose="020B0604030504040204" pitchFamily="34" charset="-120"/>
-                <a:ea typeface="微軟正黑體" panose="020B0604030504040204" pitchFamily="34" charset="-120"/>
-              </a:rPr>
-              <a:t>則跳</a:t>
-            </a:r>
-            <a:r>
-              <a:rPr lang="zh-TW" altLang="en-US" sz="2400" dirty="0" smtClean="0">
-                <a:latin typeface="微軟正黑體" panose="020B0604030504040204" pitchFamily="34" charset="-120"/>
-                <a:ea typeface="微軟正黑體" panose="020B0604030504040204" pitchFamily="34" charset="-120"/>
-              </a:rPr>
-              <a:t>到</a:t>
-            </a:r>
-            <a:r>
-              <a:rPr lang="en-US" altLang="zh-TW" sz="2400" dirty="0" smtClean="0">
-                <a:latin typeface="微軟正黑體" panose="020B0604030504040204" pitchFamily="34" charset="-120"/>
-                <a:ea typeface="微軟正黑體" panose="020B0604030504040204" pitchFamily="34" charset="-120"/>
-              </a:rPr>
-              <a:t>function x)</a:t>
-            </a:r>
-          </a:p>
-          <a:p>
-            <a:r>
-              <a:rPr lang="en-US" altLang="zh-TW" sz="2400" dirty="0">
-                <a:latin typeface="微軟正黑體" panose="020B0604030504040204" pitchFamily="34" charset="-120"/>
-                <a:ea typeface="微軟正黑體" panose="020B0604030504040204" pitchFamily="34" charset="-120"/>
-              </a:rPr>
-              <a:t>	(5) </a:t>
-            </a:r>
-            <a:r>
-              <a:rPr lang="en-US" altLang="zh-TW" sz="2400" dirty="0" err="1">
-                <a:latin typeface="微軟正黑體" panose="020B0604030504040204" pitchFamily="34" charset="-120"/>
-                <a:ea typeface="微軟正黑體" panose="020B0604030504040204" pitchFamily="34" charset="-120"/>
-              </a:rPr>
-              <a:t>z</a:t>
-            </a:r>
-            <a:r>
-              <a:rPr lang="en-US" altLang="zh-TW" sz="2400" dirty="0" err="1" smtClean="0">
-                <a:latin typeface="微軟正黑體" panose="020B0604030504040204" pitchFamily="34" charset="-120"/>
-                <a:ea typeface="微軟正黑體" panose="020B0604030504040204" pitchFamily="34" charset="-120"/>
-              </a:rPr>
-              <a:t>.play</a:t>
-            </a:r>
-            <a:r>
-              <a:rPr lang="en-US" altLang="zh-TW" sz="2400" dirty="0" smtClean="0">
-                <a:latin typeface="微軟正黑體" panose="020B0604030504040204" pitchFamily="34" charset="-120"/>
-                <a:ea typeface="微軟正黑體" panose="020B0604030504040204" pitchFamily="34" charset="-120"/>
-              </a:rPr>
-              <a:t>(); (</a:t>
-            </a:r>
-            <a:r>
-              <a:rPr lang="zh-TW" altLang="en-US" sz="2400" dirty="0" smtClean="0">
-                <a:latin typeface="微軟正黑體" panose="020B0604030504040204" pitchFamily="34" charset="-120"/>
-                <a:ea typeface="微軟正黑體" panose="020B0604030504040204" pitchFamily="34" charset="-120"/>
-              </a:rPr>
-              <a:t>播放</a:t>
-            </a:r>
-            <a:r>
-              <a:rPr lang="en-US" altLang="zh-TW" sz="2400" dirty="0" smtClean="0">
-                <a:latin typeface="微軟正黑體" panose="020B0604030504040204" pitchFamily="34" charset="-120"/>
-                <a:ea typeface="微軟正黑體" panose="020B0604030504040204" pitchFamily="34" charset="-120"/>
-              </a:rPr>
-              <a:t>z</a:t>
-            </a:r>
-            <a:r>
-              <a:rPr lang="zh-TW" altLang="en-US" sz="2400" dirty="0" smtClean="0">
-                <a:latin typeface="微軟正黑體" panose="020B0604030504040204" pitchFamily="34" charset="-120"/>
-                <a:ea typeface="微軟正黑體" panose="020B0604030504040204" pitchFamily="34" charset="-120"/>
-              </a:rPr>
-              <a:t>的音檔</a:t>
-            </a:r>
-            <a:r>
-              <a:rPr lang="en-US" altLang="zh-TW" sz="2400" dirty="0" smtClean="0">
-                <a:latin typeface="微軟正黑體" panose="020B0604030504040204" pitchFamily="34" charset="-120"/>
-                <a:ea typeface="微軟正黑體" panose="020B0604030504040204" pitchFamily="34" charset="-120"/>
-              </a:rPr>
-              <a:t>)</a:t>
-            </a:r>
-          </a:p>
-          <a:p>
-            <a:r>
-              <a:rPr lang="en-US" altLang="zh-TW" sz="2400" dirty="0">
-                <a:latin typeface="微軟正黑體" panose="020B0604030504040204" pitchFamily="34" charset="-120"/>
-                <a:ea typeface="微軟正黑體" panose="020B0604030504040204" pitchFamily="34" charset="-120"/>
-              </a:rPr>
-              <a:t>	(6) </a:t>
-            </a:r>
-            <a:r>
-              <a:rPr lang="en-US" altLang="zh-TW" sz="2400" dirty="0" err="1" smtClean="0">
-                <a:latin typeface="微軟正黑體" panose="020B0604030504040204" pitchFamily="34" charset="-120"/>
-                <a:ea typeface="微軟正黑體" panose="020B0604030504040204" pitchFamily="34" charset="-120"/>
-              </a:rPr>
-              <a:t>z.addEventListener</a:t>
-            </a:r>
-            <a:r>
-              <a:rPr lang="en-US" altLang="zh-TW" sz="2400" dirty="0">
-                <a:latin typeface="微軟正黑體" panose="020B0604030504040204" pitchFamily="34" charset="-120"/>
-                <a:ea typeface="微軟正黑體" panose="020B0604030504040204" pitchFamily="34" charset="-120"/>
-              </a:rPr>
-              <a:t>( "ended</a:t>
-            </a:r>
-            <a:r>
-              <a:rPr lang="en-US" altLang="zh-TW" sz="2400" dirty="0" smtClean="0">
-                <a:latin typeface="微軟正黑體" panose="020B0604030504040204" pitchFamily="34" charset="-120"/>
-                <a:ea typeface="微軟正黑體" panose="020B0604030504040204" pitchFamily="34" charset="-120"/>
-              </a:rPr>
-              <a:t>", k, </a:t>
-            </a:r>
-            <a:r>
-              <a:rPr lang="en-US" altLang="zh-TW" sz="2400" dirty="0">
-                <a:latin typeface="微軟正黑體" panose="020B0604030504040204" pitchFamily="34" charset="-120"/>
-                <a:ea typeface="微軟正黑體" panose="020B0604030504040204" pitchFamily="34" charset="-120"/>
-              </a:rPr>
-              <a:t>false </a:t>
-            </a:r>
-            <a:r>
-              <a:rPr lang="en-US" altLang="zh-TW" sz="2400" dirty="0" smtClean="0">
-                <a:latin typeface="微軟正黑體" panose="020B0604030504040204" pitchFamily="34" charset="-120"/>
-                <a:ea typeface="微軟正黑體" panose="020B0604030504040204" pitchFamily="34" charset="-120"/>
-              </a:rPr>
-              <a:t>);</a:t>
-            </a:r>
-          </a:p>
-          <a:p>
-            <a:r>
-              <a:rPr lang="en-US" altLang="zh-TW" sz="2400" dirty="0">
-                <a:latin typeface="微軟正黑體" panose="020B0604030504040204" pitchFamily="34" charset="-120"/>
-                <a:ea typeface="微軟正黑體" panose="020B0604030504040204" pitchFamily="34" charset="-120"/>
-              </a:rPr>
-              <a:t>	</a:t>
-            </a:r>
-            <a:r>
-              <a:rPr lang="en-US" altLang="zh-TW" sz="2400" dirty="0" smtClean="0">
-                <a:latin typeface="微軟正黑體" panose="020B0604030504040204" pitchFamily="34" charset="-120"/>
-                <a:ea typeface="微軟正黑體" panose="020B0604030504040204" pitchFamily="34" charset="-120"/>
-              </a:rPr>
-              <a:t>     (z</a:t>
-            </a:r>
-            <a:r>
-              <a:rPr lang="zh-TW" altLang="en-US" sz="2400" dirty="0" smtClean="0">
-                <a:latin typeface="微軟正黑體" panose="020B0604030504040204" pitchFamily="34" charset="-120"/>
-                <a:ea typeface="微軟正黑體" panose="020B0604030504040204" pitchFamily="34" charset="-120"/>
-              </a:rPr>
-              <a:t>播完跳到</a:t>
-            </a:r>
-            <a:r>
-              <a:rPr lang="en-US" altLang="zh-TW" sz="2400" dirty="0" smtClean="0">
-                <a:latin typeface="微軟正黑體" panose="020B0604030504040204" pitchFamily="34" charset="-120"/>
-                <a:ea typeface="微軟正黑體" panose="020B0604030504040204" pitchFamily="34" charset="-120"/>
-              </a:rPr>
-              <a:t>function k)</a:t>
-            </a:r>
-          </a:p>
         </p:txBody>
       </p:sp>
     </p:spTree>
     <p:extLst>
       <p:ext uri="{BB962C8B-B14F-4D97-AF65-F5344CB8AC3E}">
-        <p14:creationId xmlns:p14="http://schemas.microsoft.com/office/powerpoint/2010/main" val="1335708437"/>
+        <p14:creationId xmlns:p14="http://schemas.microsoft.com/office/powerpoint/2010/main" val="350272788"/>
       </p:ext>
     </p:extLst>
   </p:cSld>
@@ -7101,7 +6801,7 @@
         </p:nvCxnSpPr>
         <p:spPr>
           <a:xfrm>
-            <a:off x="611560" y="1431557"/>
+            <a:off x="611560" y="1412776"/>
             <a:ext cx="7956376" cy="0"/>
           </a:xfrm>
           <a:prstGeom prst="line">
@@ -7177,7 +6877,7 @@
               <a:t>(</a:t>
             </a:r>
             <a:r>
-              <a:rPr lang="zh-TW" altLang="en-US" sz="4800" b="1" dirty="0">
+              <a:rPr lang="zh-TW" altLang="en-US" sz="4800" b="1" dirty="0" smtClean="0">
                 <a:solidFill>
                   <a:schemeClr val="accent2">
                     <a:lumMod val="50000"/>
@@ -7220,8 +6920,8 @@
         </p:nvSpPr>
         <p:spPr>
           <a:xfrm>
-            <a:off x="703883" y="1484784"/>
-            <a:ext cx="7771729" cy="3293209"/>
+            <a:off x="683568" y="1386636"/>
+            <a:ext cx="7771729" cy="5570756"/>
           </a:xfrm>
           <a:prstGeom prst="rect">
             <a:avLst/>
@@ -7234,23 +6934,57 @@
           </a:bodyPr>
           <a:lstStyle/>
           <a:p>
+            <a:r>
+              <a:rPr lang="zh-TW" altLang="en-US" sz="2800" b="1" dirty="0">
+                <a:latin typeface="微軟正黑體" panose="020B0604030504040204" pitchFamily="34" charset="-120"/>
+                <a:ea typeface="微軟正黑體" panose="020B0604030504040204" pitchFamily="34" charset="-120"/>
+              </a:rPr>
+              <a:t>遊戲頁</a:t>
+            </a:r>
+            <a:r>
+              <a:rPr lang="zh-TW" altLang="en-US" sz="2800" b="1" dirty="0" smtClean="0">
+                <a:latin typeface="微軟正黑體" panose="020B0604030504040204" pitchFamily="34" charset="-120"/>
+                <a:ea typeface="微軟正黑體" panose="020B0604030504040204" pitchFamily="34" charset="-120"/>
+              </a:rPr>
+              <a:t>面</a:t>
+            </a:r>
+            <a:endParaRPr lang="en-US" altLang="zh-TW" sz="2800" b="1" dirty="0" smtClean="0">
+              <a:latin typeface="微軟正黑體" panose="020B0604030504040204" pitchFamily="34" charset="-120"/>
+              <a:ea typeface="微軟正黑體" panose="020B0604030504040204" pitchFamily="34" charset="-120"/>
+            </a:endParaRPr>
+          </a:p>
+          <a:p>
             <a:pPr lvl="0"/>
             <a:r>
               <a:rPr lang="en-US" altLang="zh-TW" sz="2800" b="1" dirty="0" smtClean="0">
                 <a:latin typeface="微軟正黑體" panose="020B0604030504040204" pitchFamily="34" charset="-120"/>
                 <a:ea typeface="微軟正黑體" panose="020B0604030504040204" pitchFamily="34" charset="-120"/>
               </a:rPr>
-              <a:t>HTML: </a:t>
-            </a:r>
-            <a:r>
-              <a:rPr lang="en-US" altLang="zh-TW" sz="2400" dirty="0" err="1">
+              <a:t>CSS:</a:t>
+            </a:r>
+            <a:r>
+              <a:rPr lang="zh-TW" altLang="en-US" sz="2800" b="1" dirty="0" smtClean="0">
+                <a:latin typeface="微軟正黑體" panose="020B0604030504040204" pitchFamily="34" charset="-120"/>
+                <a:ea typeface="微軟正黑體" panose="020B0604030504040204" pitchFamily="34" charset="-120"/>
+              </a:rPr>
+              <a:t> </a:t>
+            </a:r>
+            <a:r>
+              <a:rPr lang="en-US" altLang="zh-TW" sz="2400" b="1" dirty="0" smtClean="0">
+                <a:latin typeface="微軟正黑體" panose="020B0604030504040204" pitchFamily="34" charset="-120"/>
+                <a:ea typeface="微軟正黑體" panose="020B0604030504040204" pitchFamily="34" charset="-120"/>
+              </a:rPr>
+              <a:t>.</a:t>
+            </a:r>
+            <a:r>
+              <a:rPr lang="en-US" altLang="zh-TW" sz="2400" dirty="0">
                 <a:solidFill>
                   <a:prstClr val="black"/>
                 </a:solidFill>
                 <a:latin typeface="微軟正黑體" panose="020B0604030504040204" pitchFamily="34" charset="-120"/>
                 <a:ea typeface="微軟正黑體" panose="020B0604030504040204" pitchFamily="34" charset="-120"/>
               </a:rPr>
-              <a:t>onclick</a:t>
+              <a:t>name</a:t>
             </a:r>
             <a:r>
               <a:rPr lang="en-US" altLang="zh-TW" sz="2400" dirty="0" smtClean="0">
@@ -7260,7 +6994,7 @@
                 <a:latin typeface="微軟正黑體" panose="020B0604030504040204" pitchFamily="34" charset="-120"/>
                 <a:ea typeface="微軟正黑體" panose="020B0604030504040204" pitchFamily="34" charset="-120"/>
               </a:rPr>
-              <a:t>="</a:t>
+              <a:t>{}, </a:t>
             </a:r>
             <a:r>
               <a:rPr lang="en-US" altLang="zh-TW" sz="2400" dirty="0" err="1" smtClean="0">
@@ -7270,7 +7004,7 @@
                 <a:latin typeface="微軟正黑體" panose="020B0604030504040204" pitchFamily="34" charset="-120"/>
                 <a:ea typeface="微軟正黑體" panose="020B0604030504040204" pitchFamily="34" charset="-120"/>
               </a:rPr>
-              <a:t>javascript:location.href</a:t>
+              <a:t>cursor:pointer</a:t>
             </a:r>
             <a:r>
               <a:rPr lang="en-US" altLang="zh-TW" sz="2400" dirty="0" smtClean="0">
@@ -7280,7 +7014,17 @@
                 <a:latin typeface="微軟正黑體" panose="020B0604030504040204" pitchFamily="34" charset="-120"/>
                 <a:ea typeface="微軟正黑體" panose="020B0604030504040204" pitchFamily="34" charset="-120"/>
               </a:rPr>
-              <a:t>='xxx'" (</a:t>
+              <a:t>, </a:t>
+            </a:r>
+            <a:r>
+              <a:rPr lang="en-US" altLang="zh-TW" sz="2400" dirty="0" err="1" smtClean="0">
+                <a:solidFill>
+                  <a:prstClr val="black"/>
+                </a:solidFill>
+                <a:latin typeface="微軟正黑體" panose="020B0604030504040204" pitchFamily="34" charset="-120"/>
+                <a:ea typeface="微軟正黑體" panose="020B0604030504040204" pitchFamily="34" charset="-120"/>
+              </a:rPr>
+              <a:t>position:absolute</a:t>
             </a:r>
             <a:r>
               <a:rPr lang="zh-TW" altLang="en-US" sz="2400" dirty="0" smtClean="0">
@@ -7290,7 +7034,7 @@
                 <a:latin typeface="微軟正黑體" panose="020B0604030504040204" pitchFamily="34" charset="-120"/>
                 <a:ea typeface="微軟正黑體" panose="020B0604030504040204" pitchFamily="34" charset="-120"/>
               </a:rPr>
-              <a:t>同上</a:t>
+              <a:t> </a:t>
             </a:r>
             <a:r>
               <a:rPr lang="en-US" altLang="zh-TW" sz="2400" dirty="0" smtClean="0">
@@ -7300,9 +7044,29 @@
                 <a:latin typeface="微軟正黑體" panose="020B0604030504040204" pitchFamily="34" charset="-120"/>
                 <a:ea typeface="微軟正黑體" panose="020B0604030504040204" pitchFamily="34" charset="-120"/>
               </a:rPr>
+              <a:t>(</a:t>
+            </a:r>
+            <a:r>
+              <a:rPr lang="zh-TW" altLang="en-US" sz="2400" dirty="0" smtClean="0">
+                <a:solidFill>
+                  <a:prstClr val="black"/>
+                </a:solidFill>
+                <a:latin typeface="微軟正黑體" panose="020B0604030504040204" pitchFamily="34" charset="-120"/>
+                <a:ea typeface="微軟正黑體" panose="020B0604030504040204" pitchFamily="34" charset="-120"/>
+              </a:rPr>
+              <a:t>同上</a:t>
+            </a:r>
+            <a:r>
+              <a:rPr lang="en-US" altLang="zh-TW" sz="2400" dirty="0" smtClean="0">
+                <a:solidFill>
+                  <a:prstClr val="black"/>
+                </a:solidFill>
+                <a:latin typeface="微軟正黑體" panose="020B0604030504040204" pitchFamily="34" charset="-120"/>
+                <a:ea typeface="微軟正黑體" panose="020B0604030504040204" pitchFamily="34" charset="-120"/>
+              </a:rPr>
               <a:t>)</a:t>
             </a:r>
-            <a:endParaRPr lang="en-US" altLang="zh-TW" sz="2400" dirty="0">
+            <a:endParaRPr lang="en-US" altLang="zh-TW" sz="2800" b="1" dirty="0">
               <a:solidFill>
                 <a:prstClr val="black"/>
               </a:solidFill>
@@ -7311,348 +7075,737 @@
             </a:endParaRPr>
           </a:p>
           <a:p>
-            <a:endParaRPr lang="en-US" altLang="zh-TW" sz="2800" b="1" dirty="0">
+            <a:pPr lvl="0"/>
+            <a:r>
+              <a:rPr lang="en-US" altLang="zh-TW" sz="2800" b="1" dirty="0">
+                <a:solidFill>
+                  <a:prstClr val="black"/>
+                </a:solidFill>
+                <a:latin typeface="微軟正黑體" panose="020B0604030504040204" pitchFamily="34" charset="-120"/>
+                <a:ea typeface="微軟正黑體" panose="020B0604030504040204" pitchFamily="34" charset="-120"/>
+              </a:rPr>
+              <a:t>	</a:t>
+            </a:r>
+            <a:r>
+              <a:rPr lang="en-US" altLang="zh-TW" sz="2400" dirty="0" err="1">
+                <a:solidFill>
+                  <a:prstClr val="black"/>
+                </a:solidFill>
+                <a:latin typeface="微軟正黑體" panose="020B0604030504040204" pitchFamily="34" charset="-120"/>
+                <a:ea typeface="微軟正黑體" panose="020B0604030504040204" pitchFamily="34" charset="-120"/>
+              </a:rPr>
+              <a:t>visibility:hidden</a:t>
+            </a:r>
+            <a:r>
+              <a:rPr lang="en-US" altLang="zh-TW" sz="2800" b="1" dirty="0">
+                <a:solidFill>
+                  <a:prstClr val="black"/>
+                </a:solidFill>
+                <a:latin typeface="微軟正黑體" panose="020B0604030504040204" pitchFamily="34" charset="-120"/>
+                <a:ea typeface="微軟正黑體" panose="020B0604030504040204" pitchFamily="34" charset="-120"/>
+              </a:rPr>
+              <a:t> </a:t>
+            </a:r>
+            <a:r>
+              <a:rPr lang="en-US" altLang="zh-TW" sz="2400" dirty="0">
+                <a:solidFill>
+                  <a:prstClr val="black"/>
+                </a:solidFill>
+                <a:latin typeface="微軟正黑體" panose="020B0604030504040204" pitchFamily="34" charset="-120"/>
+                <a:ea typeface="微軟正黑體" panose="020B0604030504040204" pitchFamily="34" charset="-120"/>
+              </a:rPr>
+              <a:t>(</a:t>
+            </a:r>
+            <a:r>
+              <a:rPr lang="zh-TW" altLang="en-US" sz="2400" dirty="0">
+                <a:solidFill>
+                  <a:prstClr val="black"/>
+                </a:solidFill>
+                <a:latin typeface="微軟正黑體" panose="020B0604030504040204" pitchFamily="34" charset="-120"/>
+                <a:ea typeface="微軟正黑體" panose="020B0604030504040204" pitchFamily="34" charset="-120"/>
+              </a:rPr>
+              <a:t>將此</a:t>
+            </a:r>
+            <a:r>
+              <a:rPr lang="en-US" altLang="zh-TW" sz="2400" dirty="0">
+                <a:solidFill>
+                  <a:prstClr val="black"/>
+                </a:solidFill>
+                <a:latin typeface="微軟正黑體" panose="020B0604030504040204" pitchFamily="34" charset="-120"/>
+                <a:ea typeface="微軟正黑體" panose="020B0604030504040204" pitchFamily="34" charset="-120"/>
+              </a:rPr>
+              <a:t>class</a:t>
+            </a:r>
+            <a:r>
+              <a:rPr lang="zh-TW" altLang="en-US" sz="2400" dirty="0">
+                <a:solidFill>
+                  <a:prstClr val="black"/>
+                </a:solidFill>
+                <a:latin typeface="微軟正黑體" panose="020B0604030504040204" pitchFamily="34" charset="-120"/>
+                <a:ea typeface="微軟正黑體" panose="020B0604030504040204" pitchFamily="34" charset="-120"/>
+              </a:rPr>
+              <a:t>隱藏</a:t>
+            </a:r>
+            <a:r>
+              <a:rPr lang="en-US" altLang="zh-TW" sz="2400" dirty="0" smtClean="0">
+                <a:solidFill>
+                  <a:prstClr val="black"/>
+                </a:solidFill>
+                <a:latin typeface="微軟正黑體" panose="020B0604030504040204" pitchFamily="34" charset="-120"/>
+                <a:ea typeface="微軟正黑體" panose="020B0604030504040204" pitchFamily="34" charset="-120"/>
+              </a:rPr>
+              <a:t>)</a:t>
+            </a:r>
+            <a:endParaRPr lang="en-US" altLang="zh-TW" sz="2800" b="1" dirty="0" smtClean="0">
               <a:latin typeface="微軟正黑體" panose="020B0604030504040204" pitchFamily="34" charset="-120"/>
               <a:ea typeface="微軟正黑體" panose="020B0604030504040204" pitchFamily="34" charset="-120"/>
             </a:endParaRPr>
           </a:p>
           <a:p>
             <a:r>
+              <a:rPr lang="en-US" altLang="zh-TW" sz="2800" b="1" dirty="0">
+                <a:latin typeface="微軟正黑體" panose="020B0604030504040204" pitchFamily="34" charset="-120"/>
+                <a:ea typeface="微軟正黑體" panose="020B0604030504040204" pitchFamily="34" charset="-120"/>
+              </a:rPr>
+              <a:t>JAVASCRIPT: </a:t>
+            </a:r>
+            <a:endParaRPr lang="en-US" altLang="zh-TW" sz="2800" b="1" dirty="0" smtClean="0">
+              <a:latin typeface="微軟正黑體" panose="020B0604030504040204" pitchFamily="34" charset="-120"/>
+              <a:ea typeface="微軟正黑體" panose="020B0604030504040204" pitchFamily="34" charset="-120"/>
+            </a:endParaRPr>
+          </a:p>
+          <a:p>
+            <a:r>
               <a:rPr lang="en-US" altLang="zh-TW" sz="2800" b="1" dirty="0" smtClean="0">
                 <a:latin typeface="微軟正黑體" panose="020B0604030504040204" pitchFamily="34" charset="-120"/>
                 <a:ea typeface="微軟正黑體" panose="020B0604030504040204" pitchFamily="34" charset="-120"/>
               </a:rPr>
-              <a:t>JQUERY:</a:t>
-            </a:r>
-          </a:p>
-          <a:p>
-            <a:r>
-              <a:rPr lang="en-US" altLang="zh-TW" sz="2800" b="1" dirty="0">
-                <a:latin typeface="微軟正黑體" panose="020B0604030504040204" pitchFamily="34" charset="-120"/>
-                <a:ea typeface="微軟正黑體" panose="020B0604030504040204" pitchFamily="34" charset="-120"/>
-              </a:rPr>
               <a:t>	</a:t>
             </a:r>
             <a:r>
+              <a:rPr lang="en-US" altLang="zh-TW" sz="2400" dirty="0" smtClean="0">
+                <a:latin typeface="微軟正黑體" panose="020B0604030504040204" pitchFamily="34" charset="-120"/>
+                <a:ea typeface="微軟正黑體" panose="020B0604030504040204" pitchFamily="34" charset="-120"/>
+              </a:rPr>
+              <a:t>(1) x </a:t>
+            </a:r>
+            <a:r>
               <a:rPr lang="en-US" altLang="zh-TW" sz="2400" dirty="0">
                 <a:latin typeface="微軟正黑體" panose="020B0604030504040204" pitchFamily="34" charset="-120"/>
                 <a:ea typeface="微軟正黑體" panose="020B0604030504040204" pitchFamily="34" charset="-120"/>
               </a:rPr>
-              <a:t>(1) </a:t>
+              <a:t>= </a:t>
+            </a:r>
+            <a:r>
+              <a:rPr lang="en-US" altLang="zh-TW" sz="2400" dirty="0" err="1" smtClean="0">
+                <a:latin typeface="微軟正黑體" panose="020B0604030504040204" pitchFamily="34" charset="-120"/>
+                <a:ea typeface="微軟正黑體" panose="020B0604030504040204" pitchFamily="34" charset="-120"/>
+              </a:rPr>
+              <a:t>localStorage.x</a:t>
             </a:r>
             <a:r>
               <a:rPr lang="en-US" altLang="zh-TW" sz="2400" dirty="0" smtClean="0">
                 <a:latin typeface="微軟正黑體" panose="020B0604030504040204" pitchFamily="34" charset="-120"/>
                 <a:ea typeface="微軟正黑體" panose="020B0604030504040204" pitchFamily="34" charset="-120"/>
               </a:rPr>
-              <a:t>$("#x").</a:t>
-            </a:r>
+              <a:t> (</a:t>
+            </a:r>
+            <a:r>
+              <a:rPr lang="zh-TW" altLang="en-US" sz="2400" dirty="0" smtClean="0">
+                <a:latin typeface="微軟正黑體" panose="020B0604030504040204" pitchFamily="34" charset="-120"/>
+                <a:ea typeface="微軟正黑體" panose="020B0604030504040204" pitchFamily="34" charset="-120"/>
+              </a:rPr>
+              <a:t>呼叫</a:t>
+            </a:r>
+            <a:r>
+              <a:rPr lang="en-US" altLang="zh-TW" sz="2400" dirty="0" err="1" smtClean="0">
+                <a:latin typeface="微軟正黑體" panose="020B0604030504040204" pitchFamily="34" charset="-120"/>
+                <a:ea typeface="微軟正黑體" panose="020B0604030504040204" pitchFamily="34" charset="-120"/>
+              </a:rPr>
+              <a:t>localStorage</a:t>
+            </a:r>
+            <a:r>
+              <a:rPr lang="zh-TW" altLang="en-US" sz="2400" dirty="0" smtClean="0">
+                <a:latin typeface="微軟正黑體" panose="020B0604030504040204" pitchFamily="34" charset="-120"/>
+                <a:ea typeface="微軟正黑體" panose="020B0604030504040204" pitchFamily="34" charset="-120"/>
+              </a:rPr>
+              <a:t>裡</a:t>
+            </a:r>
+            <a:r>
+              <a:rPr lang="en-US" altLang="zh-TW" sz="2400" dirty="0" smtClean="0">
+                <a:latin typeface="微軟正黑體" panose="020B0604030504040204" pitchFamily="34" charset="-120"/>
+                <a:ea typeface="微軟正黑體" panose="020B0604030504040204" pitchFamily="34" charset="-120"/>
+              </a:rPr>
+              <a:t>x</a:t>
+            </a:r>
+            <a:r>
+              <a:rPr lang="zh-TW" altLang="en-US" sz="2400" dirty="0" smtClean="0">
+                <a:latin typeface="微軟正黑體" panose="020B0604030504040204" pitchFamily="34" charset="-120"/>
+                <a:ea typeface="微軟正黑體" panose="020B0604030504040204" pitchFamily="34" charset="-120"/>
+              </a:rPr>
+              <a:t>的值</a:t>
+            </a:r>
+            <a:r>
+              <a:rPr lang="en-US" altLang="zh-TW" sz="2400" dirty="0" smtClean="0">
+                <a:latin typeface="微軟正黑體" panose="020B0604030504040204" pitchFamily="34" charset="-120"/>
+                <a:ea typeface="微軟正黑體" panose="020B0604030504040204" pitchFamily="34" charset="-120"/>
+              </a:rPr>
+              <a:t>)</a:t>
+            </a:r>
+          </a:p>
+          <a:p>
             <a:r>
               <a:rPr lang="en-US" altLang="zh-TW" sz="2400" dirty="0">
                 <a:latin typeface="微軟正黑體" panose="020B0604030504040204" pitchFamily="34" charset="-120"/>
                 <a:ea typeface="微軟正黑體" panose="020B0604030504040204" pitchFamily="34" charset="-120"/>
               </a:rPr>
-              <a:t>click(function</a:t>
+              <a:t>	</a:t>
             </a:r>
             <a:r>
               <a:rPr lang="en-US" altLang="zh-TW" sz="2400" dirty="0" smtClean="0">
                 <a:latin typeface="微軟正黑體" panose="020B0604030504040204" pitchFamily="34" charset="-120"/>
                 <a:ea typeface="微軟正黑體" panose="020B0604030504040204" pitchFamily="34" charset="-120"/>
               </a:rPr>
-              <a:t>(){}); </a:t>
-            </a:r>
-          </a:p>
-          <a:p>
+              <a:t>(2) </a:t>
+            </a:r>
+            <a:r>
+              <a:rPr lang="en-US" altLang="zh-TW" sz="2400" dirty="0" err="1" smtClean="0">
+                <a:latin typeface="微軟正黑體" panose="020B0604030504040204" pitchFamily="34" charset="-120"/>
+                <a:ea typeface="微軟正黑體" panose="020B0604030504040204" pitchFamily="34" charset="-120"/>
+              </a:rPr>
+              <a:t>var</a:t>
+            </a:r>
+            <a:r>
+              <a:rPr lang="en-US" altLang="zh-TW" sz="2400" dirty="0" smtClean="0">
+                <a:latin typeface="微軟正黑體" panose="020B0604030504040204" pitchFamily="34" charset="-120"/>
+                <a:ea typeface="微軟正黑體" panose="020B0604030504040204" pitchFamily="34" charset="-120"/>
+              </a:rPr>
+              <a:t> </a:t>
+            </a:r>
+            <a:r>
+              <a:rPr lang="en-US" altLang="zh-TW" sz="2400" dirty="0" err="1">
+                <a:latin typeface="微軟正黑體" panose="020B0604030504040204" pitchFamily="34" charset="-120"/>
+                <a:ea typeface="微軟正黑體" panose="020B0604030504040204" pitchFamily="34" charset="-120"/>
+              </a:rPr>
+              <a:t>inputname</a:t>
+            </a:r>
             <a:r>
               <a:rPr lang="en-US" altLang="zh-TW" sz="2400" dirty="0">
                 <a:latin typeface="微軟正黑體" panose="020B0604030504040204" pitchFamily="34" charset="-120"/>
                 <a:ea typeface="微軟正黑體" panose="020B0604030504040204" pitchFamily="34" charset="-120"/>
               </a:rPr>
-              <a:t>	</a:t>
-            </a:r>
-            <a:r>
-              <a:rPr lang="zh-TW" altLang="en-US" sz="2400" dirty="0">
+              <a:t> = </a:t>
+            </a:r>
+            <a:r>
+              <a:rPr lang="en-US" altLang="zh-TW" sz="2400" dirty="0" smtClean="0">
+                <a:latin typeface="微軟正黑體" panose="020B0604030504040204" pitchFamily="34" charset="-120"/>
+                <a:ea typeface="微軟正黑體" panose="020B0604030504040204" pitchFamily="34" charset="-120"/>
+              </a:rPr>
+              <a:t>"x"; </a:t>
+            </a:r>
+            <a:r>
+              <a:rPr lang="en-US" altLang="zh-TW" sz="2400" dirty="0" err="1" smtClean="0">
+                <a:latin typeface="微軟正黑體" panose="020B0604030504040204" pitchFamily="34" charset="-120"/>
+                <a:ea typeface="微軟正黑體" panose="020B0604030504040204" pitchFamily="34" charset="-120"/>
+              </a:rPr>
+              <a:t>var</a:t>
+            </a:r>
+            <a:r>
+              <a:rPr lang="en-US" altLang="zh-TW" sz="2400" dirty="0" smtClean="0">
                 <a:latin typeface="微軟正黑體" panose="020B0604030504040204" pitchFamily="34" charset="-120"/>
                 <a:ea typeface="微軟正黑體" panose="020B0604030504040204" pitchFamily="34" charset="-120"/>
               </a:rPr>
               <a:t> </a:t>
             </a:r>
             <a:r>
-              <a:rPr lang="zh-TW" altLang="en-US" sz="2400" dirty="0" smtClean="0">
-                <a:latin typeface="微軟正黑體" panose="020B0604030504040204" pitchFamily="34" charset="-120"/>
-                <a:ea typeface="微軟正黑體" panose="020B0604030504040204" pitchFamily="34" charset="-120"/>
-              </a:rPr>
-              <a:t>    </a:t>
+              <a:rPr lang="en-US" altLang="zh-TW" sz="2400" dirty="0">
+                <a:latin typeface="微軟正黑體" panose="020B0604030504040204" pitchFamily="34" charset="-120"/>
+                <a:ea typeface="微軟正黑體" panose="020B0604030504040204" pitchFamily="34" charset="-120"/>
+              </a:rPr>
+              <a:t>input = </a:t>
             </a:r>
             <a:r>
               <a:rPr lang="en-US" altLang="zh-TW" sz="2400" dirty="0" smtClean="0">
                 <a:latin typeface="微軟正黑體" panose="020B0604030504040204" pitchFamily="34" charset="-120"/>
                 <a:ea typeface="微軟正黑體" panose="020B0604030504040204" pitchFamily="34" charset="-120"/>
               </a:rPr>
+              <a:t>1;</a:t>
+            </a:r>
+          </a:p>
+          <a:p>
+            <a:r>
+              <a:rPr lang="en-US" altLang="zh-TW" sz="2400" dirty="0">
+                <a:latin typeface="微軟正黑體" panose="020B0604030504040204" pitchFamily="34" charset="-120"/>
+                <a:ea typeface="微軟正黑體" panose="020B0604030504040204" pitchFamily="34" charset="-120"/>
+              </a:rPr>
+              <a:t>	 </a:t>
+            </a:r>
+            <a:r>
+              <a:rPr lang="en-US" altLang="zh-TW" sz="2400" dirty="0" smtClean="0">
+                <a:latin typeface="微軟正黑體" panose="020B0604030504040204" pitchFamily="34" charset="-120"/>
+                <a:ea typeface="微軟正黑體" panose="020B0604030504040204" pitchFamily="34" charset="-120"/>
+              </a:rPr>
+              <a:t>     </a:t>
+            </a:r>
+            <a:r>
+              <a:rPr lang="en-US" altLang="zh-TW" sz="2400" dirty="0" err="1" smtClean="0">
+                <a:latin typeface="微軟正黑體" panose="020B0604030504040204" pitchFamily="34" charset="-120"/>
+                <a:ea typeface="微軟正黑體" panose="020B0604030504040204" pitchFamily="34" charset="-120"/>
+              </a:rPr>
+              <a:t>localStorage.setItem</a:t>
+            </a:r>
+            <a:r>
+              <a:rPr lang="en-US" altLang="zh-TW" sz="2400" dirty="0" smtClean="0">
+                <a:latin typeface="微軟正黑體" panose="020B0604030504040204" pitchFamily="34" charset="-120"/>
+                <a:ea typeface="微軟正黑體" panose="020B0604030504040204" pitchFamily="34" charset="-120"/>
+              </a:rPr>
               <a:t>(</a:t>
             </a:r>
             <a:r>
-              <a:rPr lang="zh-TW" altLang="en-US" sz="2400" dirty="0" smtClean="0">
-                <a:latin typeface="微軟正黑體" panose="020B0604030504040204" pitchFamily="34" charset="-120"/>
-                <a:ea typeface="微軟正黑體" panose="020B0604030504040204" pitchFamily="34" charset="-120"/>
-              </a:rPr>
-              <a:t>按下</a:t>
+              <a:rPr lang="en-US" altLang="zh-TW" sz="2400" dirty="0" err="1" smtClean="0">
+                <a:latin typeface="微軟正黑體" panose="020B0604030504040204" pitchFamily="34" charset="-120"/>
+                <a:ea typeface="微軟正黑體" panose="020B0604030504040204" pitchFamily="34" charset="-120"/>
+              </a:rPr>
+              <a:t>inputname</a:t>
+            </a:r>
+            <a:r>
+              <a:rPr lang="en-US" altLang="zh-TW" sz="2400" dirty="0">
+                <a:latin typeface="微軟正黑體" panose="020B0604030504040204" pitchFamily="34" charset="-120"/>
+                <a:ea typeface="微軟正黑體" panose="020B0604030504040204" pitchFamily="34" charset="-120"/>
+              </a:rPr>
+              <a:t>, input</a:t>
             </a:r>
             <a:r>
               <a:rPr lang="en-US" altLang="zh-TW" sz="2400" dirty="0" smtClean="0">
                 <a:latin typeface="微軟正黑體" panose="020B0604030504040204" pitchFamily="34" charset="-120"/>
                 <a:ea typeface="微軟正黑體" panose="020B0604030504040204" pitchFamily="34" charset="-120"/>
               </a:rPr>
-              <a:t>id</a:t>
-            </a:r>
-            <a:r>
-              <a:rPr lang="zh-TW" altLang="en-US" sz="2400" dirty="0" smtClean="0">
-                <a:latin typeface="微軟正黑體" panose="020B0604030504040204" pitchFamily="34" charset="-120"/>
-                <a:ea typeface="微軟正黑體" panose="020B0604030504040204" pitchFamily="34" charset="-120"/>
-              </a:rPr>
-              <a:t>為</a:t>
-            </a:r>
-            <a:r>
-              <a:rPr lang="en-US" altLang="zh-TW" sz="2400" dirty="0" smtClean="0">
-                <a:latin typeface="微軟正黑體" panose="020B0604030504040204" pitchFamily="34" charset="-120"/>
-                <a:ea typeface="微軟正黑體" panose="020B0604030504040204" pitchFamily="34" charset="-120"/>
-              </a:rPr>
-              <a:t>x</a:t>
-            </a:r>
-            <a:r>
-              <a:rPr lang="zh-TW" altLang="en-US" sz="2400" dirty="0" smtClean="0">
-                <a:latin typeface="微軟正黑體" panose="020B0604030504040204" pitchFamily="34" charset="-120"/>
-                <a:ea typeface="微軟正黑體" panose="020B0604030504040204" pitchFamily="34" charset="-120"/>
-              </a:rPr>
-              <a:t>的東西</a:t>
-            </a:r>
-            <a:r>
-              <a:rPr lang="en-US" altLang="zh-TW" sz="2400" dirty="0" smtClean="0">
-                <a:latin typeface="微軟正黑體" panose="020B0604030504040204" pitchFamily="34" charset="-120"/>
-                <a:ea typeface="微軟正黑體" panose="020B0604030504040204" pitchFamily="34" charset="-120"/>
-              </a:rPr>
-              <a:t>,</a:t>
-            </a:r>
-            <a:r>
-              <a:rPr lang="zh-TW" altLang="en-US" sz="2400" dirty="0" smtClean="0">
-                <a:latin typeface="微軟正黑體" panose="020B0604030504040204" pitchFamily="34" charset="-120"/>
-                <a:ea typeface="微軟正黑體" panose="020B0604030504040204" pitchFamily="34" charset="-120"/>
-              </a:rPr>
-              <a:t>才會做以下的</a:t>
-            </a:r>
-            <a:r>
-              <a:rPr lang="en-US" altLang="zh-TW" sz="2400" dirty="0" smtClean="0">
-                <a:latin typeface="微軟正黑體" panose="020B0604030504040204" pitchFamily="34" charset="-120"/>
-                <a:ea typeface="微軟正黑體" panose="020B0604030504040204" pitchFamily="34" charset="-120"/>
-              </a:rPr>
-              <a:t>function)</a:t>
-            </a:r>
-          </a:p>
-          <a:p>
-            <a:r>
-              <a:rPr lang="en-US" altLang="zh-TW" sz="2400" dirty="0">
-                <a:latin typeface="微軟正黑體" panose="020B0604030504040204" pitchFamily="34" charset="-120"/>
-                <a:ea typeface="微軟正黑體" panose="020B0604030504040204" pitchFamily="34" charset="-120"/>
-              </a:rPr>
-              <a:t>	(2) </a:t>
-            </a:r>
-            <a:r>
-              <a:rPr lang="en-US" altLang="zh-TW" sz="2400" dirty="0" smtClean="0">
-                <a:latin typeface="微軟正黑體" panose="020B0604030504040204" pitchFamily="34" charset="-120"/>
-                <a:ea typeface="微軟正黑體" panose="020B0604030504040204" pitchFamily="34" charset="-120"/>
-              </a:rPr>
-              <a:t>$("#x").</a:t>
-            </a:r>
-            <a:r>
-              <a:rPr lang="en-US" altLang="zh-TW" sz="2400" dirty="0">
-                <a:latin typeface="微軟正黑體" panose="020B0604030504040204" pitchFamily="34" charset="-120"/>
-                <a:ea typeface="微軟正黑體" panose="020B0604030504040204" pitchFamily="34" charset="-120"/>
-              </a:rPr>
-              <a:t>animate</a:t>
-            </a:r>
-            <a:r>
-              <a:rPr lang="en-US" altLang="zh-TW" sz="2400" dirty="0" smtClean="0">
-                <a:latin typeface="微軟正黑體" panose="020B0604030504040204" pitchFamily="34" charset="-120"/>
-                <a:ea typeface="微軟正黑體" panose="020B0604030504040204" pitchFamily="34" charset="-120"/>
-              </a:rPr>
-              <a:t>({}); (id</a:t>
-            </a:r>
-            <a:r>
-              <a:rPr lang="zh-TW" altLang="en-US" sz="2400" dirty="0" smtClean="0">
-                <a:latin typeface="微軟正黑體" panose="020B0604030504040204" pitchFamily="34" charset="-120"/>
-                <a:ea typeface="微軟正黑體" panose="020B0604030504040204" pitchFamily="34" charset="-120"/>
-              </a:rPr>
-              <a:t>為</a:t>
-            </a:r>
-            <a:r>
-              <a:rPr lang="en-US" altLang="zh-TW" sz="2400" dirty="0" smtClean="0">
-                <a:latin typeface="微軟正黑體" panose="020B0604030504040204" pitchFamily="34" charset="-120"/>
-                <a:ea typeface="微軟正黑體" panose="020B0604030504040204" pitchFamily="34" charset="-120"/>
-              </a:rPr>
-              <a:t>x</a:t>
-            </a:r>
-            <a:r>
-              <a:rPr lang="zh-TW" altLang="en-US" sz="2400" dirty="0" smtClean="0">
-                <a:latin typeface="微軟正黑體" panose="020B0604030504040204" pitchFamily="34" charset="-120"/>
-                <a:ea typeface="微軟正黑體" panose="020B0604030504040204" pitchFamily="34" charset="-120"/>
-              </a:rPr>
-              <a:t>的東西做動畫</a:t>
-            </a:r>
-            <a:r>
-              <a:rPr lang="en-US" altLang="zh-TW" sz="2400" dirty="0" smtClean="0">
-                <a:latin typeface="微軟正黑體" panose="020B0604030504040204" pitchFamily="34" charset="-120"/>
-                <a:ea typeface="微軟正黑體" panose="020B0604030504040204" pitchFamily="34" charset="-120"/>
-              </a:rPr>
-              <a:t>)</a:t>
-            </a:r>
-          </a:p>
-          <a:p>
-            <a:r>
-              <a:rPr lang="en-US" altLang="zh-TW" sz="2400" dirty="0">
-                <a:latin typeface="微軟正黑體" panose="020B0604030504040204" pitchFamily="34" charset="-120"/>
-                <a:ea typeface="微軟正黑體" panose="020B0604030504040204" pitchFamily="34" charset="-120"/>
-              </a:rPr>
-              <a:t>	(3) </a:t>
-            </a:r>
-            <a:r>
-              <a:rPr lang="en-US" altLang="zh-TW" sz="2400" dirty="0" smtClean="0">
-                <a:latin typeface="微軟正黑體" panose="020B0604030504040204" pitchFamily="34" charset="-120"/>
-                <a:ea typeface="微軟正黑體" panose="020B0604030504040204" pitchFamily="34" charset="-120"/>
-              </a:rPr>
-              <a:t>$("#x").</a:t>
-            </a:r>
-            <a:r>
-              <a:rPr lang="en-US" altLang="zh-TW" sz="2400" dirty="0">
-                <a:latin typeface="微軟正黑體" panose="020B0604030504040204" pitchFamily="34" charset="-120"/>
-                <a:ea typeface="微軟正黑體" panose="020B0604030504040204" pitchFamily="34" charset="-120"/>
-              </a:rPr>
-              <a:t>show</a:t>
-            </a:r>
-            <a:r>
-              <a:rPr lang="en-US" altLang="zh-TW" sz="2400" dirty="0" smtClean="0">
-                <a:latin typeface="微軟正黑體" panose="020B0604030504040204" pitchFamily="34" charset="-120"/>
-                <a:ea typeface="微軟正黑體" panose="020B0604030504040204" pitchFamily="34" charset="-120"/>
-              </a:rPr>
-              <a:t>(); (id</a:t>
-            </a:r>
-            <a:r>
-              <a:rPr lang="zh-TW" altLang="en-US" sz="2400" dirty="0" smtClean="0">
-                <a:latin typeface="微軟正黑體" panose="020B0604030504040204" pitchFamily="34" charset="-120"/>
-                <a:ea typeface="微軟正黑體" panose="020B0604030504040204" pitchFamily="34" charset="-120"/>
-              </a:rPr>
-              <a:t>為</a:t>
-            </a:r>
-            <a:r>
-              <a:rPr lang="en-US" altLang="zh-TW" sz="2400" dirty="0" smtClean="0">
-                <a:latin typeface="微軟正黑體" panose="020B0604030504040204" pitchFamily="34" charset="-120"/>
-                <a:ea typeface="微軟正黑體" panose="020B0604030504040204" pitchFamily="34" charset="-120"/>
-              </a:rPr>
-              <a:t>x</a:t>
-            </a:r>
-            <a:r>
-              <a:rPr lang="zh-TW" altLang="en-US" sz="2400" dirty="0" smtClean="0">
-                <a:latin typeface="微軟正黑體" panose="020B0604030504040204" pitchFamily="34" charset="-120"/>
-                <a:ea typeface="微軟正黑體" panose="020B0604030504040204" pitchFamily="34" charset="-120"/>
-              </a:rPr>
-              <a:t>的東西出現</a:t>
-            </a:r>
-            <a:r>
-              <a:rPr lang="en-US" altLang="zh-TW" sz="2400" dirty="0" smtClean="0">
-                <a:latin typeface="微軟正黑體" panose="020B0604030504040204" pitchFamily="34" charset="-120"/>
-                <a:ea typeface="微軟正黑體" panose="020B0604030504040204" pitchFamily="34" charset="-120"/>
-              </a:rPr>
-              <a:t>)</a:t>
-            </a:r>
-          </a:p>
-          <a:p>
-            <a:r>
-              <a:rPr lang="en-US" altLang="zh-TW" sz="2400" dirty="0">
-                <a:latin typeface="微軟正黑體" panose="020B0604030504040204" pitchFamily="34" charset="-120"/>
-                <a:ea typeface="微軟正黑體" panose="020B0604030504040204" pitchFamily="34" charset="-120"/>
-              </a:rPr>
-              <a:t>	(4) </a:t>
-            </a:r>
-            <a:r>
-              <a:rPr lang="en-US" altLang="zh-TW" sz="2400" dirty="0" smtClean="0">
-                <a:latin typeface="微軟正黑體" panose="020B0604030504040204" pitchFamily="34" charset="-120"/>
-                <a:ea typeface="微軟正黑體" panose="020B0604030504040204" pitchFamily="34" charset="-120"/>
-              </a:rPr>
-              <a:t>$("#x").</a:t>
-            </a:r>
-            <a:r>
-              <a:rPr lang="en-US" altLang="zh-TW" sz="2400" dirty="0">
-                <a:latin typeface="微軟正黑體" panose="020B0604030504040204" pitchFamily="34" charset="-120"/>
-                <a:ea typeface="微軟正黑體" panose="020B0604030504040204" pitchFamily="34" charset="-120"/>
-              </a:rPr>
-              <a:t>hide</a:t>
-            </a:r>
-            <a:r>
-              <a:rPr lang="en-US" altLang="zh-TW" sz="2400" dirty="0" smtClean="0">
-                <a:latin typeface="微軟正黑體" panose="020B0604030504040204" pitchFamily="34" charset="-120"/>
-                <a:ea typeface="微軟正黑體" panose="020B0604030504040204" pitchFamily="34" charset="-120"/>
-              </a:rPr>
-              <a:t>(); </a:t>
-            </a:r>
-            <a:r>
-              <a:rPr lang="en-US" altLang="zh-TW" sz="2400" dirty="0">
-                <a:latin typeface="微軟正黑體" panose="020B0604030504040204" pitchFamily="34" charset="-120"/>
-                <a:ea typeface="微軟正黑體" panose="020B0604030504040204" pitchFamily="34" charset="-120"/>
-              </a:rPr>
-              <a:t>(id</a:t>
-            </a:r>
-            <a:r>
-              <a:rPr lang="zh-TW" altLang="en-US" sz="2400" dirty="0">
-                <a:latin typeface="微軟正黑體" panose="020B0604030504040204" pitchFamily="34" charset="-120"/>
-                <a:ea typeface="微軟正黑體" panose="020B0604030504040204" pitchFamily="34" charset="-120"/>
-              </a:rPr>
-              <a:t>為</a:t>
-            </a:r>
-            <a:r>
-              <a:rPr lang="en-US" altLang="zh-TW" sz="2400" dirty="0">
-                <a:latin typeface="微軟正黑體" panose="020B0604030504040204" pitchFamily="34" charset="-120"/>
-                <a:ea typeface="微軟正黑體" panose="020B0604030504040204" pitchFamily="34" charset="-120"/>
-              </a:rPr>
-              <a:t>x</a:t>
-            </a:r>
-            <a:r>
-              <a:rPr lang="zh-TW" altLang="en-US" sz="2400" dirty="0">
-                <a:latin typeface="微軟正黑體" panose="020B0604030504040204" pitchFamily="34" charset="-120"/>
-                <a:ea typeface="微軟正黑體" panose="020B0604030504040204" pitchFamily="34" charset="-120"/>
-              </a:rPr>
-              <a:t>的</a:t>
-            </a:r>
-            <a:r>
-              <a:rPr lang="zh-TW" altLang="en-US" sz="2400" dirty="0" smtClean="0">
-                <a:latin typeface="微軟正黑體" panose="020B0604030504040204" pitchFamily="34" charset="-120"/>
-                <a:ea typeface="微軟正黑體" panose="020B0604030504040204" pitchFamily="34" charset="-120"/>
-              </a:rPr>
-              <a:t>東西</a:t>
-            </a:r>
-            <a:r>
-              <a:rPr lang="zh-TW" altLang="en-US" sz="2400" dirty="0">
-                <a:latin typeface="微軟正黑體" panose="020B0604030504040204" pitchFamily="34" charset="-120"/>
-                <a:ea typeface="微軟正黑體" panose="020B0604030504040204" pitchFamily="34" charset="-120"/>
-              </a:rPr>
-              <a:t>隱藏</a:t>
-            </a:r>
-            <a:r>
-              <a:rPr lang="en-US" altLang="zh-TW" sz="2400" dirty="0" smtClean="0">
-                <a:latin typeface="微軟正黑體" panose="020B0604030504040204" pitchFamily="34" charset="-120"/>
-                <a:ea typeface="微軟正黑體" panose="020B0604030504040204" pitchFamily="34" charset="-120"/>
-              </a:rPr>
-              <a:t>)</a:t>
+              <a:t>);</a:t>
             </a:r>
             <a:endParaRPr lang="en-US" altLang="zh-TW" sz="2400" dirty="0">
               <a:latin typeface="微軟正黑體" panose="020B0604030504040204" pitchFamily="34" charset="-120"/>
               <a:ea typeface="微軟正黑體" panose="020B0604030504040204" pitchFamily="34" charset="-120"/>
             </a:endParaRPr>
           </a:p>
+          <a:p>
+            <a:r>
+              <a:rPr lang="en-US" altLang="zh-TW" sz="2400" b="1" dirty="0" smtClean="0">
+                <a:latin typeface="微軟正黑體" panose="020B0604030504040204" pitchFamily="34" charset="-120"/>
+                <a:ea typeface="微軟正黑體" panose="020B0604030504040204" pitchFamily="34" charset="-120"/>
+              </a:rPr>
+              <a:t>	      </a:t>
+            </a:r>
+            <a:r>
+              <a:rPr lang="en-US" altLang="zh-TW" sz="2400" dirty="0" smtClean="0">
+                <a:latin typeface="微軟正黑體" panose="020B0604030504040204" pitchFamily="34" charset="-120"/>
+                <a:ea typeface="微軟正黑體" panose="020B0604030504040204" pitchFamily="34" charset="-120"/>
+              </a:rPr>
+              <a:t>(</a:t>
+            </a:r>
+            <a:r>
+              <a:rPr lang="zh-TW" altLang="en-US" sz="2400" dirty="0" smtClean="0">
+                <a:latin typeface="微軟正黑體" panose="020B0604030504040204" pitchFamily="34" charset="-120"/>
+                <a:ea typeface="微軟正黑體" panose="020B0604030504040204" pitchFamily="34" charset="-120"/>
+              </a:rPr>
+              <a:t>在</a:t>
+            </a:r>
+            <a:r>
+              <a:rPr lang="en-US" altLang="zh-TW" sz="2400" dirty="0" err="1" smtClean="0">
+                <a:latin typeface="微軟正黑體" panose="020B0604030504040204" pitchFamily="34" charset="-120"/>
+                <a:ea typeface="微軟正黑體" panose="020B0604030504040204" pitchFamily="34" charset="-120"/>
+              </a:rPr>
+              <a:t>localStorage</a:t>
+            </a:r>
+            <a:r>
+              <a:rPr lang="zh-TW" altLang="en-US" sz="2400" dirty="0" smtClean="0">
+                <a:latin typeface="微軟正黑體" panose="020B0604030504040204" pitchFamily="34" charset="-120"/>
+                <a:ea typeface="微軟正黑體" panose="020B0604030504040204" pitchFamily="34" charset="-120"/>
+              </a:rPr>
+              <a:t>存入</a:t>
+            </a:r>
+            <a:r>
+              <a:rPr lang="en-US" altLang="zh-TW" sz="2400" dirty="0" smtClean="0">
+                <a:latin typeface="微軟正黑體" panose="020B0604030504040204" pitchFamily="34" charset="-120"/>
+                <a:ea typeface="微軟正黑體" panose="020B0604030504040204" pitchFamily="34" charset="-120"/>
+              </a:rPr>
+              <a:t>x = 1)</a:t>
+            </a:r>
+          </a:p>
+          <a:p>
+            <a:r>
+              <a:rPr lang="en-US" altLang="zh-TW" sz="2400" dirty="0">
+                <a:latin typeface="微軟正黑體" panose="020B0604030504040204" pitchFamily="34" charset="-120"/>
+                <a:ea typeface="微軟正黑體" panose="020B0604030504040204" pitchFamily="34" charset="-120"/>
+              </a:rPr>
+              <a:t>	(</a:t>
+            </a:r>
+            <a:r>
+              <a:rPr lang="en-US" altLang="zh-TW" sz="2400" dirty="0" smtClean="0">
+                <a:latin typeface="微軟正黑體" panose="020B0604030504040204" pitchFamily="34" charset="-120"/>
+                <a:ea typeface="微軟正黑體" panose="020B0604030504040204" pitchFamily="34" charset="-120"/>
+              </a:rPr>
+              <a:t>3) </a:t>
+            </a:r>
+            <a:r>
+              <a:rPr lang="en-US" altLang="zh-TW" sz="2400" dirty="0" err="1" smtClean="0">
+                <a:latin typeface="微軟正黑體" panose="020B0604030504040204" pitchFamily="34" charset="-120"/>
+                <a:ea typeface="微軟正黑體" panose="020B0604030504040204" pitchFamily="34" charset="-120"/>
+              </a:rPr>
+              <a:t>y.setAttribute</a:t>
+            </a:r>
+            <a:r>
+              <a:rPr lang="en-US" altLang="zh-TW" sz="2400" dirty="0" smtClean="0">
+                <a:latin typeface="微軟正黑體" panose="020B0604030504040204" pitchFamily="34" charset="-120"/>
+                <a:ea typeface="微軟正黑體" panose="020B0604030504040204" pitchFamily="34" charset="-120"/>
+              </a:rPr>
+              <a:t>("</a:t>
+            </a:r>
+            <a:r>
+              <a:rPr lang="en-US" altLang="zh-TW" sz="2400" dirty="0" err="1" smtClean="0">
+                <a:latin typeface="微軟正黑體" panose="020B0604030504040204" pitchFamily="34" charset="-120"/>
+                <a:ea typeface="微軟正黑體" panose="020B0604030504040204" pitchFamily="34" charset="-120"/>
+              </a:rPr>
+              <a:t>class","x</a:t>
+            </a:r>
+            <a:r>
+              <a:rPr lang="en-US" altLang="zh-TW" sz="2400" dirty="0" smtClean="0">
+                <a:latin typeface="微軟正黑體" panose="020B0604030504040204" pitchFamily="34" charset="-120"/>
+                <a:ea typeface="微軟正黑體" panose="020B0604030504040204" pitchFamily="34" charset="-120"/>
+              </a:rPr>
+              <a:t>"); (</a:t>
+            </a:r>
+            <a:r>
+              <a:rPr lang="zh-TW" altLang="en-US" sz="2400" dirty="0" smtClean="0">
+                <a:latin typeface="微軟正黑體" panose="020B0604030504040204" pitchFamily="34" charset="-120"/>
+                <a:ea typeface="微軟正黑體" panose="020B0604030504040204" pitchFamily="34" charset="-120"/>
+              </a:rPr>
+              <a:t>將</a:t>
+            </a:r>
+            <a:r>
+              <a:rPr lang="en-US" altLang="zh-TW" sz="2400" dirty="0" smtClean="0">
+                <a:latin typeface="微軟正黑體" panose="020B0604030504040204" pitchFamily="34" charset="-120"/>
+                <a:ea typeface="微軟正黑體" panose="020B0604030504040204" pitchFamily="34" charset="-120"/>
+              </a:rPr>
+              <a:t>y</a:t>
+            </a:r>
+            <a:r>
+              <a:rPr lang="zh-TW" altLang="en-US" sz="2400" dirty="0" smtClean="0">
+                <a:latin typeface="微軟正黑體" panose="020B0604030504040204" pitchFamily="34" charset="-120"/>
+                <a:ea typeface="微軟正黑體" panose="020B0604030504040204" pitchFamily="34" charset="-120"/>
+              </a:rPr>
+              <a:t>的</a:t>
+            </a:r>
+            <a:r>
+              <a:rPr lang="en-US" altLang="zh-TW" sz="2400" dirty="0" smtClean="0">
+                <a:latin typeface="微軟正黑體" panose="020B0604030504040204" pitchFamily="34" charset="-120"/>
+                <a:ea typeface="微軟正黑體" panose="020B0604030504040204" pitchFamily="34" charset="-120"/>
+              </a:rPr>
+              <a:t>class</a:t>
+            </a:r>
+            <a:r>
+              <a:rPr lang="zh-TW" altLang="en-US" sz="2400" dirty="0" smtClean="0">
+                <a:latin typeface="微軟正黑體" panose="020B0604030504040204" pitchFamily="34" charset="-120"/>
+                <a:ea typeface="微軟正黑體" panose="020B0604030504040204" pitchFamily="34" charset="-120"/>
+              </a:rPr>
+              <a:t>改成</a:t>
+            </a:r>
+            <a:r>
+              <a:rPr lang="en-US" altLang="zh-TW" sz="2400" dirty="0" smtClean="0">
+                <a:latin typeface="微軟正黑體" panose="020B0604030504040204" pitchFamily="34" charset="-120"/>
+                <a:ea typeface="微軟正黑體" panose="020B0604030504040204" pitchFamily="34" charset="-120"/>
+              </a:rPr>
+              <a:t>x)</a:t>
+            </a:r>
+          </a:p>
+          <a:p>
+            <a:r>
+              <a:rPr lang="en-US" altLang="zh-TW" sz="2400" dirty="0">
+                <a:latin typeface="微軟正黑體" panose="020B0604030504040204" pitchFamily="34" charset="-120"/>
+                <a:ea typeface="微軟正黑體" panose="020B0604030504040204" pitchFamily="34" charset="-120"/>
+              </a:rPr>
+              <a:t>	(4) </a:t>
+            </a:r>
+            <a:r>
+              <a:rPr lang="en-US" altLang="zh-TW" sz="2400" dirty="0" err="1" smtClean="0">
+                <a:latin typeface="微軟正黑體" panose="020B0604030504040204" pitchFamily="34" charset="-120"/>
+                <a:ea typeface="微軟正黑體" panose="020B0604030504040204" pitchFamily="34" charset="-120"/>
+              </a:rPr>
+              <a:t>y.addEventListener</a:t>
+            </a:r>
+            <a:r>
+              <a:rPr lang="en-US" altLang="zh-TW" sz="2400" dirty="0" smtClean="0">
+                <a:latin typeface="微軟正黑體" panose="020B0604030504040204" pitchFamily="34" charset="-120"/>
+                <a:ea typeface="微軟正黑體" panose="020B0604030504040204" pitchFamily="34" charset="-120"/>
+              </a:rPr>
+              <a:t>(</a:t>
+            </a:r>
+            <a:r>
+              <a:rPr lang="en-US" altLang="zh-TW" sz="2400" dirty="0">
+                <a:latin typeface="微軟正黑體" panose="020B0604030504040204" pitchFamily="34" charset="-120"/>
+                <a:ea typeface="微軟正黑體" panose="020B0604030504040204" pitchFamily="34" charset="-120"/>
+              </a:rPr>
+              <a:t>"</a:t>
+            </a:r>
+            <a:r>
+              <a:rPr lang="en-US" altLang="zh-TW" sz="2400" dirty="0" smtClean="0">
+                <a:latin typeface="微軟正黑體" panose="020B0604030504040204" pitchFamily="34" charset="-120"/>
+                <a:ea typeface="微軟正黑體" panose="020B0604030504040204" pitchFamily="34" charset="-120"/>
+              </a:rPr>
+              <a:t>click</a:t>
+            </a:r>
+            <a:r>
+              <a:rPr lang="en-US" altLang="zh-TW" sz="2400" dirty="0">
+                <a:latin typeface="微軟正黑體" panose="020B0604030504040204" pitchFamily="34" charset="-120"/>
+                <a:ea typeface="微軟正黑體" panose="020B0604030504040204" pitchFamily="34" charset="-120"/>
+              </a:rPr>
+              <a:t>"</a:t>
+            </a:r>
+            <a:r>
+              <a:rPr lang="en-US" altLang="zh-TW" sz="2400" dirty="0" smtClean="0">
+                <a:latin typeface="微軟正黑體" panose="020B0604030504040204" pitchFamily="34" charset="-120"/>
+                <a:ea typeface="微軟正黑體" panose="020B0604030504040204" pitchFamily="34" charset="-120"/>
+              </a:rPr>
+              <a:t>, </a:t>
+            </a:r>
+            <a:r>
+              <a:rPr lang="en-US" altLang="zh-TW" sz="2400" dirty="0">
+                <a:latin typeface="微軟正黑體" panose="020B0604030504040204" pitchFamily="34" charset="-120"/>
+                <a:ea typeface="微軟正黑體" panose="020B0604030504040204" pitchFamily="34" charset="-120"/>
+              </a:rPr>
+              <a:t>x</a:t>
+            </a:r>
+            <a:r>
+              <a:rPr lang="en-US" altLang="zh-TW" sz="2400" dirty="0" smtClean="0">
+                <a:latin typeface="微軟正黑體" panose="020B0604030504040204" pitchFamily="34" charset="-120"/>
+                <a:ea typeface="微軟正黑體" panose="020B0604030504040204" pitchFamily="34" charset="-120"/>
+              </a:rPr>
+              <a:t>, </a:t>
+            </a:r>
+            <a:r>
+              <a:rPr lang="en-US" altLang="zh-TW" sz="2400" dirty="0">
+                <a:latin typeface="微軟正黑體" panose="020B0604030504040204" pitchFamily="34" charset="-120"/>
+                <a:ea typeface="微軟正黑體" panose="020B0604030504040204" pitchFamily="34" charset="-120"/>
+              </a:rPr>
+              <a:t>false </a:t>
+            </a:r>
+            <a:r>
+              <a:rPr lang="en-US" altLang="zh-TW" sz="2400" dirty="0" smtClean="0">
+                <a:latin typeface="微軟正黑體" panose="020B0604030504040204" pitchFamily="34" charset="-120"/>
+                <a:ea typeface="微軟正黑體" panose="020B0604030504040204" pitchFamily="34" charset="-120"/>
+              </a:rPr>
+              <a:t>); </a:t>
+            </a:r>
+          </a:p>
+          <a:p>
+            <a:r>
+              <a:rPr lang="en-US" altLang="zh-TW" sz="2400" dirty="0">
+                <a:latin typeface="微軟正黑體" panose="020B0604030504040204" pitchFamily="34" charset="-120"/>
+                <a:ea typeface="微軟正黑體" panose="020B0604030504040204" pitchFamily="34" charset="-120"/>
+              </a:rPr>
+              <a:t>	</a:t>
+            </a:r>
+            <a:r>
+              <a:rPr lang="zh-TW" altLang="en-US" sz="2400" dirty="0">
+                <a:latin typeface="微軟正黑體" panose="020B0604030504040204" pitchFamily="34" charset="-120"/>
+                <a:ea typeface="微軟正黑體" panose="020B0604030504040204" pitchFamily="34" charset="-120"/>
+              </a:rPr>
+              <a:t> </a:t>
+            </a:r>
+            <a:r>
+              <a:rPr lang="zh-TW" altLang="en-US" sz="2400" dirty="0" smtClean="0">
+                <a:latin typeface="微軟正黑體" panose="020B0604030504040204" pitchFamily="34" charset="-120"/>
+                <a:ea typeface="微軟正黑體" panose="020B0604030504040204" pitchFamily="34" charset="-120"/>
+              </a:rPr>
+              <a:t>    </a:t>
+            </a:r>
+            <a:r>
+              <a:rPr lang="en-US" altLang="zh-TW" sz="2400" dirty="0" smtClean="0">
+                <a:latin typeface="微軟正黑體" panose="020B0604030504040204" pitchFamily="34" charset="-120"/>
+                <a:ea typeface="微軟正黑體" panose="020B0604030504040204" pitchFamily="34" charset="-120"/>
+              </a:rPr>
+              <a:t>(</a:t>
+            </a:r>
+            <a:r>
+              <a:rPr lang="zh-TW" altLang="en-US" sz="2400" dirty="0" smtClean="0">
+                <a:latin typeface="微軟正黑體" panose="020B0604030504040204" pitchFamily="34" charset="-120"/>
+                <a:ea typeface="微軟正黑體" panose="020B0604030504040204" pitchFamily="34" charset="-120"/>
+              </a:rPr>
+              <a:t>若按</a:t>
+            </a:r>
+            <a:r>
+              <a:rPr lang="zh-TW" altLang="en-US" sz="2400" dirty="0">
+                <a:latin typeface="微軟正黑體" panose="020B0604030504040204" pitchFamily="34" charset="-120"/>
+                <a:ea typeface="微軟正黑體" panose="020B0604030504040204" pitchFamily="34" charset="-120"/>
+              </a:rPr>
+              <a:t>了</a:t>
+            </a:r>
+            <a:r>
+              <a:rPr lang="en-US" altLang="zh-TW" sz="2400" dirty="0">
+                <a:latin typeface="微軟正黑體" panose="020B0604030504040204" pitchFamily="34" charset="-120"/>
+                <a:ea typeface="微軟正黑體" panose="020B0604030504040204" pitchFamily="34" charset="-120"/>
+              </a:rPr>
+              <a:t>y</a:t>
+            </a:r>
+            <a:r>
+              <a:rPr lang="zh-TW" altLang="en-US" sz="2400" dirty="0">
+                <a:latin typeface="微軟正黑體" panose="020B0604030504040204" pitchFamily="34" charset="-120"/>
+                <a:ea typeface="微軟正黑體" panose="020B0604030504040204" pitchFamily="34" charset="-120"/>
+              </a:rPr>
+              <a:t>則跳</a:t>
+            </a:r>
+            <a:r>
+              <a:rPr lang="zh-TW" altLang="en-US" sz="2400" dirty="0" smtClean="0">
+                <a:latin typeface="微軟正黑體" panose="020B0604030504040204" pitchFamily="34" charset="-120"/>
+                <a:ea typeface="微軟正黑體" panose="020B0604030504040204" pitchFamily="34" charset="-120"/>
+              </a:rPr>
+              <a:t>到</a:t>
+            </a:r>
+            <a:r>
+              <a:rPr lang="en-US" altLang="zh-TW" sz="2400" dirty="0" smtClean="0">
+                <a:latin typeface="微軟正黑體" panose="020B0604030504040204" pitchFamily="34" charset="-120"/>
+                <a:ea typeface="微軟正黑體" panose="020B0604030504040204" pitchFamily="34" charset="-120"/>
+              </a:rPr>
+              <a:t>function x)</a:t>
+            </a:r>
+          </a:p>
+          <a:p>
+            <a:r>
+              <a:rPr lang="en-US" altLang="zh-TW" sz="2400" dirty="0">
+                <a:latin typeface="微軟正黑體" panose="020B0604030504040204" pitchFamily="34" charset="-120"/>
+                <a:ea typeface="微軟正黑體" panose="020B0604030504040204" pitchFamily="34" charset="-120"/>
+              </a:rPr>
+              <a:t>	(5) </a:t>
+            </a:r>
+            <a:r>
+              <a:rPr lang="en-US" altLang="zh-TW" sz="2400" dirty="0" err="1">
+                <a:latin typeface="微軟正黑體" panose="020B0604030504040204" pitchFamily="34" charset="-120"/>
+                <a:ea typeface="微軟正黑體" panose="020B0604030504040204" pitchFamily="34" charset="-120"/>
+              </a:rPr>
+              <a:t>z</a:t>
+            </a:r>
+            <a:r>
+              <a:rPr lang="en-US" altLang="zh-TW" sz="2400" dirty="0" err="1" smtClean="0">
+                <a:latin typeface="微軟正黑體" panose="020B0604030504040204" pitchFamily="34" charset="-120"/>
+                <a:ea typeface="微軟正黑體" panose="020B0604030504040204" pitchFamily="34" charset="-120"/>
+              </a:rPr>
+              <a:t>.play</a:t>
+            </a:r>
+            <a:r>
+              <a:rPr lang="en-US" altLang="zh-TW" sz="2400" dirty="0" smtClean="0">
+                <a:latin typeface="微軟正黑體" panose="020B0604030504040204" pitchFamily="34" charset="-120"/>
+                <a:ea typeface="微軟正黑體" panose="020B0604030504040204" pitchFamily="34" charset="-120"/>
+              </a:rPr>
+              <a:t>(); (</a:t>
+            </a:r>
+            <a:r>
+              <a:rPr lang="zh-TW" altLang="en-US" sz="2400" dirty="0" smtClean="0">
+                <a:latin typeface="微軟正黑體" panose="020B0604030504040204" pitchFamily="34" charset="-120"/>
+                <a:ea typeface="微軟正黑體" panose="020B0604030504040204" pitchFamily="34" charset="-120"/>
+              </a:rPr>
+              <a:t>播放</a:t>
+            </a:r>
+            <a:r>
+              <a:rPr lang="en-US" altLang="zh-TW" sz="2400" dirty="0" smtClean="0">
+                <a:latin typeface="微軟正黑體" panose="020B0604030504040204" pitchFamily="34" charset="-120"/>
+                <a:ea typeface="微軟正黑體" panose="020B0604030504040204" pitchFamily="34" charset="-120"/>
+              </a:rPr>
+              <a:t>z</a:t>
+            </a:r>
+            <a:r>
+              <a:rPr lang="zh-TW" altLang="en-US" sz="2400" dirty="0" smtClean="0">
+                <a:latin typeface="微軟正黑體" panose="020B0604030504040204" pitchFamily="34" charset="-120"/>
+                <a:ea typeface="微軟正黑體" panose="020B0604030504040204" pitchFamily="34" charset="-120"/>
+              </a:rPr>
+              <a:t>的音檔</a:t>
+            </a:r>
+            <a:r>
+              <a:rPr lang="en-US" altLang="zh-TW" sz="2400" dirty="0" smtClean="0">
+                <a:latin typeface="微軟正黑體" panose="020B0604030504040204" pitchFamily="34" charset="-120"/>
+                <a:ea typeface="微軟正黑體" panose="020B0604030504040204" pitchFamily="34" charset="-120"/>
+              </a:rPr>
+              <a:t>)</a:t>
+            </a:r>
+          </a:p>
+          <a:p>
+            <a:r>
+              <a:rPr lang="en-US" altLang="zh-TW" sz="2400" dirty="0">
+                <a:latin typeface="微軟正黑體" panose="020B0604030504040204" pitchFamily="34" charset="-120"/>
+                <a:ea typeface="微軟正黑體" panose="020B0604030504040204" pitchFamily="34" charset="-120"/>
+              </a:rPr>
+              <a:t>	(6) </a:t>
+            </a:r>
+            <a:r>
+              <a:rPr lang="en-US" altLang="zh-TW" sz="2400" dirty="0" err="1" smtClean="0">
+                <a:latin typeface="微軟正黑體" panose="020B0604030504040204" pitchFamily="34" charset="-120"/>
+                <a:ea typeface="微軟正黑體" panose="020B0604030504040204" pitchFamily="34" charset="-120"/>
+              </a:rPr>
+              <a:t>z.addEventListener</a:t>
+            </a:r>
+            <a:r>
+              <a:rPr lang="en-US" altLang="zh-TW" sz="2400" dirty="0">
+                <a:latin typeface="微軟正黑體" panose="020B0604030504040204" pitchFamily="34" charset="-120"/>
+                <a:ea typeface="微軟正黑體" panose="020B0604030504040204" pitchFamily="34" charset="-120"/>
+              </a:rPr>
+              <a:t>( "ended</a:t>
+            </a:r>
+            <a:r>
+              <a:rPr lang="en-US" altLang="zh-TW" sz="2400" dirty="0" smtClean="0">
+                <a:latin typeface="微軟正黑體" panose="020B0604030504040204" pitchFamily="34" charset="-120"/>
+                <a:ea typeface="微軟正黑體" panose="020B0604030504040204" pitchFamily="34" charset="-120"/>
+              </a:rPr>
+              <a:t>", k, </a:t>
+            </a:r>
+            <a:r>
+              <a:rPr lang="en-US" altLang="zh-TW" sz="2400" dirty="0">
+                <a:latin typeface="微軟正黑體" panose="020B0604030504040204" pitchFamily="34" charset="-120"/>
+                <a:ea typeface="微軟正黑體" panose="020B0604030504040204" pitchFamily="34" charset="-120"/>
+              </a:rPr>
+              <a:t>false </a:t>
+            </a:r>
+            <a:r>
+              <a:rPr lang="en-US" altLang="zh-TW" sz="2400" dirty="0" smtClean="0">
+                <a:latin typeface="微軟正黑體" panose="020B0604030504040204" pitchFamily="34" charset="-120"/>
+                <a:ea typeface="微軟正黑體" panose="020B0604030504040204" pitchFamily="34" charset="-120"/>
+              </a:rPr>
+              <a:t>);</a:t>
+            </a:r>
+          </a:p>
+          <a:p>
+            <a:r>
+              <a:rPr lang="en-US" altLang="zh-TW" sz="2400" dirty="0">
+                <a:latin typeface="微軟正黑體" panose="020B0604030504040204" pitchFamily="34" charset="-120"/>
+                <a:ea typeface="微軟正黑體" panose="020B0604030504040204" pitchFamily="34" charset="-120"/>
+              </a:rPr>
+              <a:t>	</a:t>
+            </a:r>
+            <a:r>
+              <a:rPr lang="en-US" altLang="zh-TW" sz="2400" dirty="0" smtClean="0">
+                <a:latin typeface="微軟正黑體" panose="020B0604030504040204" pitchFamily="34" charset="-120"/>
+                <a:ea typeface="微軟正黑體" panose="020B0604030504040204" pitchFamily="34" charset="-120"/>
+              </a:rPr>
+              <a:t>     (z</a:t>
+            </a:r>
+            <a:r>
+              <a:rPr lang="zh-TW" altLang="en-US" sz="2400" dirty="0" smtClean="0">
+                <a:latin typeface="微軟正黑體" panose="020B0604030504040204" pitchFamily="34" charset="-120"/>
+                <a:ea typeface="微軟正黑體" panose="020B0604030504040204" pitchFamily="34" charset="-120"/>
+              </a:rPr>
+              <a:t>播完跳到</a:t>
+            </a:r>
+            <a:r>
+              <a:rPr lang="en-US" altLang="zh-TW" sz="2400" dirty="0" smtClean="0">
+                <a:latin typeface="微軟正黑體" panose="020B0604030504040204" pitchFamily="34" charset="-120"/>
+                <a:ea typeface="微軟正黑體" panose="020B0604030504040204" pitchFamily="34" charset="-120"/>
+              </a:rPr>
+              <a:t>function k)</a:t>
+            </a:r>
+          </a:p>
         </p:txBody>
       </p:sp>
     </p:spTree>
     <p:extLst>
       <p:ext uri="{BB962C8B-B14F-4D97-AF65-F5344CB8AC3E}">
-        <p14:creationId xmlns:p14="http://schemas.microsoft.com/office/powerpoint/2010/main" val="308387360"/>
+        <p14:creationId xmlns:p14="http://schemas.microsoft.com/office/powerpoint/2010/main" val="1335708437"/>
       </p:ext>
     </p:extLst>
   </p:cSld>
@@ -7731,8 +7884,8 @@
         </p:nvSpPr>
         <p:spPr>
           <a:xfrm>
-            <a:off x="591681" y="430956"/>
-            <a:ext cx="3384376" cy="830997"/>
+            <a:off x="591680" y="430956"/>
+            <a:ext cx="4556383" cy="830997"/>
           </a:xfrm>
           <a:prstGeom prst="rect">
             <a:avLst/>
@@ -7755,7 +7908,43 @@
                 <a:latin typeface="微軟正黑體" panose="020B0604030504040204" pitchFamily="34" charset="-120"/>
                 <a:ea typeface="微軟正黑體" panose="020B0604030504040204" pitchFamily="34" charset="-120"/>
               </a:rPr>
-              <a:t>網站分工</a:t>
+              <a:t>網站技術</a:t>
+            </a:r>
+            <a:r>
+              <a:rPr lang="en-US" altLang="zh-TW" sz="4800" b="1" dirty="0" smtClean="0">
+                <a:solidFill>
+                  <a:schemeClr val="accent2">
+                    <a:lumMod val="50000"/>
+                  </a:schemeClr>
+                </a:solidFill>
+                <a:latin typeface="微軟正黑體" panose="020B0604030504040204" pitchFamily="34" charset="-120"/>
+                <a:ea typeface="微軟正黑體" panose="020B0604030504040204" pitchFamily="34" charset="-120"/>
+              </a:rPr>
+              <a:t>(</a:t>
+            </a:r>
+            <a:r>
+              <a:rPr lang="zh-TW" altLang="en-US" sz="4800" b="1" dirty="0">
+                <a:solidFill>
+                  <a:schemeClr val="accent2">
+                    <a:lumMod val="50000"/>
+                  </a:schemeClr>
+                </a:solidFill>
+                <a:latin typeface="微軟正黑體" panose="020B0604030504040204" pitchFamily="34" charset="-120"/>
+                <a:ea typeface="微軟正黑體" panose="020B0604030504040204" pitchFamily="34" charset="-120"/>
+              </a:rPr>
+              <a:t>三</a:t>
+            </a:r>
+            <a:r>
+              <a:rPr lang="en-US" altLang="zh-TW" sz="4800" b="1" dirty="0" smtClean="0">
+                <a:solidFill>
+                  <a:schemeClr val="accent2">
+                    <a:lumMod val="50000"/>
+                  </a:schemeClr>
+                </a:solidFill>
+                <a:latin typeface="微軟正黑體" panose="020B0604030504040204" pitchFamily="34" charset="-120"/>
+                <a:ea typeface="微軟正黑體" panose="020B0604030504040204" pitchFamily="34" charset="-120"/>
+              </a:rPr>
+              <a:t>)</a:t>
             </a:r>
             <a:endParaRPr lang="zh-TW" altLang="en-US" sz="4800" b="1" dirty="0">
               <a:solidFill>
@@ -7777,8 +7966,8 @@
         </p:nvSpPr>
         <p:spPr>
           <a:xfrm>
-            <a:off x="703883" y="1556792"/>
-            <a:ext cx="7771729" cy="6001643"/>
+            <a:off x="703883" y="1484784"/>
+            <a:ext cx="7771729" cy="3293209"/>
           </a:xfrm>
           <a:prstGeom prst="rect">
             <a:avLst/>
@@ -7791,273 +7980,425 @@
           </a:bodyPr>
           <a:lstStyle/>
           <a:p>
-            <a:pPr>
-              <a:lnSpc>
-                <a:spcPct val="200000"/>
-              </a:lnSpc>
-            </a:pPr>
-            <a:r>
-              <a:rPr lang="zh-TW" altLang="en-US" sz="3200" dirty="0" smtClean="0">
-                <a:latin typeface="微軟正黑體" panose="020B0604030504040204" pitchFamily="34" charset="-120"/>
-                <a:ea typeface="微軟正黑體" panose="020B0604030504040204" pitchFamily="34" charset="-120"/>
-              </a:rPr>
-              <a:t>進場頁面 </a:t>
-            </a:r>
-            <a:r>
-              <a:rPr lang="en-US" altLang="zh-TW" sz="3200" dirty="0" smtClean="0">
-                <a:latin typeface="微軟正黑體" panose="020B0604030504040204" pitchFamily="34" charset="-120"/>
-                <a:ea typeface="微軟正黑體" panose="020B0604030504040204" pitchFamily="34" charset="-120"/>
-              </a:rPr>
-              <a:t>–</a:t>
-            </a:r>
-            <a:r>
-              <a:rPr lang="zh-TW" altLang="en-US" sz="3200" dirty="0" smtClean="0">
-                <a:latin typeface="微軟正黑體" panose="020B0604030504040204" pitchFamily="34" charset="-120"/>
-                <a:ea typeface="微軟正黑體" panose="020B0604030504040204" pitchFamily="34" charset="-120"/>
-              </a:rPr>
-              <a:t> 涂道純</a:t>
-            </a:r>
-            <a:endParaRPr lang="en-US" altLang="zh-TW" sz="3200" dirty="0" smtClean="0">
+            <a:pPr lvl="0"/>
+            <a:r>
+              <a:rPr lang="en-US" altLang="zh-TW" sz="2800" b="1" dirty="0" smtClean="0">
+                <a:latin typeface="微軟正黑體" panose="020B0604030504040204" pitchFamily="34" charset="-120"/>
+                <a:ea typeface="微軟正黑體" panose="020B0604030504040204" pitchFamily="34" charset="-120"/>
+              </a:rPr>
+              <a:t>HTML: </a:t>
+            </a:r>
+            <a:r>
+              <a:rPr lang="en-US" altLang="zh-TW" sz="2400" dirty="0" err="1">
+                <a:solidFill>
+                  <a:prstClr val="black"/>
+                </a:solidFill>
+                <a:latin typeface="微軟正黑體" panose="020B0604030504040204" pitchFamily="34" charset="-120"/>
+                <a:ea typeface="微軟正黑體" panose="020B0604030504040204" pitchFamily="34" charset="-120"/>
+              </a:rPr>
+              <a:t>onclick</a:t>
+            </a:r>
+            <a:r>
+              <a:rPr lang="en-US" altLang="zh-TW" sz="2400" dirty="0" smtClean="0">
+                <a:solidFill>
+                  <a:prstClr val="black"/>
+                </a:solidFill>
+                <a:latin typeface="微軟正黑體" panose="020B0604030504040204" pitchFamily="34" charset="-120"/>
+                <a:ea typeface="微軟正黑體" panose="020B0604030504040204" pitchFamily="34" charset="-120"/>
+              </a:rPr>
+              <a:t>="</a:t>
+            </a:r>
+            <a:r>
+              <a:rPr lang="en-US" altLang="zh-TW" sz="2400" dirty="0" err="1" smtClean="0">
+                <a:solidFill>
+                  <a:prstClr val="black"/>
+                </a:solidFill>
+                <a:latin typeface="微軟正黑體" panose="020B0604030504040204" pitchFamily="34" charset="-120"/>
+                <a:ea typeface="微軟正黑體" panose="020B0604030504040204" pitchFamily="34" charset="-120"/>
+              </a:rPr>
+              <a:t>javascript:location.href</a:t>
+            </a:r>
+            <a:r>
+              <a:rPr lang="en-US" altLang="zh-TW" sz="2400" dirty="0" smtClean="0">
+                <a:solidFill>
+                  <a:prstClr val="black"/>
+                </a:solidFill>
+                <a:latin typeface="微軟正黑體" panose="020B0604030504040204" pitchFamily="34" charset="-120"/>
+                <a:ea typeface="微軟正黑體" panose="020B0604030504040204" pitchFamily="34" charset="-120"/>
+              </a:rPr>
+              <a:t>='xxx'" (</a:t>
+            </a:r>
+            <a:r>
+              <a:rPr lang="zh-TW" altLang="en-US" sz="2400" dirty="0" smtClean="0">
+                <a:solidFill>
+                  <a:prstClr val="black"/>
+                </a:solidFill>
+                <a:latin typeface="微軟正黑體" panose="020B0604030504040204" pitchFamily="34" charset="-120"/>
+                <a:ea typeface="微軟正黑體" panose="020B0604030504040204" pitchFamily="34" charset="-120"/>
+              </a:rPr>
+              <a:t>同上</a:t>
+            </a:r>
+            <a:r>
+              <a:rPr lang="en-US" altLang="zh-TW" sz="2400" dirty="0" smtClean="0">
+                <a:solidFill>
+                  <a:prstClr val="black"/>
+                </a:solidFill>
+                <a:latin typeface="微軟正黑體" panose="020B0604030504040204" pitchFamily="34" charset="-120"/>
+                <a:ea typeface="微軟正黑體" panose="020B0604030504040204" pitchFamily="34" charset="-120"/>
+              </a:rPr>
+              <a:t>)</a:t>
+            </a:r>
+            <a:endParaRPr lang="en-US" altLang="zh-TW" sz="2400" dirty="0">
+              <a:solidFill>
+                <a:prstClr val="black"/>
+              </a:solidFill>
               <a:latin typeface="微軟正黑體" panose="020B0604030504040204" pitchFamily="34" charset="-120"/>
               <a:ea typeface="微軟正黑體" panose="020B0604030504040204" pitchFamily="34" charset="-120"/>
             </a:endParaRPr>
           </a:p>
           <a:p>
-            <a:pPr>
-              <a:lnSpc>
-                <a:spcPct val="200000"/>
-              </a:lnSpc>
-            </a:pPr>
-            <a:r>
-              <a:rPr lang="zh-TW" altLang="en-US" sz="3200" dirty="0">
-                <a:latin typeface="微軟正黑體" panose="020B0604030504040204" pitchFamily="34" charset="-120"/>
-                <a:ea typeface="微軟正黑體" panose="020B0604030504040204" pitchFamily="34" charset="-120"/>
-              </a:rPr>
-              <a:t>製作</a:t>
-            </a:r>
-            <a:r>
-              <a:rPr lang="zh-TW" altLang="en-US" sz="3200" dirty="0" smtClean="0">
-                <a:latin typeface="微軟正黑體" panose="020B0604030504040204" pitchFamily="34" charset="-120"/>
-                <a:ea typeface="微軟正黑體" panose="020B0604030504040204" pitchFamily="34" charset="-120"/>
-              </a:rPr>
-              <a:t>團隊</a:t>
-            </a:r>
-            <a:r>
-              <a:rPr lang="en-US" altLang="zh-TW" sz="3200" dirty="0" smtClean="0">
-                <a:latin typeface="微軟正黑體" panose="020B0604030504040204" pitchFamily="34" charset="-120"/>
-                <a:ea typeface="微軟正黑體" panose="020B0604030504040204" pitchFamily="34" charset="-120"/>
-              </a:rPr>
-              <a:t>+</a:t>
-            </a:r>
-            <a:r>
-              <a:rPr lang="zh-TW" altLang="en-US" sz="3200" dirty="0">
-                <a:latin typeface="微軟正黑體" panose="020B0604030504040204" pitchFamily="34" charset="-120"/>
-                <a:ea typeface="微軟正黑體" panose="020B0604030504040204" pitchFamily="34" charset="-120"/>
-              </a:rPr>
-              <a:t>討論頁面  </a:t>
-            </a:r>
-            <a:r>
-              <a:rPr lang="en-US" altLang="zh-TW" sz="3200" dirty="0" smtClean="0">
-                <a:latin typeface="微軟正黑體" panose="020B0604030504040204" pitchFamily="34" charset="-120"/>
-                <a:ea typeface="微軟正黑體" panose="020B0604030504040204" pitchFamily="34" charset="-120"/>
-              </a:rPr>
-              <a:t>–</a:t>
-            </a:r>
-            <a:r>
-              <a:rPr lang="zh-TW" altLang="en-US" sz="3200" dirty="0" smtClean="0">
-                <a:latin typeface="微軟正黑體" panose="020B0604030504040204" pitchFamily="34" charset="-120"/>
-                <a:ea typeface="微軟正黑體" panose="020B0604030504040204" pitchFamily="34" charset="-120"/>
-              </a:rPr>
-              <a:t> 陳思妮</a:t>
-            </a:r>
-            <a:endParaRPr lang="en-US" altLang="zh-TW" sz="3200" dirty="0">
+            <a:endParaRPr lang="en-US" altLang="zh-TW" sz="2800" b="1" dirty="0">
               <a:latin typeface="微軟正黑體" panose="020B0604030504040204" pitchFamily="34" charset="-120"/>
               <a:ea typeface="微軟正黑體" panose="020B0604030504040204" pitchFamily="34" charset="-120"/>
             </a:endParaRPr>
           </a:p>
           <a:p>
-            <a:pPr>
-              <a:lnSpc>
-                <a:spcPct val="200000"/>
-              </a:lnSpc>
-            </a:pPr>
-            <a:r>
-              <a:rPr lang="zh-TW" altLang="en-US" sz="3200" dirty="0" smtClean="0">
-                <a:latin typeface="微軟正黑體" panose="020B0604030504040204" pitchFamily="34" charset="-120"/>
-                <a:ea typeface="微軟正黑體" panose="020B0604030504040204" pitchFamily="34" charset="-120"/>
-              </a:rPr>
-              <a:t>遊戲頁面</a:t>
-            </a:r>
-            <a:r>
-              <a:rPr lang="en-US" altLang="zh-TW" sz="3200" dirty="0" smtClean="0">
+            <a:r>
+              <a:rPr lang="en-US" altLang="zh-TW" sz="2800" b="1" dirty="0" smtClean="0">
+                <a:latin typeface="微軟正黑體" panose="020B0604030504040204" pitchFamily="34" charset="-120"/>
+                <a:ea typeface="微軟正黑體" panose="020B0604030504040204" pitchFamily="34" charset="-120"/>
+              </a:rPr>
+              <a:t>JQUERY:</a:t>
+            </a:r>
+          </a:p>
+          <a:p>
+            <a:r>
+              <a:rPr lang="en-US" altLang="zh-TW" sz="2800" b="1" dirty="0">
+                <a:latin typeface="微軟正黑體" panose="020B0604030504040204" pitchFamily="34" charset="-120"/>
+                <a:ea typeface="微軟正黑體" panose="020B0604030504040204" pitchFamily="34" charset="-120"/>
+              </a:rPr>
+              <a:t>	</a:t>
+            </a:r>
+            <a:r>
+              <a:rPr lang="en-US" altLang="zh-TW" sz="2400" dirty="0">
+                <a:latin typeface="微軟正黑體" panose="020B0604030504040204" pitchFamily="34" charset="-120"/>
+                <a:ea typeface="微軟正黑體" panose="020B0604030504040204" pitchFamily="34" charset="-120"/>
+              </a:rPr>
+              <a:t>(1) </a:t>
+            </a:r>
+            <a:r>
+              <a:rPr lang="en-US" altLang="zh-TW" sz="2400" dirty="0" smtClean="0">
+                <a:latin typeface="微軟正黑體" panose="020B0604030504040204" pitchFamily="34" charset="-120"/>
+                <a:ea typeface="微軟正黑體" panose="020B0604030504040204" pitchFamily="34" charset="-120"/>
+              </a:rPr>
+              <a:t>$("#x").</a:t>
+            </a:r>
+            <a:r>
+              <a:rPr lang="en-US" altLang="zh-TW" sz="2400" dirty="0">
+                <a:latin typeface="微軟正黑體" panose="020B0604030504040204" pitchFamily="34" charset="-120"/>
+                <a:ea typeface="微軟正黑體" panose="020B0604030504040204" pitchFamily="34" charset="-120"/>
+              </a:rPr>
+              <a:t>click(function</a:t>
+            </a:r>
+            <a:r>
+              <a:rPr lang="en-US" altLang="zh-TW" sz="2400" dirty="0" smtClean="0">
+                <a:latin typeface="微軟正黑體" panose="020B0604030504040204" pitchFamily="34" charset="-120"/>
+                <a:ea typeface="微軟正黑體" panose="020B0604030504040204" pitchFamily="34" charset="-120"/>
+              </a:rPr>
+              <a:t>(){}); </a:t>
+            </a:r>
+          </a:p>
+          <a:p>
+            <a:r>
+              <a:rPr lang="en-US" altLang="zh-TW" sz="2400" dirty="0">
+                <a:latin typeface="微軟正黑體" panose="020B0604030504040204" pitchFamily="34" charset="-120"/>
+                <a:ea typeface="微軟正黑體" panose="020B0604030504040204" pitchFamily="34" charset="-120"/>
+              </a:rPr>
+              <a:t>	</a:t>
+            </a:r>
+            <a:r>
+              <a:rPr lang="zh-TW" altLang="en-US" sz="2400" dirty="0">
+                <a:latin typeface="微軟正黑體" panose="020B0604030504040204" pitchFamily="34" charset="-120"/>
+                <a:ea typeface="微軟正黑體" panose="020B0604030504040204" pitchFamily="34" charset="-120"/>
+              </a:rPr>
+              <a:t> </a:t>
+            </a:r>
+            <a:r>
+              <a:rPr lang="zh-TW" altLang="en-US" sz="2400" dirty="0" smtClean="0">
+                <a:latin typeface="微軟正黑體" panose="020B0604030504040204" pitchFamily="34" charset="-120"/>
+                <a:ea typeface="微軟正黑體" panose="020B0604030504040204" pitchFamily="34" charset="-120"/>
+              </a:rPr>
+              <a:t>    </a:t>
+            </a:r>
+            <a:r>
+              <a:rPr lang="en-US" altLang="zh-TW" sz="2400" dirty="0" smtClean="0">
                 <a:latin typeface="微軟正黑體" panose="020B0604030504040204" pitchFamily="34" charset="-120"/>
                 <a:ea typeface="微軟正黑體" panose="020B0604030504040204" pitchFamily="34" charset="-120"/>
               </a:rPr>
               <a:t>(</a:t>
             </a:r>
             <a:r>
-              <a:rPr lang="zh-TW" altLang="en-US" sz="3200" dirty="0" smtClean="0">
-                <a:latin typeface="微軟正黑體" panose="020B0604030504040204" pitchFamily="34" charset="-120"/>
-                <a:ea typeface="微軟正黑體" panose="020B0604030504040204" pitchFamily="34" charset="-120"/>
-              </a:rPr>
-              <a:t>白天</a:t>
-            </a:r>
-            <a:r>
-              <a:rPr lang="en-US" altLang="zh-TW" sz="3200" dirty="0" smtClean="0">
+              <a:rPr lang="zh-TW" altLang="en-US" sz="2400" dirty="0" smtClean="0">
+                <a:latin typeface="微軟正黑體" panose="020B0604030504040204" pitchFamily="34" charset="-120"/>
+                <a:ea typeface="微軟正黑體" panose="020B0604030504040204" pitchFamily="34" charset="-120"/>
+              </a:rPr>
+              <a:t>按下</a:t>
+            </a:r>
+            <a:r>
+              <a:rPr lang="en-US" altLang="zh-TW" sz="2400" dirty="0" smtClean="0">
+                <a:latin typeface="微軟正黑體" panose="020B0604030504040204" pitchFamily="34" charset="-120"/>
+                <a:ea typeface="微軟正黑體" panose="020B0604030504040204" pitchFamily="34" charset="-120"/>
+              </a:rPr>
+              <a:t>id</a:t>
+            </a:r>
+            <a:r>
+              <a:rPr lang="zh-TW" altLang="en-US" sz="2400" dirty="0" smtClean="0">
+                <a:latin typeface="微軟正黑體" panose="020B0604030504040204" pitchFamily="34" charset="-120"/>
+                <a:ea typeface="微軟正黑體" panose="020B0604030504040204" pitchFamily="34" charset="-120"/>
+              </a:rPr>
+              <a:t>為</a:t>
+            </a:r>
+            <a:r>
+              <a:rPr lang="en-US" altLang="zh-TW" sz="2400" dirty="0" smtClean="0">
+                <a:latin typeface="微軟正黑體" panose="020B0604030504040204" pitchFamily="34" charset="-120"/>
+                <a:ea typeface="微軟正黑體" panose="020B0604030504040204" pitchFamily="34" charset="-120"/>
+              </a:rPr>
+              <a:t>x</a:t>
+            </a:r>
+            <a:r>
+              <a:rPr lang="zh-TW" altLang="en-US" sz="2400" dirty="0" smtClean="0">
+                <a:latin typeface="微軟正黑體" panose="020B0604030504040204" pitchFamily="34" charset="-120"/>
+                <a:ea typeface="微軟正黑體" panose="020B0604030504040204" pitchFamily="34" charset="-120"/>
+              </a:rPr>
+              <a:t>的東西</a:t>
+            </a:r>
+            <a:r>
+              <a:rPr lang="en-US" altLang="zh-TW" sz="2400" dirty="0" smtClean="0">
+                <a:latin typeface="微軟正黑體" panose="020B0604030504040204" pitchFamily="34" charset="-120"/>
+                <a:ea typeface="微軟正黑體" panose="020B0604030504040204" pitchFamily="34" charset="-120"/>
+              </a:rPr>
+              <a:t>,</a:t>
+            </a:r>
+            <a:r>
+              <a:rPr lang="zh-TW" altLang="en-US" sz="2400" dirty="0" smtClean="0">
+                <a:latin typeface="微軟正黑體" panose="020B0604030504040204" pitchFamily="34" charset="-120"/>
+                <a:ea typeface="微軟正黑體" panose="020B0604030504040204" pitchFamily="34" charset="-120"/>
+              </a:rPr>
+              <a:t>才會做以下的</a:t>
+            </a:r>
+            <a:r>
+              <a:rPr lang="en-US" altLang="zh-TW" sz="2400" dirty="0" smtClean="0">
+                <a:latin typeface="微軟正黑體" panose="020B0604030504040204" pitchFamily="34" charset="-120"/>
+                <a:ea typeface="微軟正黑體" panose="020B0604030504040204" pitchFamily="34" charset="-120"/>
+              </a:rPr>
+              <a:t>function)</a:t>
+            </a:r>
+          </a:p>
+          <a:p>
+            <a:r>
+              <a:rPr lang="en-US" altLang="zh-TW" sz="2400" dirty="0">
+                <a:latin typeface="微軟正黑體" panose="020B0604030504040204" pitchFamily="34" charset="-120"/>
+                <a:ea typeface="微軟正黑體" panose="020B0604030504040204" pitchFamily="34" charset="-120"/>
+              </a:rPr>
+              <a:t>	(2) </a:t>
+            </a:r>
+            <a:r>
+              <a:rPr lang="en-US" altLang="zh-TW" sz="2400" dirty="0" smtClean="0">
+                <a:latin typeface="微軟正黑體" panose="020B0604030504040204" pitchFamily="34" charset="-120"/>
+                <a:ea typeface="微軟正黑體" panose="020B0604030504040204" pitchFamily="34" charset="-120"/>
+              </a:rPr>
+              <a:t>$("#x").</a:t>
+            </a:r>
+            <a:r>
+              <a:rPr lang="en-US" altLang="zh-TW" sz="2400" dirty="0">
+                <a:latin typeface="微軟正黑體" panose="020B0604030504040204" pitchFamily="34" charset="-120"/>
+                <a:ea typeface="微軟正黑體" panose="020B0604030504040204" pitchFamily="34" charset="-120"/>
+              </a:rPr>
+              <a:t>animate</a:t>
+            </a:r>
+            <a:r>
+              <a:rPr lang="en-US" altLang="zh-TW" sz="2400" dirty="0" smtClean="0">
+                <a:latin typeface="微軟正黑體" panose="020B0604030504040204" pitchFamily="34" charset="-120"/>
+                <a:ea typeface="微軟正黑體" panose="020B0604030504040204" pitchFamily="34" charset="-120"/>
+              </a:rPr>
+              <a:t>({}); (id</a:t>
+            </a:r>
+            <a:r>
+              <a:rPr lang="zh-TW" altLang="en-US" sz="2400" dirty="0" smtClean="0">
+                <a:latin typeface="微軟正黑體" panose="020B0604030504040204" pitchFamily="34" charset="-120"/>
+                <a:ea typeface="微軟正黑體" panose="020B0604030504040204" pitchFamily="34" charset="-120"/>
+              </a:rPr>
+              <a:t>為</a:t>
+            </a:r>
+            <a:r>
+              <a:rPr lang="en-US" altLang="zh-TW" sz="2400" dirty="0" smtClean="0">
+                <a:latin typeface="微軟正黑體" panose="020B0604030504040204" pitchFamily="34" charset="-120"/>
+                <a:ea typeface="微軟正黑體" panose="020B0604030504040204" pitchFamily="34" charset="-120"/>
+              </a:rPr>
+              <a:t>x</a:t>
+            </a:r>
+            <a:r>
+              <a:rPr lang="zh-TW" altLang="en-US" sz="2400" dirty="0" smtClean="0">
+                <a:latin typeface="微軟正黑體" panose="020B0604030504040204" pitchFamily="34" charset="-120"/>
+                <a:ea typeface="微軟正黑體" panose="020B0604030504040204" pitchFamily="34" charset="-120"/>
+              </a:rPr>
+              <a:t>的東西做動畫</a:t>
+            </a:r>
+            <a:r>
+              <a:rPr lang="en-US" altLang="zh-TW" sz="2400" dirty="0" smtClean="0">
                 <a:latin typeface="微軟正黑體" panose="020B0604030504040204" pitchFamily="34" charset="-120"/>
                 <a:ea typeface="微軟正黑體" panose="020B0604030504040204" pitchFamily="34" charset="-120"/>
               </a:rPr>
               <a:t>)</a:t>
             </a:r>
-            <a:r>
-              <a:rPr lang="zh-TW" altLang="en-US" sz="3200" dirty="0" smtClean="0">
-                <a:latin typeface="微軟正黑體" panose="020B0604030504040204" pitchFamily="34" charset="-120"/>
-                <a:ea typeface="微軟正黑體" panose="020B0604030504040204" pitchFamily="34" charset="-120"/>
-              </a:rPr>
-              <a:t> </a:t>
-            </a:r>
-            <a:r>
-              <a:rPr lang="en-US" altLang="zh-TW" sz="3200" dirty="0" smtClean="0">
-                <a:latin typeface="微軟正黑體" panose="020B0604030504040204" pitchFamily="34" charset="-120"/>
-                <a:ea typeface="微軟正黑體" panose="020B0604030504040204" pitchFamily="34" charset="-120"/>
-              </a:rPr>
-              <a:t>–</a:t>
-            </a:r>
-            <a:r>
-              <a:rPr lang="zh-TW" altLang="en-US" sz="3200" dirty="0" smtClean="0">
-                <a:latin typeface="微軟正黑體" panose="020B0604030504040204" pitchFamily="34" charset="-120"/>
-                <a:ea typeface="微軟正黑體" panose="020B0604030504040204" pitchFamily="34" charset="-120"/>
-              </a:rPr>
-              <a:t> 陳思妮</a:t>
-            </a:r>
-            <a:endParaRPr lang="en-US" altLang="zh-TW" sz="3200" dirty="0" smtClean="0">
+          </a:p>
+          <a:p>
+            <a:r>
+              <a:rPr lang="en-US" altLang="zh-TW" sz="2400" dirty="0">
+                <a:latin typeface="微軟正黑體" panose="020B0604030504040204" pitchFamily="34" charset="-120"/>
+                <a:ea typeface="微軟正黑體" panose="020B0604030504040204" pitchFamily="34" charset="-120"/>
+              </a:rPr>
+              <a:t>	(3) </a:t>
+            </a:r>
+            <a:r>
+              <a:rPr lang="en-US" altLang="zh-TW" sz="2400" dirty="0" smtClean="0">
+                <a:latin typeface="微軟正黑體" panose="020B0604030504040204" pitchFamily="34" charset="-120"/>
+                <a:ea typeface="微軟正黑體" panose="020B0604030504040204" pitchFamily="34" charset="-120"/>
+              </a:rPr>
+              <a:t>$("#x").</a:t>
+            </a:r>
+            <a:r>
+              <a:rPr lang="en-US" altLang="zh-TW" sz="2400" dirty="0">
+                <a:latin typeface="微軟正黑體" panose="020B0604030504040204" pitchFamily="34" charset="-120"/>
+                <a:ea typeface="微軟正黑體" panose="020B0604030504040204" pitchFamily="34" charset="-120"/>
+              </a:rPr>
+              <a:t>show</a:t>
+            </a:r>
+            <a:r>
+              <a:rPr lang="en-US" altLang="zh-TW" sz="2400" dirty="0" smtClean="0">
+                <a:latin typeface="微軟正黑體" panose="020B0604030504040204" pitchFamily="34" charset="-120"/>
+                <a:ea typeface="微軟正黑體" panose="020B0604030504040204" pitchFamily="34" charset="-120"/>
+              </a:rPr>
+              <a:t>(); (id</a:t>
+            </a:r>
+            <a:r>
+              <a:rPr lang="zh-TW" altLang="en-US" sz="2400" dirty="0" smtClean="0">
+                <a:latin typeface="微軟正黑體" panose="020B0604030504040204" pitchFamily="34" charset="-120"/>
+                <a:ea typeface="微軟正黑體" panose="020B0604030504040204" pitchFamily="34" charset="-120"/>
+              </a:rPr>
+              <a:t>為</a:t>
+            </a:r>
+            <a:r>
+              <a:rPr lang="en-US" altLang="zh-TW" sz="2400" dirty="0" smtClean="0">
+                <a:latin typeface="微軟正黑體" panose="020B0604030504040204" pitchFamily="34" charset="-120"/>
+                <a:ea typeface="微軟正黑體" panose="020B0604030504040204" pitchFamily="34" charset="-120"/>
+              </a:rPr>
+              <a:t>x</a:t>
+            </a:r>
+            <a:r>
+              <a:rPr lang="zh-TW" altLang="en-US" sz="2400" dirty="0" smtClean="0">
+                <a:latin typeface="微軟正黑體" panose="020B0604030504040204" pitchFamily="34" charset="-120"/>
+                <a:ea typeface="微軟正黑體" panose="020B0604030504040204" pitchFamily="34" charset="-120"/>
+              </a:rPr>
+              <a:t>的東西出現</a:t>
+            </a:r>
+            <a:r>
+              <a:rPr lang="en-US" altLang="zh-TW" sz="2400" dirty="0" smtClean="0">
+                <a:latin typeface="微軟正黑體" panose="020B0604030504040204" pitchFamily="34" charset="-120"/>
+                <a:ea typeface="微軟正黑體" panose="020B0604030504040204" pitchFamily="34" charset="-120"/>
+              </a:rPr>
+              <a:t>)</a:t>
+            </a:r>
+          </a:p>
+          <a:p>
+            <a:r>
+              <a:rPr lang="en-US" altLang="zh-TW" sz="2400" dirty="0">
+                <a:latin typeface="微軟正黑體" panose="020B0604030504040204" pitchFamily="34" charset="-120"/>
+                <a:ea typeface="微軟正黑體" panose="020B0604030504040204" pitchFamily="34" charset="-120"/>
+              </a:rPr>
+              <a:t>	(4) </a:t>
+            </a:r>
+            <a:r>
+              <a:rPr lang="en-US" altLang="zh-TW" sz="2400" dirty="0" smtClean="0">
+                <a:latin typeface="微軟正黑體" panose="020B0604030504040204" pitchFamily="34" charset="-120"/>
+                <a:ea typeface="微軟正黑體" panose="020B0604030504040204" pitchFamily="34" charset="-120"/>
+              </a:rPr>
+              <a:t>$("#x").</a:t>
+            </a:r>
+            <a:r>
+              <a:rPr lang="en-US" altLang="zh-TW" sz="2400" dirty="0">
+                <a:latin typeface="微軟正黑體" panose="020B0604030504040204" pitchFamily="34" charset="-120"/>
+                <a:ea typeface="微軟正黑體" panose="020B0604030504040204" pitchFamily="34" charset="-120"/>
+              </a:rPr>
+              <a:t>hide</a:t>
+            </a:r>
+            <a:r>
+              <a:rPr lang="en-US" altLang="zh-TW" sz="2400" dirty="0" smtClean="0">
+                <a:latin typeface="微軟正黑體" panose="020B0604030504040204" pitchFamily="34" charset="-120"/>
+                <a:ea typeface="微軟正黑體" panose="020B0604030504040204" pitchFamily="34" charset="-120"/>
+              </a:rPr>
+              <a:t>(); </a:t>
+            </a:r>
+            <a:r>
+              <a:rPr lang="en-US" altLang="zh-TW" sz="2400" dirty="0">
+                <a:latin typeface="微軟正黑體" panose="020B0604030504040204" pitchFamily="34" charset="-120"/>
+                <a:ea typeface="微軟正黑體" panose="020B0604030504040204" pitchFamily="34" charset="-120"/>
+              </a:rPr>
+              <a:t>(id</a:t>
+            </a:r>
+            <a:r>
+              <a:rPr lang="zh-TW" altLang="en-US" sz="2400" dirty="0">
+                <a:latin typeface="微軟正黑體" panose="020B0604030504040204" pitchFamily="34" charset="-120"/>
+                <a:ea typeface="微軟正黑體" panose="020B0604030504040204" pitchFamily="34" charset="-120"/>
+              </a:rPr>
+              <a:t>為</a:t>
+            </a:r>
+            <a:r>
+              <a:rPr lang="en-US" altLang="zh-TW" sz="2400" dirty="0">
+                <a:latin typeface="微軟正黑體" panose="020B0604030504040204" pitchFamily="34" charset="-120"/>
+                <a:ea typeface="微軟正黑體" panose="020B0604030504040204" pitchFamily="34" charset="-120"/>
+              </a:rPr>
+              <a:t>x</a:t>
+            </a:r>
+            <a:r>
+              <a:rPr lang="zh-TW" altLang="en-US" sz="2400" dirty="0">
+                <a:latin typeface="微軟正黑體" panose="020B0604030504040204" pitchFamily="34" charset="-120"/>
+                <a:ea typeface="微軟正黑體" panose="020B0604030504040204" pitchFamily="34" charset="-120"/>
+              </a:rPr>
+              <a:t>的</a:t>
+            </a:r>
+            <a:r>
+              <a:rPr lang="zh-TW" altLang="en-US" sz="2400" dirty="0" smtClean="0">
+                <a:latin typeface="微軟正黑體" panose="020B0604030504040204" pitchFamily="34" charset="-120"/>
+                <a:ea typeface="微軟正黑體" panose="020B0604030504040204" pitchFamily="34" charset="-120"/>
+              </a:rPr>
+              <a:t>東西</a:t>
+            </a:r>
+            <a:r>
+              <a:rPr lang="zh-TW" altLang="en-US" sz="2400" dirty="0">
+                <a:latin typeface="微軟正黑體" panose="020B0604030504040204" pitchFamily="34" charset="-120"/>
+                <a:ea typeface="微軟正黑體" panose="020B0604030504040204" pitchFamily="34" charset="-120"/>
+              </a:rPr>
+              <a:t>隱藏</a:t>
+            </a:r>
+            <a:r>
+              <a:rPr lang="en-US" altLang="zh-TW" sz="2400" dirty="0" smtClean="0">
+                <a:latin typeface="微軟正黑體" panose="020B0604030504040204" pitchFamily="34" charset="-120"/>
+                <a:ea typeface="微軟正黑體" panose="020B0604030504040204" pitchFamily="34" charset="-120"/>
+              </a:rPr>
+              <a:t>)</a:t>
+            </a:r>
+            <a:endParaRPr lang="en-US" altLang="zh-TW" sz="2400" dirty="0">
               <a:latin typeface="微軟正黑體" panose="020B0604030504040204" pitchFamily="34" charset="-120"/>
               <a:ea typeface="微軟正黑體" panose="020B0604030504040204" pitchFamily="34" charset="-120"/>
             </a:endParaRPr>
           </a:p>
-          <a:p>
-            <a:pPr>
-              <a:lnSpc>
-                <a:spcPct val="200000"/>
-              </a:lnSpc>
-            </a:pPr>
-            <a:r>
-              <a:rPr lang="zh-TW" altLang="en-US" sz="3200" dirty="0" smtClean="0">
-                <a:latin typeface="微軟正黑體" panose="020B0604030504040204" pitchFamily="34" charset="-120"/>
-                <a:ea typeface="微軟正黑體" panose="020B0604030504040204" pitchFamily="34" charset="-120"/>
-              </a:rPr>
-              <a:t>遊戲</a:t>
-            </a:r>
-            <a:r>
-              <a:rPr lang="zh-TW" altLang="en-US" sz="3200" dirty="0">
-                <a:latin typeface="微軟正黑體" panose="020B0604030504040204" pitchFamily="34" charset="-120"/>
-                <a:ea typeface="微軟正黑體" panose="020B0604030504040204" pitchFamily="34" charset="-120"/>
-              </a:rPr>
-              <a:t>頁</a:t>
-            </a:r>
-            <a:r>
-              <a:rPr lang="zh-TW" altLang="en-US" sz="3200" dirty="0" smtClean="0">
-                <a:latin typeface="微軟正黑體" panose="020B0604030504040204" pitchFamily="34" charset="-120"/>
-                <a:ea typeface="微軟正黑體" panose="020B0604030504040204" pitchFamily="34" charset="-120"/>
-              </a:rPr>
-              <a:t>面</a:t>
-            </a:r>
-            <a:r>
-              <a:rPr lang="en-US" altLang="zh-TW" sz="3200" dirty="0" smtClean="0">
-                <a:latin typeface="微軟正黑體" panose="020B0604030504040204" pitchFamily="34" charset="-120"/>
-                <a:ea typeface="微軟正黑體" panose="020B0604030504040204" pitchFamily="34" charset="-120"/>
-              </a:rPr>
-              <a:t>(</a:t>
-            </a:r>
-            <a:r>
-              <a:rPr lang="zh-TW" altLang="en-US" sz="3200" dirty="0" smtClean="0">
-                <a:latin typeface="微軟正黑體" panose="020B0604030504040204" pitchFamily="34" charset="-120"/>
-                <a:ea typeface="微軟正黑體" panose="020B0604030504040204" pitchFamily="34" charset="-120"/>
-              </a:rPr>
-              <a:t>晚上</a:t>
-            </a:r>
-            <a:r>
-              <a:rPr lang="en-US" altLang="zh-TW" sz="3200" dirty="0" smtClean="0">
-                <a:latin typeface="微軟正黑體" panose="020B0604030504040204" pitchFamily="34" charset="-120"/>
-                <a:ea typeface="微軟正黑體" panose="020B0604030504040204" pitchFamily="34" charset="-120"/>
-              </a:rPr>
-              <a:t>)</a:t>
-            </a:r>
-            <a:r>
-              <a:rPr lang="zh-TW" altLang="en-US" sz="3200" dirty="0" smtClean="0">
-                <a:latin typeface="微軟正黑體" panose="020B0604030504040204" pitchFamily="34" charset="-120"/>
-                <a:ea typeface="微軟正黑體" panose="020B0604030504040204" pitchFamily="34" charset="-120"/>
-              </a:rPr>
-              <a:t> </a:t>
-            </a:r>
-            <a:r>
-              <a:rPr lang="en-US" altLang="zh-TW" sz="3200" dirty="0" smtClean="0">
-                <a:latin typeface="微軟正黑體" panose="020B0604030504040204" pitchFamily="34" charset="-120"/>
-                <a:ea typeface="微軟正黑體" panose="020B0604030504040204" pitchFamily="34" charset="-120"/>
-              </a:rPr>
-              <a:t>–</a:t>
-            </a:r>
-            <a:r>
-              <a:rPr lang="zh-TW" altLang="en-US" sz="3200" dirty="0" smtClean="0">
-                <a:latin typeface="微軟正黑體" panose="020B0604030504040204" pitchFamily="34" charset="-120"/>
-                <a:ea typeface="微軟正黑體" panose="020B0604030504040204" pitchFamily="34" charset="-120"/>
-              </a:rPr>
-              <a:t> 涂道純</a:t>
-            </a:r>
-            <a:endParaRPr lang="en-US" altLang="zh-TW" sz="3200" dirty="0" smtClean="0">
-              <a:latin typeface="微軟正黑體" panose="020B0604030504040204" pitchFamily="34" charset="-120"/>
-              <a:ea typeface="微軟正黑體" panose="020B0604030504040204" pitchFamily="34" charset="-120"/>
-            </a:endParaRPr>
-          </a:p>
-          <a:p>
-            <a:pPr>
-              <a:lnSpc>
-                <a:spcPct val="200000"/>
-              </a:lnSpc>
-            </a:pPr>
-            <a:r>
-              <a:rPr lang="zh-TW" altLang="en-US" sz="3200" dirty="0" smtClean="0">
-                <a:latin typeface="微軟正黑體" panose="020B0604030504040204" pitchFamily="34" charset="-120"/>
-                <a:ea typeface="微軟正黑體" panose="020B0604030504040204" pitchFamily="34" charset="-120"/>
-              </a:rPr>
-              <a:t>說明文件 </a:t>
-            </a:r>
-            <a:r>
-              <a:rPr lang="en-US" altLang="zh-TW" sz="3200" dirty="0">
-                <a:latin typeface="微軟正黑體" panose="020B0604030504040204" pitchFamily="34" charset="-120"/>
-                <a:ea typeface="微軟正黑體" panose="020B0604030504040204" pitchFamily="34" charset="-120"/>
-              </a:rPr>
-              <a:t>–</a:t>
-            </a:r>
-            <a:r>
-              <a:rPr lang="zh-TW" altLang="en-US" sz="3200" dirty="0">
-                <a:latin typeface="微軟正黑體" panose="020B0604030504040204" pitchFamily="34" charset="-120"/>
-                <a:ea typeface="微軟正黑體" panose="020B0604030504040204" pitchFamily="34" charset="-120"/>
-              </a:rPr>
-              <a:t> 涂道純</a:t>
-            </a:r>
-            <a:endParaRPr lang="en-US" altLang="zh-TW" sz="3200" dirty="0">
-              <a:latin typeface="微軟正黑體" panose="020B0604030504040204" pitchFamily="34" charset="-120"/>
-              <a:ea typeface="微軟正黑體" panose="020B0604030504040204" pitchFamily="34" charset="-120"/>
-            </a:endParaRPr>
-          </a:p>
-          <a:p>
-            <a:pPr>
-              <a:lnSpc>
-                <a:spcPct val="200000"/>
-              </a:lnSpc>
-            </a:pPr>
-            <a:endParaRPr lang="en-US" altLang="zh-TW" sz="3200" dirty="0" smtClean="0">
-              <a:latin typeface="微軟正黑體" panose="020B0604030504040204" pitchFamily="34" charset="-120"/>
-              <a:ea typeface="微軟正黑體" panose="020B0604030504040204" pitchFamily="34" charset="-120"/>
-            </a:endParaRPr>
-          </a:p>
         </p:txBody>
       </p:sp>
     </p:spTree>
     <p:extLst>
       <p:ext uri="{BB962C8B-B14F-4D97-AF65-F5344CB8AC3E}">
-        <p14:creationId xmlns:p14="http://schemas.microsoft.com/office/powerpoint/2010/main" val="1331775487"/>
+        <p14:creationId xmlns:p14="http://schemas.microsoft.com/office/powerpoint/2010/main" val="308387360"/>
       </p:ext>
     </p:extLst>
   </p:cSld>
@@ -8160,6 +8501,411 @@
                 <a:latin typeface="微軟正黑體" panose="020B0604030504040204" pitchFamily="34" charset="-120"/>
                 <a:ea typeface="微軟正黑體" panose="020B0604030504040204" pitchFamily="34" charset="-120"/>
               </a:rPr>
+              <a:t>網站分工</a:t>
+            </a:r>
+            <a:endParaRPr lang="zh-TW" altLang="en-US" sz="4800" b="1" dirty="0">
+              <a:solidFill>
+                <a:schemeClr val="accent2">
+                  <a:lumMod val="50000"/>
+                </a:schemeClr>
+              </a:solidFill>
+              <a:latin typeface="微軟正黑體" panose="020B0604030504040204" pitchFamily="34" charset="-120"/>
+              <a:ea typeface="微軟正黑體" panose="020B0604030504040204" pitchFamily="34" charset="-120"/>
+            </a:endParaRPr>
+          </a:p>
+        </p:txBody>
+      </p:sp>
+      <p:sp>
+        <p:nvSpPr>
+          <p:cNvPr id="4" name="文字方塊 3"/>
+          <p:cNvSpPr txBox="1"/>
+          <p:nvPr/>
+        </p:nvSpPr>
+        <p:spPr>
+          <a:xfrm>
+            <a:off x="703883" y="1556792"/>
+            <a:ext cx="7771729" cy="6001643"/>
+          </a:xfrm>
+          <a:prstGeom prst="rect">
+            <a:avLst/>
+          </a:prstGeom>
+          <a:noFill/>
+        </p:spPr>
+        <p:txBody>
+          <a:bodyPr wrap="square" rtlCol="0">
+            <a:spAutoFit/>
+          </a:bodyPr>
+          <a:lstStyle/>
+          <a:p>
+            <a:pPr>
+              <a:lnSpc>
+                <a:spcPct val="200000"/>
+              </a:lnSpc>
+            </a:pPr>
+            <a:r>
+              <a:rPr lang="zh-TW" altLang="en-US" sz="3200" dirty="0" smtClean="0">
+                <a:latin typeface="微軟正黑體" panose="020B0604030504040204" pitchFamily="34" charset="-120"/>
+                <a:ea typeface="微軟正黑體" panose="020B0604030504040204" pitchFamily="34" charset="-120"/>
+              </a:rPr>
+              <a:t>進場頁面 </a:t>
+            </a:r>
+            <a:r>
+              <a:rPr lang="en-US" altLang="zh-TW" sz="3200" dirty="0" smtClean="0">
+                <a:latin typeface="微軟正黑體" panose="020B0604030504040204" pitchFamily="34" charset="-120"/>
+                <a:ea typeface="微軟正黑體" panose="020B0604030504040204" pitchFamily="34" charset="-120"/>
+              </a:rPr>
+              <a:t>–</a:t>
+            </a:r>
+            <a:r>
+              <a:rPr lang="zh-TW" altLang="en-US" sz="3200" dirty="0" smtClean="0">
+                <a:latin typeface="微軟正黑體" panose="020B0604030504040204" pitchFamily="34" charset="-120"/>
+                <a:ea typeface="微軟正黑體" panose="020B0604030504040204" pitchFamily="34" charset="-120"/>
+              </a:rPr>
+              <a:t> 涂道純</a:t>
+            </a:r>
+            <a:endParaRPr lang="en-US" altLang="zh-TW" sz="3200" dirty="0" smtClean="0">
+              <a:latin typeface="微軟正黑體" panose="020B0604030504040204" pitchFamily="34" charset="-120"/>
+              <a:ea typeface="微軟正黑體" panose="020B0604030504040204" pitchFamily="34" charset="-120"/>
+            </a:endParaRPr>
+          </a:p>
+          <a:p>
+            <a:pPr>
+              <a:lnSpc>
+                <a:spcPct val="200000"/>
+              </a:lnSpc>
+            </a:pPr>
+            <a:r>
+              <a:rPr lang="zh-TW" altLang="en-US" sz="3200" dirty="0">
+                <a:latin typeface="微軟正黑體" panose="020B0604030504040204" pitchFamily="34" charset="-120"/>
+                <a:ea typeface="微軟正黑體" panose="020B0604030504040204" pitchFamily="34" charset="-120"/>
+              </a:rPr>
+              <a:t>製作</a:t>
+            </a:r>
+            <a:r>
+              <a:rPr lang="zh-TW" altLang="en-US" sz="3200" dirty="0" smtClean="0">
+                <a:latin typeface="微軟正黑體" panose="020B0604030504040204" pitchFamily="34" charset="-120"/>
+                <a:ea typeface="微軟正黑體" panose="020B0604030504040204" pitchFamily="34" charset="-120"/>
+              </a:rPr>
+              <a:t>團隊</a:t>
+            </a:r>
+            <a:r>
+              <a:rPr lang="en-US" altLang="zh-TW" sz="3200" dirty="0" smtClean="0">
+                <a:latin typeface="微軟正黑體" panose="020B0604030504040204" pitchFamily="34" charset="-120"/>
+                <a:ea typeface="微軟正黑體" panose="020B0604030504040204" pitchFamily="34" charset="-120"/>
+              </a:rPr>
+              <a:t>+</a:t>
+            </a:r>
+            <a:r>
+              <a:rPr lang="zh-TW" altLang="en-US" sz="3200" dirty="0">
+                <a:latin typeface="微軟正黑體" panose="020B0604030504040204" pitchFamily="34" charset="-120"/>
+                <a:ea typeface="微軟正黑體" panose="020B0604030504040204" pitchFamily="34" charset="-120"/>
+              </a:rPr>
+              <a:t>討論頁面  </a:t>
+            </a:r>
+            <a:r>
+              <a:rPr lang="en-US" altLang="zh-TW" sz="3200" dirty="0" smtClean="0">
+                <a:latin typeface="微軟正黑體" panose="020B0604030504040204" pitchFamily="34" charset="-120"/>
+                <a:ea typeface="微軟正黑體" panose="020B0604030504040204" pitchFamily="34" charset="-120"/>
+              </a:rPr>
+              <a:t>–</a:t>
+            </a:r>
+            <a:r>
+              <a:rPr lang="zh-TW" altLang="en-US" sz="3200" dirty="0" smtClean="0">
+                <a:latin typeface="微軟正黑體" panose="020B0604030504040204" pitchFamily="34" charset="-120"/>
+                <a:ea typeface="微軟正黑體" panose="020B0604030504040204" pitchFamily="34" charset="-120"/>
+              </a:rPr>
+              <a:t> 陳思妮</a:t>
+            </a:r>
+            <a:endParaRPr lang="en-US" altLang="zh-TW" sz="3200" dirty="0">
+              <a:latin typeface="微軟正黑體" panose="020B0604030504040204" pitchFamily="34" charset="-120"/>
+              <a:ea typeface="微軟正黑體" panose="020B0604030504040204" pitchFamily="34" charset="-120"/>
+            </a:endParaRPr>
+          </a:p>
+          <a:p>
+            <a:pPr>
+              <a:lnSpc>
+                <a:spcPct val="200000"/>
+              </a:lnSpc>
+            </a:pPr>
+            <a:r>
+              <a:rPr lang="zh-TW" altLang="en-US" sz="3200" dirty="0" smtClean="0">
+                <a:latin typeface="微軟正黑體" panose="020B0604030504040204" pitchFamily="34" charset="-120"/>
+                <a:ea typeface="微軟正黑體" panose="020B0604030504040204" pitchFamily="34" charset="-120"/>
+              </a:rPr>
+              <a:t>遊戲頁面</a:t>
+            </a:r>
+            <a:r>
+              <a:rPr lang="en-US" altLang="zh-TW" sz="3200" dirty="0" smtClean="0">
+                <a:latin typeface="微軟正黑體" panose="020B0604030504040204" pitchFamily="34" charset="-120"/>
+                <a:ea typeface="微軟正黑體" panose="020B0604030504040204" pitchFamily="34" charset="-120"/>
+              </a:rPr>
+              <a:t>(</a:t>
+            </a:r>
+            <a:r>
+              <a:rPr lang="zh-TW" altLang="en-US" sz="3200" dirty="0" smtClean="0">
+                <a:latin typeface="微軟正黑體" panose="020B0604030504040204" pitchFamily="34" charset="-120"/>
+                <a:ea typeface="微軟正黑體" panose="020B0604030504040204" pitchFamily="34" charset="-120"/>
+              </a:rPr>
+              <a:t>白天</a:t>
+            </a:r>
+            <a:r>
+              <a:rPr lang="en-US" altLang="zh-TW" sz="3200" dirty="0" smtClean="0">
+                <a:latin typeface="微軟正黑體" panose="020B0604030504040204" pitchFamily="34" charset="-120"/>
+                <a:ea typeface="微軟正黑體" panose="020B0604030504040204" pitchFamily="34" charset="-120"/>
+              </a:rPr>
+              <a:t>)</a:t>
+            </a:r>
+            <a:r>
+              <a:rPr lang="zh-TW" altLang="en-US" sz="3200" dirty="0" smtClean="0">
+                <a:latin typeface="微軟正黑體" panose="020B0604030504040204" pitchFamily="34" charset="-120"/>
+                <a:ea typeface="微軟正黑體" panose="020B0604030504040204" pitchFamily="34" charset="-120"/>
+              </a:rPr>
+              <a:t> </a:t>
+            </a:r>
+            <a:r>
+              <a:rPr lang="en-US" altLang="zh-TW" sz="3200" dirty="0" smtClean="0">
+                <a:latin typeface="微軟正黑體" panose="020B0604030504040204" pitchFamily="34" charset="-120"/>
+                <a:ea typeface="微軟正黑體" panose="020B0604030504040204" pitchFamily="34" charset="-120"/>
+              </a:rPr>
+              <a:t>–</a:t>
+            </a:r>
+            <a:r>
+              <a:rPr lang="zh-TW" altLang="en-US" sz="3200" dirty="0" smtClean="0">
+                <a:latin typeface="微軟正黑體" panose="020B0604030504040204" pitchFamily="34" charset="-120"/>
+                <a:ea typeface="微軟正黑體" panose="020B0604030504040204" pitchFamily="34" charset="-120"/>
+              </a:rPr>
+              <a:t> 陳思妮</a:t>
+            </a:r>
+            <a:endParaRPr lang="en-US" altLang="zh-TW" sz="3200" dirty="0" smtClean="0">
+              <a:latin typeface="微軟正黑體" panose="020B0604030504040204" pitchFamily="34" charset="-120"/>
+              <a:ea typeface="微軟正黑體" panose="020B0604030504040204" pitchFamily="34" charset="-120"/>
+            </a:endParaRPr>
+          </a:p>
+          <a:p>
+            <a:pPr>
+              <a:lnSpc>
+                <a:spcPct val="200000"/>
+              </a:lnSpc>
+            </a:pPr>
+            <a:r>
+              <a:rPr lang="zh-TW" altLang="en-US" sz="3200" dirty="0" smtClean="0">
+                <a:latin typeface="微軟正黑體" panose="020B0604030504040204" pitchFamily="34" charset="-120"/>
+                <a:ea typeface="微軟正黑體" panose="020B0604030504040204" pitchFamily="34" charset="-120"/>
+              </a:rPr>
+              <a:t>遊戲</a:t>
+            </a:r>
+            <a:r>
+              <a:rPr lang="zh-TW" altLang="en-US" sz="3200" dirty="0">
+                <a:latin typeface="微軟正黑體" panose="020B0604030504040204" pitchFamily="34" charset="-120"/>
+                <a:ea typeface="微軟正黑體" panose="020B0604030504040204" pitchFamily="34" charset="-120"/>
+              </a:rPr>
+              <a:t>頁</a:t>
+            </a:r>
+            <a:r>
+              <a:rPr lang="zh-TW" altLang="en-US" sz="3200" dirty="0" smtClean="0">
+                <a:latin typeface="微軟正黑體" panose="020B0604030504040204" pitchFamily="34" charset="-120"/>
+                <a:ea typeface="微軟正黑體" panose="020B0604030504040204" pitchFamily="34" charset="-120"/>
+              </a:rPr>
+              <a:t>面</a:t>
+            </a:r>
+            <a:r>
+              <a:rPr lang="en-US" altLang="zh-TW" sz="3200" dirty="0" smtClean="0">
+                <a:latin typeface="微軟正黑體" panose="020B0604030504040204" pitchFamily="34" charset="-120"/>
+                <a:ea typeface="微軟正黑體" panose="020B0604030504040204" pitchFamily="34" charset="-120"/>
+              </a:rPr>
+              <a:t>(</a:t>
+            </a:r>
+            <a:r>
+              <a:rPr lang="zh-TW" altLang="en-US" sz="3200" dirty="0" smtClean="0">
+                <a:latin typeface="微軟正黑體" panose="020B0604030504040204" pitchFamily="34" charset="-120"/>
+                <a:ea typeface="微軟正黑體" panose="020B0604030504040204" pitchFamily="34" charset="-120"/>
+              </a:rPr>
+              <a:t>晚上</a:t>
+            </a:r>
+            <a:r>
+              <a:rPr lang="en-US" altLang="zh-TW" sz="3200" dirty="0" smtClean="0">
+                <a:latin typeface="微軟正黑體" panose="020B0604030504040204" pitchFamily="34" charset="-120"/>
+                <a:ea typeface="微軟正黑體" panose="020B0604030504040204" pitchFamily="34" charset="-120"/>
+              </a:rPr>
+              <a:t>)</a:t>
+            </a:r>
+            <a:r>
+              <a:rPr lang="zh-TW" altLang="en-US" sz="3200" dirty="0" smtClean="0">
+                <a:latin typeface="微軟正黑體" panose="020B0604030504040204" pitchFamily="34" charset="-120"/>
+                <a:ea typeface="微軟正黑體" panose="020B0604030504040204" pitchFamily="34" charset="-120"/>
+              </a:rPr>
+              <a:t> </a:t>
+            </a:r>
+            <a:r>
+              <a:rPr lang="en-US" altLang="zh-TW" sz="3200" dirty="0" smtClean="0">
+                <a:latin typeface="微軟正黑體" panose="020B0604030504040204" pitchFamily="34" charset="-120"/>
+                <a:ea typeface="微軟正黑體" panose="020B0604030504040204" pitchFamily="34" charset="-120"/>
+              </a:rPr>
+              <a:t>–</a:t>
+            </a:r>
+            <a:r>
+              <a:rPr lang="zh-TW" altLang="en-US" sz="3200" dirty="0" smtClean="0">
+                <a:latin typeface="微軟正黑體" panose="020B0604030504040204" pitchFamily="34" charset="-120"/>
+                <a:ea typeface="微軟正黑體" panose="020B0604030504040204" pitchFamily="34" charset="-120"/>
+              </a:rPr>
+              <a:t> 涂道純</a:t>
+            </a:r>
+            <a:endParaRPr lang="en-US" altLang="zh-TW" sz="3200" dirty="0" smtClean="0">
+              <a:latin typeface="微軟正黑體" panose="020B0604030504040204" pitchFamily="34" charset="-120"/>
+              <a:ea typeface="微軟正黑體" panose="020B0604030504040204" pitchFamily="34" charset="-120"/>
+            </a:endParaRPr>
+          </a:p>
+          <a:p>
+            <a:pPr>
+              <a:lnSpc>
+                <a:spcPct val="200000"/>
+              </a:lnSpc>
+            </a:pPr>
+            <a:r>
+              <a:rPr lang="zh-TW" altLang="en-US" sz="3200" dirty="0" smtClean="0">
+                <a:latin typeface="微軟正黑體" panose="020B0604030504040204" pitchFamily="34" charset="-120"/>
+                <a:ea typeface="微軟正黑體" panose="020B0604030504040204" pitchFamily="34" charset="-120"/>
+              </a:rPr>
+              <a:t>說明文件 </a:t>
+            </a:r>
+            <a:r>
+              <a:rPr lang="en-US" altLang="zh-TW" sz="3200" dirty="0">
+                <a:latin typeface="微軟正黑體" panose="020B0604030504040204" pitchFamily="34" charset="-120"/>
+                <a:ea typeface="微軟正黑體" panose="020B0604030504040204" pitchFamily="34" charset="-120"/>
+              </a:rPr>
+              <a:t>–</a:t>
+            </a:r>
+            <a:r>
+              <a:rPr lang="zh-TW" altLang="en-US" sz="3200" dirty="0">
+                <a:latin typeface="微軟正黑體" panose="020B0604030504040204" pitchFamily="34" charset="-120"/>
+                <a:ea typeface="微軟正黑體" panose="020B0604030504040204" pitchFamily="34" charset="-120"/>
+              </a:rPr>
+              <a:t> 涂道純</a:t>
+            </a:r>
+            <a:endParaRPr lang="en-US" altLang="zh-TW" sz="3200" dirty="0">
+              <a:latin typeface="微軟正黑體" panose="020B0604030504040204" pitchFamily="34" charset="-120"/>
+              <a:ea typeface="微軟正黑體" panose="020B0604030504040204" pitchFamily="34" charset="-120"/>
+            </a:endParaRPr>
+          </a:p>
+          <a:p>
+            <a:pPr>
+              <a:lnSpc>
+                <a:spcPct val="200000"/>
+              </a:lnSpc>
+            </a:pPr>
+            <a:endParaRPr lang="en-US" altLang="zh-TW" sz="3200" dirty="0" smtClean="0">
+              <a:latin typeface="微軟正黑體" panose="020B0604030504040204" pitchFamily="34" charset="-120"/>
+              <a:ea typeface="微軟正黑體" panose="020B0604030504040204" pitchFamily="34" charset="-120"/>
+            </a:endParaRPr>
+          </a:p>
+        </p:txBody>
+      </p:sp>
+    </p:spTree>
+    <p:extLst>
+      <p:ext uri="{BB962C8B-B14F-4D97-AF65-F5344CB8AC3E}">
+        <p14:creationId xmlns:p14="http://schemas.microsoft.com/office/powerpoint/2010/main" val="1331775487"/>
+      </p:ext>
+    </p:extLst>
+  </p:cSld>
+  <p:clrMapOvr>
+    <a:masterClrMapping/>
+  </p:clrMapOvr>
+  <p:timing>
+    <p:tnLst>
+      <p:par>
+        <p:cTn id="1" dur="indefinite" restart="never" nodeType="tmRoot"/>
+      </p:par>
+    </p:tnLst>
+  </p:timing>
+</p:sld>
+</file>
+
+<file path=ppt/slides/slide17.xml><?xml version="1.0" encoding="utf-8"?>
+<p:sld xmlns:a="http://schemas.openxmlformats.org/drawingml/2006/main" xmlns:r="http://schemas.openxmlformats.org/officeDocument/2006/relationships" xmlns:p="http://schemas.openxmlformats.org/presentationml/2006/main">
+  <p:cSld>
+    <p:spTree>
+      <p:nvGrpSpPr>
+        <p:cNvPr id="1" name=""/>
+        <p:cNvGrpSpPr/>
+        <p:nvPr/>
+      </p:nvGrpSpPr>
+      <p:grpSpPr>
+        <a:xfrm>
+          <a:off x="0" y="0"/>
+          <a:ext cx="0" cy="0"/>
+          <a:chOff x="0" y="0"/>
+          <a:chExt cx="0" cy="0"/>
+        </a:xfrm>
+      </p:grpSpPr>
+      <p:cxnSp>
+        <p:nvCxnSpPr>
+          <p:cNvPr id="5" name="直線接點 4"/>
+          <p:cNvCxnSpPr/>
+          <p:nvPr/>
+        </p:nvCxnSpPr>
+        <p:spPr>
+          <a:xfrm>
+            <a:off x="611560" y="1431557"/>
+            <a:ext cx="7956376" cy="0"/>
+          </a:xfrm>
+          <a:prstGeom prst="line">
+            <a:avLst/>
+          </a:prstGeom>
+          <a:ln w="76200">
+            <a:solidFill>
+              <a:schemeClr val="accent2">
+                <a:lumMod val="50000"/>
+              </a:schemeClr>
+            </a:solidFill>
+          </a:ln>
+        </p:spPr>
+        <p:style>
+          <a:lnRef idx="1">
+            <a:schemeClr val="dk1"/>
+          </a:lnRef>
+          <a:fillRef idx="0">
+            <a:schemeClr val="dk1"/>
+          </a:fillRef>
+          <a:effectRef idx="0">
+            <a:schemeClr val="dk1"/>
+          </a:effectRef>
+          <a:fontRef idx="minor">
+            <a:schemeClr val="tx1"/>
+          </a:fontRef>
+        </p:style>
+      </p:cxnSp>
+      <p:sp>
+        <p:nvSpPr>
+          <p:cNvPr id="7" name="文字方塊 6"/>
+          <p:cNvSpPr txBox="1"/>
+          <p:nvPr/>
+        </p:nvSpPr>
+        <p:spPr>
+          <a:xfrm>
+            <a:off x="591681" y="430956"/>
+            <a:ext cx="3384376" cy="830997"/>
+          </a:xfrm>
+          <a:prstGeom prst="rect">
+            <a:avLst/>
+          </a:prstGeom>
+          <a:noFill/>
+        </p:spPr>
+        <p:txBody>
+          <a:bodyPr wrap="square" rtlCol="0">
+            <a:spAutoFit/>
+          </a:bodyPr>
+          <a:lstStyle/>
+          <a:p>
+            <a:r>
+              <a:rPr lang="zh-TW" altLang="en-US" sz="4800" b="1" dirty="0" smtClean="0">
+                <a:solidFill>
+                  <a:schemeClr val="accent2">
+                    <a:lumMod val="50000"/>
+                  </a:schemeClr>
+                </a:solidFill>
+                <a:latin typeface="微軟正黑體" panose="020B0604030504040204" pitchFamily="34" charset="-120"/>
+                <a:ea typeface="微軟正黑體" panose="020B0604030504040204" pitchFamily="34" charset="-120"/>
+              </a:rPr>
               <a:t>專案網址</a:t>
             </a:r>
             <a:endParaRPr lang="zh-TW" altLang="en-US" sz="4800" b="1" dirty="0">
@@ -8226,7 +8972,7 @@
 </p:sld>
 </file>
 
-<file path=ppt/slides/slide17.xml><?xml version="1.0" encoding="utf-8"?>
+<file path=ppt/slides/slide18.xml><?xml version="1.0" encoding="utf-8"?>
 <p:sld xmlns:a="http://schemas.openxmlformats.org/drawingml/2006/main" xmlns:r="http://schemas.openxmlformats.org/officeDocument/2006/relationships" xmlns:p="http://schemas.openxmlformats.org/presentationml/2006/main">
   <p:cSld>
     <p:spTree>
